--- a/工作文档/AStar算法及导航网格寻路.pptx
+++ b/工作文档/AStar算法及导航网格寻路.pptx
@@ -18,6 +18,12 @@
     <p:sldId id="266" r:id="rId12"/>
     <p:sldId id="267" r:id="rId13"/>
     <p:sldId id="268" r:id="rId14"/>
+    <p:sldId id="270" r:id="rId15"/>
+    <p:sldId id="271" r:id="rId16"/>
+    <p:sldId id="272" r:id="rId17"/>
+    <p:sldId id="273" r:id="rId18"/>
+    <p:sldId id="274" r:id="rId19"/>
+    <p:sldId id="275" r:id="rId20"/>
   </p:sldIdLst>
   <p:sldSz cx="9144000" cy="6858000" type="screen4x3"/>
   <p:notesSz cx="6858000" cy="9144000"/>
@@ -300,7 +306,8 @@
           <a:p>
             <a:fld id="{7AE3CFD7-BB7A-408C-9877-95EF1D22AA6B}" type="datetimeFigureOut">
               <a:rPr lang="zh-CN" altLang="en-US" smtClean="0"/>
-              <a:t>2012-7-11</a:t>
+              <a:pPr/>
+              <a:t>2012/7/12</a:t>
             </a:fld>
             <a:endParaRPr lang="zh-CN" altLang="en-US"/>
           </a:p>
@@ -342,6 +349,7 @@
           <a:p>
             <a:fld id="{E290B8F9-AA3B-4FD9-8944-00A8444F1D6B}" type="slidenum">
               <a:rPr lang="zh-CN" altLang="en-US" smtClean="0"/>
+              <a:pPr/>
               <a:t>‹#›</a:t>
             </a:fld>
             <a:endParaRPr lang="zh-CN" altLang="en-US"/>
@@ -465,7 +473,8 @@
           <a:p>
             <a:fld id="{7AE3CFD7-BB7A-408C-9877-95EF1D22AA6B}" type="datetimeFigureOut">
               <a:rPr lang="zh-CN" altLang="en-US" smtClean="0"/>
-              <a:t>2012-7-11</a:t>
+              <a:pPr/>
+              <a:t>2012/7/12</a:t>
             </a:fld>
             <a:endParaRPr lang="zh-CN" altLang="en-US"/>
           </a:p>
@@ -507,6 +516,7 @@
           <a:p>
             <a:fld id="{E290B8F9-AA3B-4FD9-8944-00A8444F1D6B}" type="slidenum">
               <a:rPr lang="zh-CN" altLang="en-US" smtClean="0"/>
+              <a:pPr/>
               <a:t>‹#›</a:t>
             </a:fld>
             <a:endParaRPr lang="zh-CN" altLang="en-US"/>
@@ -640,7 +650,8 @@
           <a:p>
             <a:fld id="{7AE3CFD7-BB7A-408C-9877-95EF1D22AA6B}" type="datetimeFigureOut">
               <a:rPr lang="zh-CN" altLang="en-US" smtClean="0"/>
-              <a:t>2012-7-11</a:t>
+              <a:pPr/>
+              <a:t>2012/7/12</a:t>
             </a:fld>
             <a:endParaRPr lang="zh-CN" altLang="en-US"/>
           </a:p>
@@ -682,6 +693,7 @@
           <a:p>
             <a:fld id="{E290B8F9-AA3B-4FD9-8944-00A8444F1D6B}" type="slidenum">
               <a:rPr lang="zh-CN" altLang="en-US" smtClean="0"/>
+              <a:pPr/>
               <a:t>‹#›</a:t>
             </a:fld>
             <a:endParaRPr lang="zh-CN" altLang="en-US"/>
@@ -805,7 +817,8 @@
           <a:p>
             <a:fld id="{7AE3CFD7-BB7A-408C-9877-95EF1D22AA6B}" type="datetimeFigureOut">
               <a:rPr lang="zh-CN" altLang="en-US" smtClean="0"/>
-              <a:t>2012-7-11</a:t>
+              <a:pPr/>
+              <a:t>2012/7/12</a:t>
             </a:fld>
             <a:endParaRPr lang="zh-CN" altLang="en-US"/>
           </a:p>
@@ -847,6 +860,7 @@
           <a:p>
             <a:fld id="{E290B8F9-AA3B-4FD9-8944-00A8444F1D6B}" type="slidenum">
               <a:rPr lang="zh-CN" altLang="en-US" smtClean="0"/>
+              <a:pPr/>
               <a:t>‹#›</a:t>
             </a:fld>
             <a:endParaRPr lang="zh-CN" altLang="en-US"/>
@@ -1046,7 +1060,8 @@
           <a:p>
             <a:fld id="{7AE3CFD7-BB7A-408C-9877-95EF1D22AA6B}" type="datetimeFigureOut">
               <a:rPr lang="zh-CN" altLang="en-US" smtClean="0"/>
-              <a:t>2012-7-11</a:t>
+              <a:pPr/>
+              <a:t>2012/7/12</a:t>
             </a:fld>
             <a:endParaRPr lang="zh-CN" altLang="en-US"/>
           </a:p>
@@ -1088,6 +1103,7 @@
           <a:p>
             <a:fld id="{E290B8F9-AA3B-4FD9-8944-00A8444F1D6B}" type="slidenum">
               <a:rPr lang="zh-CN" altLang="en-US" smtClean="0"/>
+              <a:pPr/>
               <a:t>‹#›</a:t>
             </a:fld>
             <a:endParaRPr lang="zh-CN" altLang="en-US"/>
@@ -1329,7 +1345,8 @@
           <a:p>
             <a:fld id="{7AE3CFD7-BB7A-408C-9877-95EF1D22AA6B}" type="datetimeFigureOut">
               <a:rPr lang="zh-CN" altLang="en-US" smtClean="0"/>
-              <a:t>2012-7-11</a:t>
+              <a:pPr/>
+              <a:t>2012/7/12</a:t>
             </a:fld>
             <a:endParaRPr lang="zh-CN" altLang="en-US"/>
           </a:p>
@@ -1371,6 +1388,7 @@
           <a:p>
             <a:fld id="{E290B8F9-AA3B-4FD9-8944-00A8444F1D6B}" type="slidenum">
               <a:rPr lang="zh-CN" altLang="en-US" smtClean="0"/>
+              <a:pPr/>
               <a:t>‹#›</a:t>
             </a:fld>
             <a:endParaRPr lang="zh-CN" altLang="en-US"/>
@@ -1746,7 +1764,8 @@
           <a:p>
             <a:fld id="{7AE3CFD7-BB7A-408C-9877-95EF1D22AA6B}" type="datetimeFigureOut">
               <a:rPr lang="zh-CN" altLang="en-US" smtClean="0"/>
-              <a:t>2012-7-11</a:t>
+              <a:pPr/>
+              <a:t>2012/7/12</a:t>
             </a:fld>
             <a:endParaRPr lang="zh-CN" altLang="en-US"/>
           </a:p>
@@ -1788,6 +1807,7 @@
           <a:p>
             <a:fld id="{E290B8F9-AA3B-4FD9-8944-00A8444F1D6B}" type="slidenum">
               <a:rPr lang="zh-CN" altLang="en-US" smtClean="0"/>
+              <a:pPr/>
               <a:t>‹#›</a:t>
             </a:fld>
             <a:endParaRPr lang="zh-CN" altLang="en-US"/>
@@ -1859,7 +1879,8 @@
           <a:p>
             <a:fld id="{7AE3CFD7-BB7A-408C-9877-95EF1D22AA6B}" type="datetimeFigureOut">
               <a:rPr lang="zh-CN" altLang="en-US" smtClean="0"/>
-              <a:t>2012-7-11</a:t>
+              <a:pPr/>
+              <a:t>2012/7/12</a:t>
             </a:fld>
             <a:endParaRPr lang="zh-CN" altLang="en-US"/>
           </a:p>
@@ -1901,6 +1922,7 @@
           <a:p>
             <a:fld id="{E290B8F9-AA3B-4FD9-8944-00A8444F1D6B}" type="slidenum">
               <a:rPr lang="zh-CN" altLang="en-US" smtClean="0"/>
+              <a:pPr/>
               <a:t>‹#›</a:t>
             </a:fld>
             <a:endParaRPr lang="zh-CN" altLang="en-US"/>
@@ -1949,7 +1971,8 @@
           <a:p>
             <a:fld id="{7AE3CFD7-BB7A-408C-9877-95EF1D22AA6B}" type="datetimeFigureOut">
               <a:rPr lang="zh-CN" altLang="en-US" smtClean="0"/>
-              <a:t>2012-7-11</a:t>
+              <a:pPr/>
+              <a:t>2012/7/12</a:t>
             </a:fld>
             <a:endParaRPr lang="zh-CN" altLang="en-US"/>
           </a:p>
@@ -1991,6 +2014,7 @@
           <a:p>
             <a:fld id="{E290B8F9-AA3B-4FD9-8944-00A8444F1D6B}" type="slidenum">
               <a:rPr lang="zh-CN" altLang="en-US" smtClean="0"/>
+              <a:pPr/>
               <a:t>‹#›</a:t>
             </a:fld>
             <a:endParaRPr lang="zh-CN" altLang="en-US"/>
@@ -2221,7 +2245,8 @@
           <a:p>
             <a:fld id="{7AE3CFD7-BB7A-408C-9877-95EF1D22AA6B}" type="datetimeFigureOut">
               <a:rPr lang="zh-CN" altLang="en-US" smtClean="0"/>
-              <a:t>2012-7-11</a:t>
+              <a:pPr/>
+              <a:t>2012/7/12</a:t>
             </a:fld>
             <a:endParaRPr lang="zh-CN" altLang="en-US"/>
           </a:p>
@@ -2263,6 +2288,7 @@
           <a:p>
             <a:fld id="{E290B8F9-AA3B-4FD9-8944-00A8444F1D6B}" type="slidenum">
               <a:rPr lang="zh-CN" altLang="en-US" smtClean="0"/>
+              <a:pPr/>
               <a:t>‹#›</a:t>
             </a:fld>
             <a:endParaRPr lang="zh-CN" altLang="en-US"/>
@@ -2469,7 +2495,8 @@
           <a:p>
             <a:fld id="{7AE3CFD7-BB7A-408C-9877-95EF1D22AA6B}" type="datetimeFigureOut">
               <a:rPr lang="zh-CN" altLang="en-US" smtClean="0"/>
-              <a:t>2012-7-11</a:t>
+              <a:pPr/>
+              <a:t>2012/7/12</a:t>
             </a:fld>
             <a:endParaRPr lang="zh-CN" altLang="en-US"/>
           </a:p>
@@ -2511,6 +2538,7 @@
           <a:p>
             <a:fld id="{E290B8F9-AA3B-4FD9-8944-00A8444F1D6B}" type="slidenum">
               <a:rPr lang="zh-CN" altLang="en-US" smtClean="0"/>
+              <a:pPr/>
               <a:t>‹#›</a:t>
             </a:fld>
             <a:endParaRPr lang="zh-CN" altLang="en-US"/>
@@ -2677,7 +2705,8 @@
           <a:p>
             <a:fld id="{7AE3CFD7-BB7A-408C-9877-95EF1D22AA6B}" type="datetimeFigureOut">
               <a:rPr lang="zh-CN" altLang="en-US" smtClean="0"/>
-              <a:t>2012-7-11</a:t>
+              <a:pPr/>
+              <a:t>2012/7/12</a:t>
             </a:fld>
             <a:endParaRPr lang="zh-CN" altLang="en-US"/>
           </a:p>
@@ -2755,6 +2784,7 @@
           <a:p>
             <a:fld id="{E290B8F9-AA3B-4FD9-8944-00A8444F1D6B}" type="slidenum">
               <a:rPr lang="zh-CN" altLang="en-US" smtClean="0"/>
+              <a:pPr/>
               <a:t>‹#›</a:t>
             </a:fld>
             <a:endParaRPr lang="zh-CN" altLang="en-US"/>
@@ -3063,33 +3093,14 @@
           <a:lstStyle/>
           <a:p>
             <a:r>
-              <a:rPr lang="en-US" altLang="zh-CN" dirty="0" smtClean="0"/>
+              <a:rPr lang="en-US" altLang="zh-CN" b="1" dirty="0" smtClean="0"/>
               <a:t>A</a:t>
             </a:r>
             <a:r>
-              <a:rPr lang="zh-CN" altLang="en-US" dirty="0" smtClean="0"/>
+              <a:rPr lang="zh-CN" altLang="en-US" b="1" dirty="0" smtClean="0"/>
               <a:t>*算法及导航网格寻路</a:t>
             </a:r>
-            <a:endParaRPr lang="zh-CN" altLang="en-US" dirty="0"/>
-          </a:p>
-        </p:txBody>
-      </p:sp>
-      <p:sp>
-        <p:nvSpPr>
-          <p:cNvPr id="3" name="副标题 2"/>
-          <p:cNvSpPr>
-            <a:spLocks noGrp="1"/>
-          </p:cNvSpPr>
-          <p:nvPr>
-            <p:ph type="subTitle" idx="1"/>
-          </p:nvPr>
-        </p:nvSpPr>
-        <p:spPr/>
-        <p:txBody>
-          <a:bodyPr/>
-          <a:lstStyle/>
-          <a:p>
-            <a:endParaRPr lang="zh-CN" altLang="en-US" dirty="0"/>
+            <a:endParaRPr lang="zh-CN" altLang="en-US" b="1" dirty="0"/>
           </a:p>
         </p:txBody>
       </p:sp>
@@ -4037,10 +4048,220 @@
         </p:nvSpPr>
         <p:spPr/>
         <p:txBody>
+          <a:bodyPr>
+            <a:normAutofit/>
+          </a:bodyPr>
+          <a:lstStyle/>
+          <a:p>
+            <a:r>
+              <a:rPr lang="zh-CN" altLang="en-US" dirty="0" smtClean="0"/>
+              <a:t>自创基于格子地图的多边形算法</a:t>
+            </a:r>
+            <a:endParaRPr lang="zh-CN" altLang="en-US" dirty="0"/>
+          </a:p>
+        </p:txBody>
+      </p:sp>
+      <p:sp>
+        <p:nvSpPr>
+          <p:cNvPr id="3" name="内容占位符 2"/>
+          <p:cNvSpPr>
+            <a:spLocks noGrp="1"/>
+          </p:cNvSpPr>
+          <p:nvPr>
+            <p:ph idx="1"/>
+          </p:nvPr>
+        </p:nvSpPr>
+        <p:spPr/>
+        <p:txBody>
+          <a:bodyPr>
+            <a:normAutofit lnSpcReduction="10000"/>
+          </a:bodyPr>
+          <a:lstStyle/>
+          <a:p>
+            <a:r>
+              <a:rPr lang="en-US" altLang="zh-CN" dirty="0" smtClean="0"/>
+              <a:t>1.</a:t>
+            </a:r>
+            <a:r>
+              <a:rPr lang="zh-CN" altLang="en-US" dirty="0" smtClean="0"/>
+              <a:t>遍历所有的格子点，如果该格子点还未被访问过。</a:t>
+            </a:r>
+            <a:endParaRPr lang="en-US" altLang="zh-CN" dirty="0" smtClean="0"/>
+          </a:p>
+          <a:p>
+            <a:r>
+              <a:rPr lang="en-US" altLang="zh-CN" dirty="0" smtClean="0"/>
+              <a:t>         1</a:t>
+            </a:r>
+            <a:r>
+              <a:rPr lang="zh-CN" altLang="en-US" dirty="0" smtClean="0"/>
+              <a:t>）如果是可过点，则按顺时针方向依次遍历邻接于不可过点的所有可过点，形成一个多边形；</a:t>
+            </a:r>
+            <a:r>
+              <a:rPr lang="zh-CN" altLang="en-US" dirty="0" smtClean="0"/>
+              <a:t>如果</a:t>
+            </a:r>
+            <a:r>
+              <a:rPr lang="zh-CN" altLang="en-US" dirty="0" smtClean="0"/>
+              <a:t>是不可</a:t>
+            </a:r>
+            <a:r>
+              <a:rPr lang="zh-CN" altLang="en-US" dirty="0" smtClean="0"/>
+              <a:t>过点，则</a:t>
+            </a:r>
+            <a:r>
+              <a:rPr lang="zh-CN" altLang="en-US" dirty="0" smtClean="0"/>
+              <a:t>按逆时针</a:t>
+            </a:r>
+            <a:r>
+              <a:rPr lang="zh-CN" altLang="en-US" dirty="0" smtClean="0"/>
+              <a:t>方向依次遍历邻接</a:t>
+            </a:r>
+            <a:r>
+              <a:rPr lang="zh-CN" altLang="en-US" dirty="0" smtClean="0"/>
+              <a:t>于可</a:t>
+            </a:r>
+            <a:r>
+              <a:rPr lang="zh-CN" altLang="en-US" dirty="0" smtClean="0"/>
+              <a:t>过点的</a:t>
+            </a:r>
+            <a:r>
+              <a:rPr lang="zh-CN" altLang="en-US" dirty="0" smtClean="0"/>
+              <a:t>所有不可</a:t>
+            </a:r>
+            <a:r>
+              <a:rPr lang="zh-CN" altLang="en-US" dirty="0" smtClean="0"/>
+              <a:t>过点，形成一个</a:t>
+            </a:r>
+            <a:r>
+              <a:rPr lang="zh-CN" altLang="en-US" dirty="0" smtClean="0"/>
+              <a:t>多边形。  </a:t>
+            </a:r>
+            <a:endParaRPr lang="en-US" altLang="zh-CN" dirty="0" smtClean="0"/>
+          </a:p>
+          <a:p>
+            <a:r>
+              <a:rPr lang="en-US" altLang="zh-CN" dirty="0" smtClean="0"/>
+              <a:t> </a:t>
+            </a:r>
+            <a:r>
+              <a:rPr lang="en-US" altLang="zh-CN" dirty="0" smtClean="0"/>
+              <a:t>       2</a:t>
+            </a:r>
+            <a:r>
+              <a:rPr lang="zh-CN" altLang="en-US" dirty="0" smtClean="0"/>
+              <a:t>）从该点出发，遍历所有邻接的同可过或同不可过点，将这些点标记为已访问。</a:t>
+            </a:r>
+            <a:endParaRPr lang="en-US" altLang="zh-CN" dirty="0" smtClean="0"/>
+          </a:p>
+        </p:txBody>
+      </p:sp>
+    </p:spTree>
+  </p:cSld>
+  <p:clrMapOvr>
+    <a:masterClrMapping/>
+  </p:clrMapOvr>
+</p:sld>
+</file>
+
+<file path=ppt/slides/slide14.xml><?xml version="1.0" encoding="utf-8"?>
+<p:sld xmlns:a="http://schemas.openxmlformats.org/drawingml/2006/main" xmlns:r="http://schemas.openxmlformats.org/officeDocument/2006/relationships" xmlns:p="http://schemas.openxmlformats.org/presentationml/2006/main">
+  <p:cSld>
+    <p:spTree>
+      <p:nvGrpSpPr>
+        <p:cNvPr id="1" name=""/>
+        <p:cNvGrpSpPr/>
+        <p:nvPr/>
+      </p:nvGrpSpPr>
+      <p:grpSpPr>
+        <a:xfrm>
+          <a:off x="0" y="0"/>
+          <a:ext cx="0" cy="0"/>
+          <a:chOff x="0" y="0"/>
+          <a:chExt cx="0" cy="0"/>
+        </a:xfrm>
+      </p:grpSpPr>
+      <p:pic>
+        <p:nvPicPr>
+          <p:cNvPr id="2050" name="Picture 2"/>
+          <p:cNvPicPr>
+            <a:picLocks noChangeAspect="1" noChangeArrowheads="1"/>
+          </p:cNvPicPr>
+          <p:nvPr/>
+        </p:nvPicPr>
+        <p:blipFill>
+          <a:blip r:embed="rId2" cstate="print"/>
+          <a:srcRect/>
+          <a:stretch>
+            <a:fillRect/>
+          </a:stretch>
+        </p:blipFill>
+        <p:spPr bwMode="auto">
+          <a:xfrm>
+            <a:off x="333611" y="941065"/>
+            <a:ext cx="8486861" cy="5080223"/>
+          </a:xfrm>
+          <a:prstGeom prst="rect">
+            <a:avLst/>
+          </a:prstGeom>
+          <a:noFill/>
+          <a:ln w="9525">
+            <a:noFill/>
+            <a:miter lim="800000"/>
+            <a:headEnd/>
+            <a:tailEnd/>
+          </a:ln>
+        </p:spPr>
+      </p:pic>
+    </p:spTree>
+  </p:cSld>
+  <p:clrMapOvr>
+    <a:masterClrMapping/>
+  </p:clrMapOvr>
+</p:sld>
+</file>
+
+<file path=ppt/slides/slide15.xml><?xml version="1.0" encoding="utf-8"?>
+<p:sld xmlns:a="http://schemas.openxmlformats.org/drawingml/2006/main" xmlns:r="http://schemas.openxmlformats.org/officeDocument/2006/relationships" xmlns:p="http://schemas.openxmlformats.org/presentationml/2006/main">
+  <p:cSld>
+    <p:spTree>
+      <p:nvGrpSpPr>
+        <p:cNvPr id="1" name=""/>
+        <p:cNvGrpSpPr/>
+        <p:nvPr/>
+      </p:nvGrpSpPr>
+      <p:grpSpPr>
+        <a:xfrm>
+          <a:off x="0" y="0"/>
+          <a:ext cx="0" cy="0"/>
+          <a:chOff x="0" y="0"/>
+          <a:chExt cx="0" cy="0"/>
+        </a:xfrm>
+      </p:grpSpPr>
+      <p:sp>
+        <p:nvSpPr>
+          <p:cNvPr id="2" name="标题 1"/>
+          <p:cNvSpPr>
+            <a:spLocks noGrp="1"/>
+          </p:cNvSpPr>
+          <p:nvPr>
+            <p:ph type="title"/>
+          </p:nvPr>
+        </p:nvSpPr>
+        <p:spPr/>
+        <p:txBody>
           <a:bodyPr/>
           <a:lstStyle/>
           <a:p>
-            <a:endParaRPr lang="zh-CN" altLang="en-US"/>
+            <a:r>
+              <a:rPr lang="en-US" altLang="zh-CN" dirty="0" smtClean="0"/>
+              <a:t>Delaunay</a:t>
+            </a:r>
+            <a:r>
+              <a:rPr lang="zh-CN" altLang="en-US" dirty="0" smtClean="0"/>
+              <a:t>三角剖分</a:t>
+            </a:r>
+            <a:endParaRPr lang="zh-CN" altLang="en-US" dirty="0"/>
           </a:p>
         </p:txBody>
       </p:sp>
@@ -4056,10 +4277,987 @@
         </p:nvSpPr>
         <p:spPr/>
         <p:txBody>
+          <a:bodyPr>
+            <a:normAutofit lnSpcReduction="10000"/>
+          </a:bodyPr>
+          <a:lstStyle/>
+          <a:p>
+            <a:r>
+              <a:rPr lang="en-US" altLang="zh-CN" dirty="0" smtClean="0"/>
+              <a:t>【</a:t>
+            </a:r>
+            <a:r>
+              <a:rPr lang="zh-CN" altLang="en-US" dirty="0" smtClean="0"/>
+              <a:t>定义</a:t>
+            </a:r>
+            <a:r>
+              <a:rPr lang="en-US" altLang="zh-CN" dirty="0" smtClean="0"/>
+              <a:t>】Delaunay</a:t>
+            </a:r>
+            <a:r>
+              <a:rPr lang="zh-CN" altLang="en-US" dirty="0" smtClean="0"/>
+              <a:t>边：假设</a:t>
+            </a:r>
+            <a:r>
+              <a:rPr lang="en-US" altLang="zh-CN" dirty="0" smtClean="0"/>
+              <a:t>E</a:t>
+            </a:r>
+            <a:r>
+              <a:rPr lang="zh-CN" altLang="en-US" dirty="0" smtClean="0"/>
+              <a:t>中的一条边</a:t>
+            </a:r>
+            <a:r>
+              <a:rPr lang="en-US" altLang="zh-CN" dirty="0" smtClean="0"/>
+              <a:t>e</a:t>
+            </a:r>
+            <a:r>
+              <a:rPr lang="zh-CN" altLang="en-US" dirty="0" smtClean="0"/>
+              <a:t>（两个端点为</a:t>
+            </a:r>
+            <a:r>
+              <a:rPr lang="en-US" altLang="zh-CN" dirty="0" err="1" smtClean="0"/>
+              <a:t>a,b</a:t>
+            </a:r>
+            <a:r>
+              <a:rPr lang="zh-CN" altLang="en-US" dirty="0" smtClean="0"/>
+              <a:t>），</a:t>
+            </a:r>
+            <a:r>
+              <a:rPr lang="en-US" altLang="zh-CN" dirty="0" smtClean="0"/>
+              <a:t>e</a:t>
+            </a:r>
+            <a:r>
+              <a:rPr lang="zh-CN" altLang="en-US" dirty="0" smtClean="0"/>
+              <a:t>若满足下列条件，则称之为</a:t>
+            </a:r>
+            <a:r>
+              <a:rPr lang="en-US" altLang="zh-CN" dirty="0" smtClean="0"/>
+              <a:t>Delaunay</a:t>
+            </a:r>
+            <a:r>
+              <a:rPr lang="zh-CN" altLang="en-US" dirty="0" smtClean="0"/>
+              <a:t>边：存在一个圆经过</a:t>
+            </a:r>
+            <a:r>
+              <a:rPr lang="en-US" altLang="zh-CN" dirty="0" err="1" smtClean="0"/>
+              <a:t>a,b</a:t>
+            </a:r>
+            <a:r>
+              <a:rPr lang="zh-CN" altLang="en-US" dirty="0" smtClean="0"/>
+              <a:t>两点，圆内</a:t>
+            </a:r>
+            <a:r>
+              <a:rPr lang="en-US" altLang="zh-CN" dirty="0" smtClean="0"/>
+              <a:t>(</a:t>
+            </a:r>
+            <a:r>
+              <a:rPr lang="zh-CN" altLang="en-US" dirty="0" smtClean="0"/>
+              <a:t>注意是圆内，圆上最多三点共圆</a:t>
+            </a:r>
+            <a:r>
+              <a:rPr lang="en-US" altLang="zh-CN" dirty="0" smtClean="0"/>
+              <a:t>)</a:t>
+            </a:r>
+            <a:r>
+              <a:rPr lang="zh-CN" altLang="en-US" dirty="0" smtClean="0"/>
+              <a:t>不含点集</a:t>
+            </a:r>
+            <a:r>
+              <a:rPr lang="en-US" altLang="zh-CN" dirty="0" smtClean="0"/>
+              <a:t>V</a:t>
+            </a:r>
+            <a:r>
+              <a:rPr lang="zh-CN" altLang="en-US" dirty="0" smtClean="0"/>
+              <a:t>中任何其他的点，这一特性又称空圆特性。</a:t>
+            </a:r>
+          </a:p>
+          <a:p>
+            <a:r>
+              <a:rPr lang="zh-CN" altLang="en-US" dirty="0" smtClean="0"/>
+              <a:t>    </a:t>
+            </a:r>
+            <a:r>
+              <a:rPr lang="en-US" altLang="zh-CN" dirty="0" smtClean="0"/>
+              <a:t>【</a:t>
+            </a:r>
+            <a:r>
+              <a:rPr lang="zh-CN" altLang="en-US" dirty="0" smtClean="0"/>
+              <a:t>定义</a:t>
+            </a:r>
+            <a:r>
+              <a:rPr lang="en-US" altLang="zh-CN" dirty="0" smtClean="0"/>
+              <a:t>】Delaunay</a:t>
+            </a:r>
+            <a:r>
+              <a:rPr lang="zh-CN" altLang="en-US" dirty="0" smtClean="0"/>
+              <a:t>三角剖分：如果点集</a:t>
+            </a:r>
+            <a:r>
+              <a:rPr lang="en-US" altLang="zh-CN" dirty="0" smtClean="0"/>
+              <a:t>V</a:t>
+            </a:r>
+            <a:r>
+              <a:rPr lang="zh-CN" altLang="en-US" dirty="0" smtClean="0"/>
+              <a:t>的一个三角剖分</a:t>
+            </a:r>
+            <a:r>
+              <a:rPr lang="en-US" altLang="zh-CN" dirty="0" smtClean="0"/>
+              <a:t>T</a:t>
+            </a:r>
+            <a:r>
+              <a:rPr lang="zh-CN" altLang="en-US" dirty="0" smtClean="0"/>
+              <a:t>只包含</a:t>
+            </a:r>
+            <a:r>
+              <a:rPr lang="en-US" altLang="zh-CN" dirty="0" smtClean="0"/>
+              <a:t>Delaunay</a:t>
+            </a:r>
+            <a:r>
+              <a:rPr lang="zh-CN" altLang="en-US" dirty="0" smtClean="0"/>
+              <a:t>边，那么该三角剖分称为</a:t>
+            </a:r>
+            <a:r>
+              <a:rPr lang="en-US" altLang="zh-CN" dirty="0" smtClean="0"/>
+              <a:t>Delaunay</a:t>
+            </a:r>
+            <a:r>
+              <a:rPr lang="zh-CN" altLang="en-US" dirty="0" smtClean="0"/>
+              <a:t>三角剖分</a:t>
+            </a:r>
+            <a:r>
+              <a:rPr lang="zh-CN" altLang="en-US" dirty="0" smtClean="0"/>
+              <a:t>。</a:t>
+            </a:r>
+            <a:endParaRPr lang="zh-CN" altLang="en-US" dirty="0" smtClean="0"/>
+          </a:p>
+        </p:txBody>
+      </p:sp>
+    </p:spTree>
+  </p:cSld>
+  <p:clrMapOvr>
+    <a:masterClrMapping/>
+  </p:clrMapOvr>
+</p:sld>
+</file>
+
+<file path=ppt/slides/slide16.xml><?xml version="1.0" encoding="utf-8"?>
+<p:sld xmlns:a="http://schemas.openxmlformats.org/drawingml/2006/main" xmlns:r="http://schemas.openxmlformats.org/officeDocument/2006/relationships" xmlns:p="http://schemas.openxmlformats.org/presentationml/2006/main">
+  <p:cSld>
+    <p:spTree>
+      <p:nvGrpSpPr>
+        <p:cNvPr id="1" name=""/>
+        <p:cNvGrpSpPr/>
+        <p:nvPr/>
+      </p:nvGrpSpPr>
+      <p:grpSpPr>
+        <a:xfrm>
+          <a:off x="0" y="0"/>
+          <a:ext cx="0" cy="0"/>
+          <a:chOff x="0" y="0"/>
+          <a:chExt cx="0" cy="0"/>
+        </a:xfrm>
+      </p:grpSpPr>
+      <p:sp>
+        <p:nvSpPr>
+          <p:cNvPr id="2" name="标题 1"/>
+          <p:cNvSpPr>
+            <a:spLocks noGrp="1"/>
+          </p:cNvSpPr>
+          <p:nvPr>
+            <p:ph type="title"/>
+          </p:nvPr>
+        </p:nvSpPr>
+        <p:spPr/>
+        <p:txBody>
           <a:bodyPr/>
           <a:lstStyle/>
           <a:p>
-            <a:endParaRPr lang="zh-CN" altLang="en-US"/>
+            <a:r>
+              <a:rPr lang="en-US" altLang="zh-CN" b="1" dirty="0" smtClean="0"/>
+              <a:t>Delaunay</a:t>
+            </a:r>
+            <a:r>
+              <a:rPr lang="zh-CN" altLang="en-US" b="1" dirty="0" smtClean="0"/>
+              <a:t>三角剖分特性</a:t>
+            </a:r>
+            <a:endParaRPr lang="zh-CN" altLang="en-US" b="1" dirty="0"/>
+          </a:p>
+        </p:txBody>
+      </p:sp>
+      <p:sp>
+        <p:nvSpPr>
+          <p:cNvPr id="3" name="内容占位符 2"/>
+          <p:cNvSpPr>
+            <a:spLocks noGrp="1"/>
+          </p:cNvSpPr>
+          <p:nvPr>
+            <p:ph idx="1"/>
+          </p:nvPr>
+        </p:nvSpPr>
+        <p:spPr/>
+        <p:txBody>
+          <a:bodyPr>
+            <a:normAutofit fontScale="77500" lnSpcReduction="20000"/>
+          </a:bodyPr>
+          <a:lstStyle/>
+          <a:p>
+            <a:r>
+              <a:rPr lang="zh-CN" altLang="en-US" b="1" dirty="0" smtClean="0"/>
+              <a:t>    </a:t>
+            </a:r>
+            <a:r>
+              <a:rPr lang="en-US" altLang="zh-CN" b="1" dirty="0" smtClean="0"/>
+              <a:t>1.</a:t>
+            </a:r>
+            <a:r>
+              <a:rPr lang="zh-CN" altLang="en-US" b="1" dirty="0" smtClean="0"/>
+              <a:t>最接近：以最近临的三点形成三角形，且各线段</a:t>
+            </a:r>
+            <a:r>
+              <a:rPr lang="en-US" altLang="zh-CN" b="1" dirty="0" smtClean="0"/>
+              <a:t>(</a:t>
+            </a:r>
+            <a:r>
+              <a:rPr lang="zh-CN" altLang="en-US" b="1" dirty="0" smtClean="0"/>
+              <a:t>三角形的边</a:t>
+            </a:r>
+            <a:r>
+              <a:rPr lang="en-US" altLang="zh-CN" b="1" dirty="0" smtClean="0"/>
+              <a:t>)</a:t>
+            </a:r>
+            <a:r>
+              <a:rPr lang="zh-CN" altLang="en-US" b="1" dirty="0" smtClean="0"/>
+              <a:t>皆不相交。</a:t>
+            </a:r>
+          </a:p>
+          <a:p>
+            <a:r>
+              <a:rPr lang="zh-CN" altLang="en-US" b="1" dirty="0" smtClean="0"/>
+              <a:t>    </a:t>
+            </a:r>
+            <a:r>
+              <a:rPr lang="en-US" altLang="zh-CN" b="1" dirty="0" smtClean="0"/>
+              <a:t>2.</a:t>
+            </a:r>
+            <a:r>
+              <a:rPr lang="zh-CN" altLang="en-US" b="1" dirty="0" smtClean="0"/>
+              <a:t>唯一性：不论从区域何处开始构建，最终都将得到一致的结果。</a:t>
+            </a:r>
+          </a:p>
+          <a:p>
+            <a:r>
+              <a:rPr lang="zh-CN" altLang="en-US" b="1" dirty="0" smtClean="0"/>
+              <a:t>    </a:t>
+            </a:r>
+            <a:r>
+              <a:rPr lang="en-US" altLang="zh-CN" b="1" dirty="0" smtClean="0"/>
+              <a:t>3.</a:t>
+            </a:r>
+            <a:r>
+              <a:rPr lang="zh-CN" altLang="en-US" b="1" dirty="0" smtClean="0"/>
+              <a:t>最优性：任意两个相邻三角形形成的凸四边形的对角线如果可以互换的话，那么两个三角形六个内角中最小的角度不会变大。</a:t>
+            </a:r>
+          </a:p>
+          <a:p>
+            <a:r>
+              <a:rPr lang="zh-CN" altLang="en-US" b="1" dirty="0" smtClean="0"/>
+              <a:t>    </a:t>
+            </a:r>
+            <a:r>
+              <a:rPr lang="en-US" altLang="zh-CN" b="1" dirty="0" smtClean="0"/>
+              <a:t>4.</a:t>
+            </a:r>
+            <a:r>
+              <a:rPr lang="zh-CN" altLang="en-US" b="1" dirty="0" smtClean="0"/>
+              <a:t>最规则：如果将三角网中的每个三角形的最小角进行升序排列，则</a:t>
+            </a:r>
+            <a:r>
+              <a:rPr lang="en-US" altLang="zh-CN" b="1" dirty="0" smtClean="0"/>
+              <a:t>Delaunay</a:t>
+            </a:r>
+            <a:r>
+              <a:rPr lang="zh-CN" altLang="en-US" b="1" dirty="0" smtClean="0"/>
+              <a:t>三角网的排列得到的数值最大。</a:t>
+            </a:r>
+          </a:p>
+          <a:p>
+            <a:r>
+              <a:rPr lang="zh-CN" altLang="en-US" b="1" dirty="0" smtClean="0"/>
+              <a:t>    </a:t>
+            </a:r>
+            <a:r>
+              <a:rPr lang="en-US" altLang="zh-CN" b="1" dirty="0" smtClean="0"/>
+              <a:t>5.</a:t>
+            </a:r>
+            <a:r>
+              <a:rPr lang="zh-CN" altLang="en-US" b="1" dirty="0" smtClean="0"/>
+              <a:t>区域性：新增、删除、移动某一个顶点时只会影响临近的三角形。</a:t>
+            </a:r>
+          </a:p>
+          <a:p>
+            <a:r>
+              <a:rPr lang="zh-CN" altLang="en-US" b="1" dirty="0" smtClean="0"/>
+              <a:t>    </a:t>
+            </a:r>
+            <a:r>
+              <a:rPr lang="en-US" altLang="zh-CN" b="1" dirty="0" smtClean="0"/>
+              <a:t>6.</a:t>
+            </a:r>
+            <a:r>
+              <a:rPr lang="zh-CN" altLang="en-US" b="1" dirty="0" smtClean="0"/>
+              <a:t>具有凸多边形的外壳：三角网最外层的边界形成一个凸多边形的外壳。 </a:t>
+            </a:r>
+          </a:p>
+          <a:p>
+            <a:endParaRPr lang="zh-CN" altLang="en-US" b="1" dirty="0"/>
+          </a:p>
+        </p:txBody>
+      </p:sp>
+    </p:spTree>
+  </p:cSld>
+  <p:clrMapOvr>
+    <a:masterClrMapping/>
+  </p:clrMapOvr>
+</p:sld>
+</file>
+
+<file path=ppt/slides/slide17.xml><?xml version="1.0" encoding="utf-8"?>
+<p:sld xmlns:a="http://schemas.openxmlformats.org/drawingml/2006/main" xmlns:r="http://schemas.openxmlformats.org/officeDocument/2006/relationships" xmlns:p="http://schemas.openxmlformats.org/presentationml/2006/main">
+  <p:cSld>
+    <p:spTree>
+      <p:nvGrpSpPr>
+        <p:cNvPr id="1" name=""/>
+        <p:cNvGrpSpPr/>
+        <p:nvPr/>
+      </p:nvGrpSpPr>
+      <p:grpSpPr>
+        <a:xfrm>
+          <a:off x="0" y="0"/>
+          <a:ext cx="0" cy="0"/>
+          <a:chOff x="0" y="0"/>
+          <a:chExt cx="0" cy="0"/>
+        </a:xfrm>
+      </p:grpSpPr>
+      <p:sp>
+        <p:nvSpPr>
+          <p:cNvPr id="2" name="标题 1"/>
+          <p:cNvSpPr>
+            <a:spLocks noGrp="1"/>
+          </p:cNvSpPr>
+          <p:nvPr>
+            <p:ph type="title"/>
+          </p:nvPr>
+        </p:nvSpPr>
+        <p:spPr/>
+        <p:txBody>
+          <a:bodyPr/>
+          <a:lstStyle/>
+          <a:p>
+            <a:r>
+              <a:rPr lang="zh-CN" altLang="en-US" b="1" dirty="0" smtClean="0"/>
+              <a:t>点对于直线可见</a:t>
+            </a:r>
+            <a:endParaRPr lang="zh-CN" altLang="en-US" b="1" dirty="0"/>
+          </a:p>
+        </p:txBody>
+      </p:sp>
+      <p:sp>
+        <p:nvSpPr>
+          <p:cNvPr id="3" name="内容占位符 2"/>
+          <p:cNvSpPr>
+            <a:spLocks noGrp="1"/>
+          </p:cNvSpPr>
+          <p:nvPr>
+            <p:ph idx="1"/>
+          </p:nvPr>
+        </p:nvSpPr>
+        <p:spPr/>
+        <p:txBody>
+          <a:bodyPr>
+            <a:normAutofit fontScale="85000" lnSpcReduction="10000"/>
+          </a:bodyPr>
+          <a:lstStyle/>
+          <a:p>
+            <a:r>
+              <a:rPr lang="en-US" altLang="zh-CN" b="1" dirty="0" smtClean="0"/>
+              <a:t>A. </a:t>
+            </a:r>
+            <a:r>
+              <a:rPr lang="zh-CN" altLang="en-US" b="1" dirty="0" smtClean="0"/>
+              <a:t>我们称点 </a:t>
+            </a:r>
+            <a:r>
+              <a:rPr lang="en-US" altLang="zh-CN" b="1" dirty="0" smtClean="0"/>
+              <a:t>p3 </a:t>
+            </a:r>
+            <a:r>
+              <a:rPr lang="zh-CN" altLang="en-US" b="1" dirty="0" smtClean="0"/>
+              <a:t>为直线 </a:t>
+            </a:r>
+            <a:r>
+              <a:rPr lang="en-US" altLang="zh-CN" b="1" dirty="0" smtClean="0"/>
+              <a:t>p1p2 </a:t>
+            </a:r>
+            <a:r>
+              <a:rPr lang="zh-CN" altLang="en-US" b="1" dirty="0" smtClean="0"/>
+              <a:t>的可见点，其必须满足下面三个条件：</a:t>
+            </a:r>
+          </a:p>
+          <a:p>
+            <a:r>
+              <a:rPr lang="zh-CN" altLang="en-US" b="1" dirty="0" smtClean="0"/>
+              <a:t> </a:t>
+            </a:r>
+          </a:p>
+          <a:p>
+            <a:r>
+              <a:rPr lang="zh-CN" altLang="en-US" b="1" dirty="0" smtClean="0"/>
+              <a:t>（</a:t>
+            </a:r>
+            <a:r>
+              <a:rPr lang="en-US" altLang="zh-CN" b="1" dirty="0" smtClean="0"/>
+              <a:t>1</a:t>
+            </a:r>
+            <a:r>
+              <a:rPr lang="zh-CN" altLang="en-US" b="1" dirty="0" smtClean="0"/>
+              <a:t>） </a:t>
+            </a:r>
+            <a:r>
+              <a:rPr lang="en-US" altLang="zh-CN" b="1" dirty="0" smtClean="0"/>
+              <a:t>p3 </a:t>
+            </a:r>
+            <a:r>
+              <a:rPr lang="zh-CN" altLang="en-US" b="1" dirty="0" smtClean="0"/>
+              <a:t>在边 </a:t>
+            </a:r>
+            <a:r>
+              <a:rPr lang="en-US" altLang="zh-CN" b="1" dirty="0" smtClean="0"/>
+              <a:t>p1p2 </a:t>
+            </a:r>
+            <a:r>
+              <a:rPr lang="zh-CN" altLang="en-US" b="1" dirty="0" smtClean="0"/>
+              <a:t>的右侧 </a:t>
+            </a:r>
+            <a:r>
+              <a:rPr lang="en-US" altLang="zh-CN" b="1" dirty="0" smtClean="0"/>
+              <a:t>(</a:t>
+            </a:r>
+            <a:r>
+              <a:rPr lang="zh-CN" altLang="en-US" b="1" dirty="0" smtClean="0"/>
+              <a:t>顶点顺序为顺时针</a:t>
+            </a:r>
+            <a:r>
+              <a:rPr lang="en-US" altLang="zh-CN" b="1" dirty="0" smtClean="0"/>
+              <a:t>)</a:t>
+            </a:r>
+            <a:r>
+              <a:rPr lang="zh-CN" altLang="en-US" b="1" dirty="0" smtClean="0"/>
+              <a:t>；</a:t>
+            </a:r>
+          </a:p>
+          <a:p>
+            <a:r>
+              <a:rPr lang="zh-CN" altLang="en-US" b="1" dirty="0" smtClean="0"/>
+              <a:t> </a:t>
+            </a:r>
+          </a:p>
+          <a:p>
+            <a:r>
+              <a:rPr lang="zh-CN" altLang="en-US" b="1" dirty="0" smtClean="0"/>
+              <a:t>（</a:t>
+            </a:r>
+            <a:r>
+              <a:rPr lang="en-US" altLang="zh-CN" b="1" dirty="0" smtClean="0"/>
+              <a:t>2</a:t>
+            </a:r>
+            <a:r>
+              <a:rPr lang="zh-CN" altLang="en-US" b="1" dirty="0" smtClean="0"/>
+              <a:t>） </a:t>
+            </a:r>
+            <a:r>
+              <a:rPr lang="en-US" altLang="zh-CN" b="1" dirty="0" smtClean="0"/>
+              <a:t>p3 </a:t>
+            </a:r>
+            <a:r>
+              <a:rPr lang="zh-CN" altLang="en-US" b="1" dirty="0" smtClean="0"/>
+              <a:t>与 </a:t>
+            </a:r>
+            <a:r>
+              <a:rPr lang="en-US" altLang="zh-CN" b="1" dirty="0" smtClean="0"/>
+              <a:t>p1 </a:t>
+            </a:r>
+            <a:r>
+              <a:rPr lang="zh-CN" altLang="en-US" b="1" dirty="0" smtClean="0"/>
+              <a:t>可见，即 </a:t>
+            </a:r>
+            <a:r>
+              <a:rPr lang="en-US" altLang="zh-CN" b="1" dirty="0" smtClean="0"/>
+              <a:t>p1p3 </a:t>
+            </a:r>
+            <a:r>
+              <a:rPr lang="zh-CN" altLang="en-US" b="1" dirty="0" smtClean="0"/>
+              <a:t>不与任何一个约束边相交；</a:t>
+            </a:r>
+          </a:p>
+          <a:p>
+            <a:r>
+              <a:rPr lang="zh-CN" altLang="en-US" b="1" dirty="0" smtClean="0"/>
+              <a:t> </a:t>
+            </a:r>
+          </a:p>
+          <a:p>
+            <a:r>
+              <a:rPr lang="zh-CN" altLang="en-US" b="1" dirty="0" smtClean="0"/>
+              <a:t>（</a:t>
+            </a:r>
+            <a:r>
+              <a:rPr lang="en-US" altLang="zh-CN" b="1" dirty="0" smtClean="0"/>
+              <a:t>3</a:t>
+            </a:r>
+            <a:r>
+              <a:rPr lang="zh-CN" altLang="en-US" b="1" dirty="0" smtClean="0"/>
+              <a:t>） </a:t>
+            </a:r>
+            <a:r>
+              <a:rPr lang="en-US" altLang="zh-CN" b="1" dirty="0" smtClean="0"/>
+              <a:t>p3 </a:t>
+            </a:r>
+            <a:r>
+              <a:rPr lang="zh-CN" altLang="en-US" b="1" dirty="0" smtClean="0"/>
+              <a:t>与 </a:t>
+            </a:r>
+            <a:r>
+              <a:rPr lang="en-US" altLang="zh-CN" b="1" dirty="0" smtClean="0"/>
+              <a:t>p2 </a:t>
+            </a:r>
+            <a:r>
+              <a:rPr lang="zh-CN" altLang="en-US" b="1" dirty="0" smtClean="0"/>
+              <a:t>可见</a:t>
+            </a:r>
+          </a:p>
+          <a:p>
+            <a:r>
+              <a:rPr lang="zh-CN" altLang="en-US" b="1" dirty="0" smtClean="0"/>
+              <a:t> </a:t>
+            </a:r>
+          </a:p>
+        </p:txBody>
+      </p:sp>
+    </p:spTree>
+  </p:cSld>
+  <p:clrMapOvr>
+    <a:masterClrMapping/>
+  </p:clrMapOvr>
+</p:sld>
+</file>
+
+<file path=ppt/slides/slide18.xml><?xml version="1.0" encoding="utf-8"?>
+<p:sld xmlns:a="http://schemas.openxmlformats.org/drawingml/2006/main" xmlns:r="http://schemas.openxmlformats.org/officeDocument/2006/relationships" xmlns:p="http://schemas.openxmlformats.org/presentationml/2006/main">
+  <p:cSld>
+    <p:spTree>
+      <p:nvGrpSpPr>
+        <p:cNvPr id="1" name=""/>
+        <p:cNvGrpSpPr/>
+        <p:nvPr/>
+      </p:nvGrpSpPr>
+      <p:grpSpPr>
+        <a:xfrm>
+          <a:off x="0" y="0"/>
+          <a:ext cx="0" cy="0"/>
+          <a:chOff x="0" y="0"/>
+          <a:chExt cx="0" cy="0"/>
+        </a:xfrm>
+      </p:grpSpPr>
+      <p:sp>
+        <p:nvSpPr>
+          <p:cNvPr id="2" name="标题 1"/>
+          <p:cNvSpPr>
+            <a:spLocks noGrp="1"/>
+          </p:cNvSpPr>
+          <p:nvPr>
+            <p:ph type="title"/>
+          </p:nvPr>
+        </p:nvSpPr>
+        <p:spPr/>
+        <p:txBody>
+          <a:bodyPr/>
+          <a:lstStyle/>
+          <a:p>
+            <a:r>
+              <a:rPr lang="en-US" altLang="zh-CN" dirty="0" smtClean="0"/>
+              <a:t>DT</a:t>
+            </a:r>
+            <a:r>
+              <a:rPr lang="zh-CN" altLang="en-US" dirty="0" smtClean="0"/>
+              <a:t>点</a:t>
+            </a:r>
+            <a:endParaRPr lang="zh-CN" altLang="en-US" dirty="0"/>
+          </a:p>
+        </p:txBody>
+      </p:sp>
+      <p:sp>
+        <p:nvSpPr>
+          <p:cNvPr id="3" name="内容占位符 2"/>
+          <p:cNvSpPr>
+            <a:spLocks noGrp="1"/>
+          </p:cNvSpPr>
+          <p:nvPr>
+            <p:ph idx="1"/>
+          </p:nvPr>
+        </p:nvSpPr>
+        <p:spPr/>
+        <p:txBody>
+          <a:bodyPr>
+            <a:normAutofit fontScale="62500" lnSpcReduction="20000"/>
+          </a:bodyPr>
+          <a:lstStyle/>
+          <a:p>
+            <a:r>
+              <a:rPr lang="zh-CN" altLang="en-US" b="1" dirty="0" smtClean="0"/>
+              <a:t>在</a:t>
+            </a:r>
+            <a:r>
+              <a:rPr lang="zh-CN" altLang="en-US" b="1" dirty="0" smtClean="0"/>
+              <a:t>一个约束</a:t>
+            </a:r>
+            <a:r>
+              <a:rPr lang="en-US" altLang="zh-CN" b="1" dirty="0" smtClean="0"/>
+              <a:t>Delaunay</a:t>
+            </a:r>
+            <a:r>
+              <a:rPr lang="zh-CN" altLang="en-US" b="1" dirty="0" smtClean="0"/>
+              <a:t>三角形中，其中与一条边相对的顶点称为该边的</a:t>
+            </a:r>
+            <a:r>
+              <a:rPr lang="en-US" altLang="zh-CN" b="1" dirty="0" smtClean="0"/>
+              <a:t>DT</a:t>
+            </a:r>
+            <a:r>
+              <a:rPr lang="zh-CN" altLang="en-US" b="1" dirty="0" smtClean="0"/>
+              <a:t>点。</a:t>
+            </a:r>
+          </a:p>
+          <a:p>
+            <a:r>
+              <a:rPr lang="zh-CN" altLang="en-US" b="1" dirty="0" smtClean="0"/>
+              <a:t> </a:t>
+            </a:r>
+          </a:p>
+          <a:p>
+            <a:r>
+              <a:rPr lang="zh-CN" altLang="en-US" b="1" dirty="0" smtClean="0"/>
+              <a:t>确定 </a:t>
+            </a:r>
+            <a:r>
+              <a:rPr lang="en-US" altLang="zh-CN" b="1" dirty="0" smtClean="0"/>
+              <a:t>DT </a:t>
+            </a:r>
+            <a:r>
+              <a:rPr lang="zh-CN" altLang="en-US" b="1" dirty="0" smtClean="0"/>
+              <a:t>点的过程如下：</a:t>
+            </a:r>
+          </a:p>
+          <a:p>
+            <a:r>
+              <a:rPr lang="zh-CN" altLang="en-US" b="1" dirty="0" smtClean="0"/>
+              <a:t> </a:t>
+            </a:r>
+          </a:p>
+          <a:p>
+            <a:r>
+              <a:rPr lang="en-US" altLang="zh-CN" b="1" dirty="0" smtClean="0"/>
+              <a:t>Step1.  </a:t>
+            </a:r>
+            <a:r>
+              <a:rPr lang="zh-CN" altLang="en-US" b="1" dirty="0" smtClean="0"/>
+              <a:t>构造 </a:t>
+            </a:r>
+            <a:r>
+              <a:rPr lang="en-US" altLang="zh-CN" b="1" dirty="0" smtClean="0"/>
+              <a:t>Δp1p2p3 </a:t>
+            </a:r>
+            <a:r>
+              <a:rPr lang="zh-CN" altLang="en-US" b="1" dirty="0" smtClean="0"/>
+              <a:t>的外接圆 </a:t>
+            </a:r>
+            <a:r>
+              <a:rPr lang="en-US" altLang="zh-CN" b="1" dirty="0" smtClean="0"/>
+              <a:t>C</a:t>
+            </a:r>
+            <a:r>
+              <a:rPr lang="zh-CN" altLang="en-US" b="1" dirty="0" smtClean="0"/>
+              <a:t>（</a:t>
+            </a:r>
+            <a:r>
+              <a:rPr lang="en-US" altLang="zh-CN" b="1" dirty="0" smtClean="0"/>
+              <a:t>p1</a:t>
+            </a:r>
+            <a:r>
+              <a:rPr lang="zh-CN" altLang="en-US" b="1" dirty="0" smtClean="0"/>
+              <a:t>，</a:t>
+            </a:r>
+            <a:r>
+              <a:rPr lang="en-US" altLang="zh-CN" b="1" dirty="0" smtClean="0"/>
+              <a:t>p2</a:t>
+            </a:r>
+            <a:r>
+              <a:rPr lang="zh-CN" altLang="en-US" b="1" dirty="0" smtClean="0"/>
+              <a:t>，</a:t>
+            </a:r>
+            <a:r>
+              <a:rPr lang="en-US" altLang="zh-CN" b="1" dirty="0" smtClean="0"/>
+              <a:t>p3</a:t>
+            </a:r>
+            <a:r>
+              <a:rPr lang="zh-CN" altLang="en-US" b="1" dirty="0" smtClean="0"/>
+              <a:t>）及其网格包围盒 </a:t>
+            </a:r>
+            <a:r>
+              <a:rPr lang="en-US" altLang="zh-CN" b="1" dirty="0" smtClean="0"/>
+              <a:t>B</a:t>
+            </a:r>
+            <a:r>
+              <a:rPr lang="zh-CN" altLang="en-US" b="1" dirty="0" smtClean="0"/>
+              <a:t>（</a:t>
+            </a:r>
+            <a:r>
+              <a:rPr lang="en-US" altLang="zh-CN" b="1" dirty="0" smtClean="0"/>
+              <a:t>C</a:t>
+            </a:r>
+            <a:r>
+              <a:rPr lang="zh-CN" altLang="en-US" b="1" dirty="0" smtClean="0"/>
+              <a:t>（</a:t>
+            </a:r>
+            <a:r>
+              <a:rPr lang="en-US" altLang="zh-CN" b="1" dirty="0" smtClean="0"/>
+              <a:t>p1</a:t>
+            </a:r>
+            <a:r>
+              <a:rPr lang="zh-CN" altLang="en-US" b="1" dirty="0" smtClean="0"/>
+              <a:t>，</a:t>
+            </a:r>
+            <a:r>
+              <a:rPr lang="en-US" altLang="zh-CN" b="1" dirty="0" smtClean="0"/>
+              <a:t>p2</a:t>
+            </a:r>
+            <a:r>
+              <a:rPr lang="zh-CN" altLang="en-US" b="1" dirty="0" smtClean="0"/>
+              <a:t>，</a:t>
+            </a:r>
+            <a:r>
+              <a:rPr lang="en-US" altLang="zh-CN" b="1" dirty="0" smtClean="0"/>
+              <a:t>p3</a:t>
+            </a:r>
+            <a:r>
+              <a:rPr lang="zh-CN" altLang="en-US" b="1" dirty="0" smtClean="0"/>
+              <a:t>））</a:t>
+            </a:r>
+          </a:p>
+          <a:p>
+            <a:r>
+              <a:rPr lang="zh-CN" altLang="en-US" b="1" dirty="0" smtClean="0"/>
+              <a:t> </a:t>
+            </a:r>
+          </a:p>
+          <a:p>
+            <a:r>
+              <a:rPr lang="en-US" altLang="zh-CN" b="1" dirty="0" smtClean="0"/>
+              <a:t>Step2. </a:t>
+            </a:r>
+            <a:r>
+              <a:rPr lang="zh-CN" altLang="en-US" b="1" dirty="0" smtClean="0"/>
+              <a:t>依次访问网格包围盒内的每个</a:t>
+            </a:r>
+            <a:r>
+              <a:rPr lang="zh-CN" altLang="en-US" b="1" dirty="0" smtClean="0"/>
+              <a:t>网格单元： 对未作当前趟数标记的网格单元进行搜索，并将其标记为当前趟数；若</a:t>
+            </a:r>
+            <a:r>
+              <a:rPr lang="zh-CN" altLang="en-US" b="1" dirty="0" smtClean="0"/>
+              <a:t>某个网格单元中存在可见点 </a:t>
+            </a:r>
+            <a:r>
+              <a:rPr lang="en-US" altLang="zh-CN" b="1" dirty="0" smtClean="0"/>
+              <a:t>p, </a:t>
+            </a:r>
+            <a:r>
+              <a:rPr lang="zh-CN" altLang="en-US" b="1" dirty="0" smtClean="0"/>
+              <a:t>并且 ∠</a:t>
+            </a:r>
+            <a:r>
+              <a:rPr lang="en-US" altLang="zh-CN" b="1" dirty="0" smtClean="0"/>
+              <a:t>p1pp2 &gt; ∠p1p3p2</a:t>
+            </a:r>
+            <a:r>
+              <a:rPr lang="zh-CN" altLang="en-US" b="1" dirty="0" smtClean="0"/>
+              <a:t>，则令 </a:t>
+            </a:r>
+            <a:r>
+              <a:rPr lang="en-US" altLang="zh-CN" b="1" dirty="0" smtClean="0"/>
+              <a:t>p3=p1</a:t>
+            </a:r>
+            <a:r>
+              <a:rPr lang="zh-CN" altLang="en-US" b="1" dirty="0" smtClean="0"/>
+              <a:t>，转</a:t>
+            </a:r>
+            <a:r>
+              <a:rPr lang="en-US" altLang="zh-CN" b="1" dirty="0" smtClean="0"/>
+              <a:t>Step1</a:t>
+            </a:r>
+            <a:r>
+              <a:rPr lang="zh-CN" altLang="en-US" b="1" dirty="0" smtClean="0"/>
+              <a:t>；否则，转</a:t>
+            </a:r>
+            <a:r>
+              <a:rPr lang="en-US" altLang="zh-CN" b="1" dirty="0" smtClean="0"/>
+              <a:t>Step3.</a:t>
+            </a:r>
+          </a:p>
+          <a:p>
+            <a:r>
+              <a:rPr lang="en-US" altLang="zh-CN" b="1" dirty="0" smtClean="0"/>
+              <a:t> </a:t>
+            </a:r>
+          </a:p>
+          <a:p>
+            <a:r>
+              <a:rPr lang="en-US" altLang="zh-CN" b="1" dirty="0" smtClean="0"/>
+              <a:t>Step3.  </a:t>
+            </a:r>
+            <a:r>
+              <a:rPr lang="zh-CN" altLang="en-US" b="1" dirty="0" smtClean="0"/>
+              <a:t>若当前网格包围盒内所有网格单元都已被标记为当前趟数，也即</a:t>
+            </a:r>
+            <a:r>
+              <a:rPr lang="en-US" altLang="zh-CN" b="1" dirty="0" smtClean="0"/>
+              <a:t>C</a:t>
+            </a:r>
+            <a:r>
+              <a:rPr lang="zh-CN" altLang="en-US" b="1" dirty="0" smtClean="0"/>
+              <a:t>（</a:t>
+            </a:r>
+            <a:r>
+              <a:rPr lang="en-US" altLang="zh-CN" b="1" dirty="0" smtClean="0"/>
+              <a:t>p1</a:t>
+            </a:r>
+            <a:r>
+              <a:rPr lang="zh-CN" altLang="en-US" b="1" dirty="0" smtClean="0"/>
+              <a:t>，</a:t>
+            </a:r>
+            <a:r>
+              <a:rPr lang="en-US" altLang="zh-CN" b="1" dirty="0" smtClean="0"/>
+              <a:t>p2</a:t>
+            </a:r>
+            <a:r>
+              <a:rPr lang="zh-CN" altLang="en-US" b="1" dirty="0" smtClean="0"/>
+              <a:t>，</a:t>
+            </a:r>
+            <a:r>
+              <a:rPr lang="en-US" altLang="zh-CN" b="1" dirty="0" smtClean="0"/>
+              <a:t>p3</a:t>
+            </a:r>
+            <a:r>
+              <a:rPr lang="zh-CN" altLang="en-US" b="1" dirty="0" smtClean="0"/>
+              <a:t>）内无可见点，则 </a:t>
+            </a:r>
+            <a:r>
+              <a:rPr lang="en-US" altLang="zh-CN" b="1" dirty="0" smtClean="0"/>
+              <a:t>p3 </a:t>
+            </a:r>
+            <a:r>
+              <a:rPr lang="zh-CN" altLang="en-US" b="1" dirty="0" smtClean="0"/>
+              <a:t>为的 </a:t>
+            </a:r>
+            <a:r>
+              <a:rPr lang="en-US" altLang="zh-CN" b="1" dirty="0" smtClean="0"/>
+              <a:t>p1p2 </a:t>
+            </a:r>
+            <a:r>
+              <a:rPr lang="zh-CN" altLang="en-US" b="1" dirty="0" smtClean="0"/>
+              <a:t>的 </a:t>
+            </a:r>
+            <a:r>
+              <a:rPr lang="en-US" altLang="zh-CN" b="1" dirty="0" smtClean="0"/>
+              <a:t>DT </a:t>
+            </a:r>
+            <a:r>
+              <a:rPr lang="zh-CN" altLang="en-US" b="1" dirty="0" smtClean="0"/>
+              <a:t>点</a:t>
+            </a:r>
+          </a:p>
+          <a:p>
+            <a:endParaRPr lang="zh-CN" altLang="en-US" b="1" dirty="0"/>
+          </a:p>
+        </p:txBody>
+      </p:sp>
+    </p:spTree>
+  </p:cSld>
+  <p:clrMapOvr>
+    <a:masterClrMapping/>
+  </p:clrMapOvr>
+</p:sld>
+</file>
+
+<file path=ppt/slides/slide19.xml><?xml version="1.0" encoding="utf-8"?>
+<p:sld xmlns:a="http://schemas.openxmlformats.org/drawingml/2006/main" xmlns:r="http://schemas.openxmlformats.org/officeDocument/2006/relationships" xmlns:p="http://schemas.openxmlformats.org/presentationml/2006/main">
+  <p:cSld>
+    <p:spTree>
+      <p:nvGrpSpPr>
+        <p:cNvPr id="1" name=""/>
+        <p:cNvGrpSpPr/>
+        <p:nvPr/>
+      </p:nvGrpSpPr>
+      <p:grpSpPr>
+        <a:xfrm>
+          <a:off x="0" y="0"/>
+          <a:ext cx="0" cy="0"/>
+          <a:chOff x="0" y="0"/>
+          <a:chExt cx="0" cy="0"/>
+        </a:xfrm>
+      </p:grpSpPr>
+      <p:sp>
+        <p:nvSpPr>
+          <p:cNvPr id="2" name="标题 1"/>
+          <p:cNvSpPr>
+            <a:spLocks noGrp="1"/>
+          </p:cNvSpPr>
+          <p:nvPr>
+            <p:ph type="title"/>
+          </p:nvPr>
+        </p:nvSpPr>
+        <p:spPr/>
+        <p:txBody>
+          <a:bodyPr/>
+          <a:lstStyle/>
+          <a:p>
+            <a:r>
+              <a:rPr lang="en-US" altLang="zh-CN" b="1" dirty="0" smtClean="0"/>
+              <a:t>Delaunay</a:t>
+            </a:r>
+            <a:r>
+              <a:rPr lang="zh-CN" altLang="en-US" b="1" dirty="0" smtClean="0"/>
+              <a:t>三角剖分实现</a:t>
+            </a:r>
+            <a:endParaRPr lang="zh-CN" altLang="en-US" dirty="0"/>
+          </a:p>
+        </p:txBody>
+      </p:sp>
+      <p:sp>
+        <p:nvSpPr>
+          <p:cNvPr id="3" name="内容占位符 2"/>
+          <p:cNvSpPr>
+            <a:spLocks noGrp="1"/>
+          </p:cNvSpPr>
+          <p:nvPr>
+            <p:ph idx="1"/>
+          </p:nvPr>
+        </p:nvSpPr>
+        <p:spPr/>
+        <p:txBody>
+          <a:bodyPr/>
+          <a:lstStyle/>
+          <a:p>
+            <a:endParaRPr lang="zh-CN" altLang="en-US" dirty="0"/>
           </a:p>
         </p:txBody>
       </p:sp>
@@ -4323,14 +5521,14 @@
           <a:lstStyle/>
           <a:p>
             <a:r>
-              <a:rPr lang="en-US" altLang="zh-CN" dirty="0" smtClean="0"/>
+              <a:rPr lang="en-US" altLang="zh-CN" b="1" dirty="0" smtClean="0"/>
               <a:t>A</a:t>
             </a:r>
             <a:r>
-              <a:rPr lang="zh-CN" altLang="en-US" dirty="0" smtClean="0"/>
+              <a:rPr lang="zh-CN" altLang="en-US" b="1" dirty="0" smtClean="0"/>
               <a:t>*算法相关定义</a:t>
             </a:r>
-            <a:endParaRPr lang="zh-CN" altLang="en-US" dirty="0"/>
+            <a:endParaRPr lang="zh-CN" altLang="en-US" b="1" dirty="0"/>
           </a:p>
         </p:txBody>
       </p:sp>
@@ -4352,85 +5550,85 @@
           <a:lstStyle/>
           <a:p>
             <a:r>
-              <a:rPr lang="en-US" altLang="zh-CN" sz="2800" dirty="0" smtClean="0"/>
+              <a:rPr lang="en-US" altLang="zh-CN" sz="2800" b="1" dirty="0" smtClean="0"/>
               <a:t>g</a:t>
             </a:r>
             <a:r>
-              <a:rPr lang="zh-CN" altLang="en-US" sz="2800" dirty="0" smtClean="0"/>
+              <a:rPr lang="zh-CN" altLang="en-US" sz="2800" b="1" dirty="0" smtClean="0"/>
               <a:t>：从起点沿着已生成的路径到达给定位置的移动开销</a:t>
             </a:r>
-            <a:endParaRPr lang="en-US" altLang="zh-CN" sz="2800" dirty="0" smtClean="0"/>
-          </a:p>
-          <a:p>
-            <a:r>
-              <a:rPr lang="en-US" altLang="zh-CN" sz="2800" dirty="0" smtClean="0"/>
+            <a:endParaRPr lang="en-US" altLang="zh-CN" sz="2800" b="1" dirty="0" smtClean="0"/>
+          </a:p>
+          <a:p>
+            <a:r>
+              <a:rPr lang="en-US" altLang="zh-CN" sz="2800" b="1" dirty="0" smtClean="0"/>
               <a:t>h: </a:t>
             </a:r>
             <a:r>
-              <a:rPr lang="zh-CN" altLang="en-US" sz="2800" dirty="0" smtClean="0"/>
+              <a:rPr lang="zh-CN" altLang="en-US" sz="2800" b="1" dirty="0" smtClean="0"/>
               <a:t>从给定位置到达目标位置的估计移动开销</a:t>
             </a:r>
-            <a:endParaRPr lang="en-US" altLang="zh-CN" sz="2800" dirty="0" smtClean="0"/>
-          </a:p>
-          <a:p>
-            <a:r>
-              <a:rPr lang="en-US" altLang="zh-CN" sz="2800" dirty="0" smtClean="0"/>
+            <a:endParaRPr lang="en-US" altLang="zh-CN" sz="2800" b="1" dirty="0" smtClean="0"/>
+          </a:p>
+          <a:p>
+            <a:r>
+              <a:rPr lang="en-US" altLang="zh-CN" sz="2800" b="1" dirty="0" smtClean="0"/>
               <a:t>f:g+h</a:t>
             </a:r>
             <a:r>
-              <a:rPr lang="zh-CN" altLang="en-US" sz="2800" dirty="0" smtClean="0"/>
+              <a:rPr lang="zh-CN" altLang="en-US" sz="2800" b="1" dirty="0" smtClean="0"/>
               <a:t>，即从起点经过给定位置到达目标位置的移动开销</a:t>
             </a:r>
-            <a:endParaRPr lang="en-US" altLang="zh-CN" sz="2800" dirty="0" smtClean="0"/>
-          </a:p>
-          <a:p>
-            <a:r>
-              <a:rPr lang="zh-CN" altLang="en-US" sz="2800" dirty="0" smtClean="0"/>
+            <a:endParaRPr lang="en-US" altLang="zh-CN" sz="2800" b="1" dirty="0" smtClean="0"/>
+          </a:p>
+          <a:p>
+            <a:r>
+              <a:rPr lang="zh-CN" altLang="en-US" sz="2800" b="1" dirty="0" smtClean="0"/>
               <a:t>节点：寻路过程中形成的节点，一般会包含位置信息，</a:t>
             </a:r>
             <a:r>
-              <a:rPr lang="en-US" altLang="zh-CN" sz="2800" dirty="0" err="1" smtClean="0"/>
+              <a:rPr lang="en-US" altLang="zh-CN" sz="2800" b="1" dirty="0" err="1" smtClean="0"/>
               <a:t>g,h,f</a:t>
             </a:r>
             <a:r>
-              <a:rPr lang="en-US" altLang="zh-CN" sz="2800" dirty="0" smtClean="0"/>
+              <a:rPr lang="en-US" altLang="zh-CN" sz="2800" b="1" dirty="0" smtClean="0"/>
               <a:t>,</a:t>
             </a:r>
             <a:r>
-              <a:rPr lang="zh-CN" altLang="en-US" sz="2800" dirty="0" smtClean="0"/>
+              <a:rPr lang="zh-CN" altLang="en-US" sz="2800" b="1" dirty="0" smtClean="0"/>
               <a:t>到达该节点的前一个节点引用</a:t>
             </a:r>
-            <a:endParaRPr lang="en-US" altLang="zh-CN" sz="2800" dirty="0" smtClean="0"/>
-          </a:p>
-          <a:p>
-            <a:r>
-              <a:rPr lang="en-US" altLang="zh-CN" sz="2800" dirty="0" smtClean="0"/>
+            <a:endParaRPr lang="en-US" altLang="zh-CN" sz="2800" b="1" dirty="0" smtClean="0"/>
+          </a:p>
+          <a:p>
+            <a:r>
+              <a:rPr lang="en-US" altLang="zh-CN" sz="2800" b="1" dirty="0" smtClean="0"/>
               <a:t>Close</a:t>
             </a:r>
             <a:r>
-              <a:rPr lang="zh-CN" altLang="en-US" sz="2800" dirty="0" smtClean="0"/>
+              <a:rPr lang="zh-CN" altLang="en-US" sz="2800" b="1" dirty="0" smtClean="0"/>
               <a:t>列表：已被访问的节点，且已经作为最小节点去生成后续的节点的集合</a:t>
             </a:r>
-            <a:endParaRPr lang="en-US" altLang="zh-CN" sz="2800" dirty="0" smtClean="0"/>
-          </a:p>
-          <a:p>
-            <a:r>
-              <a:rPr lang="en-US" altLang="zh-CN" sz="2800" dirty="0" smtClean="0"/>
+            <a:endParaRPr lang="en-US" altLang="zh-CN" sz="2800" b="1" dirty="0" smtClean="0"/>
+          </a:p>
+          <a:p>
+            <a:r>
+              <a:rPr lang="en-US" altLang="zh-CN" sz="2800" b="1" dirty="0" smtClean="0"/>
               <a:t>Open</a:t>
             </a:r>
             <a:r>
-              <a:rPr lang="zh-CN" altLang="en-US" sz="2800" dirty="0" smtClean="0"/>
+              <a:rPr lang="zh-CN" altLang="en-US" sz="2800" b="1" dirty="0" smtClean="0"/>
               <a:t>列表：已被访问的节点，且未被加入到</a:t>
             </a:r>
             <a:r>
-              <a:rPr lang="en-US" altLang="zh-CN" sz="2800" dirty="0" smtClean="0"/>
+              <a:rPr lang="en-US" altLang="zh-CN" sz="2800" b="1" dirty="0" smtClean="0"/>
               <a:t>Close</a:t>
             </a:r>
             <a:r>
-              <a:rPr lang="zh-CN" altLang="en-US" sz="2800" dirty="0" smtClean="0"/>
+              <a:rPr lang="zh-CN" altLang="en-US" sz="2800" b="1" dirty="0" smtClean="0"/>
               <a:t>列表中的集合</a:t>
             </a:r>
-            <a:endParaRPr lang="en-US" altLang="zh-CN" sz="2800" dirty="0" smtClean="0"/>
+            <a:endParaRPr lang="en-US" altLang="zh-CN" sz="2800" b="1" dirty="0" smtClean="0"/>
           </a:p>
           <a:p>
             <a:endParaRPr lang="zh-CN" altLang="en-US" dirty="0"/>
@@ -4500,15 +5698,7 @@
             <a:pPr algn="ctr"/>
             <a:r>
               <a:rPr lang="zh-CN" altLang="en-US" sz="1400" b="1" dirty="0" smtClean="0"/>
-              <a:t>把</a:t>
-            </a:r>
-            <a:r>
-              <a:rPr lang="zh-CN" altLang="en-US" sz="1400" b="1" dirty="0" smtClean="0"/>
-              <a:t>计算</a:t>
-            </a:r>
-            <a:r>
-              <a:rPr lang="zh-CN" altLang="en-US" sz="1400" b="1" dirty="0" smtClean="0"/>
-              <a:t>起点的</a:t>
+              <a:t>把计算起点的</a:t>
             </a:r>
             <a:r>
               <a:rPr lang="en-US" altLang="zh-CN" sz="1400" b="1" dirty="0" smtClean="0"/>
@@ -5429,7 +6619,6 @@
               <a:rPr lang="zh-CN" altLang="en-US" b="1" dirty="0"/>
               <a:t>否</a:t>
             </a:r>
-            <a:endParaRPr lang="zh-CN" altLang="en-US" b="1" dirty="0"/>
           </a:p>
         </p:txBody>
       </p:sp>
@@ -5788,7 +6977,6 @@
               <a:rPr lang="zh-CN" altLang="en-US" b="1" dirty="0"/>
               <a:t>否</a:t>
             </a:r>
-            <a:endParaRPr lang="zh-CN" altLang="en-US" b="1" dirty="0"/>
           </a:p>
         </p:txBody>
       </p:sp>
@@ -6134,10 +7322,10 @@
           <a:lstStyle/>
           <a:p>
             <a:r>
-              <a:rPr lang="zh-CN" altLang="en-US" dirty="0" smtClean="0"/>
+              <a:rPr lang="zh-CN" altLang="en-US" b="1" dirty="0" smtClean="0"/>
               <a:t>路径优化</a:t>
             </a:r>
-            <a:endParaRPr lang="zh-CN" altLang="en-US" dirty="0"/>
+            <a:endParaRPr lang="zh-CN" altLang="en-US" b="1" dirty="0"/>
           </a:p>
         </p:txBody>
       </p:sp>
@@ -6157,25 +7345,25 @@
           <a:lstStyle/>
           <a:p>
             <a:r>
-              <a:rPr lang="en-US" altLang="zh-CN" dirty="0" err="1" smtClean="0"/>
+              <a:rPr lang="en-US" altLang="zh-CN" b="1" dirty="0" err="1" smtClean="0"/>
               <a:t>Floyed</a:t>
             </a:r>
             <a:r>
-              <a:rPr lang="zh-CN" altLang="en-US" dirty="0" smtClean="0"/>
+              <a:rPr lang="zh-CN" altLang="en-US" b="1" dirty="0" smtClean="0"/>
               <a:t>路径优化算法</a:t>
             </a:r>
-            <a:endParaRPr lang="en-US" altLang="zh-CN" dirty="0" smtClean="0"/>
-          </a:p>
-          <a:p>
-            <a:r>
-              <a:rPr lang="en-US" altLang="zh-CN" dirty="0" err="1" smtClean="0"/>
+            <a:endParaRPr lang="en-US" altLang="zh-CN" b="1" dirty="0" smtClean="0"/>
+          </a:p>
+          <a:p>
+            <a:r>
+              <a:rPr lang="en-US" altLang="zh-CN" b="1" dirty="0" err="1" smtClean="0"/>
               <a:t>Bresenham</a:t>
             </a:r>
             <a:r>
-              <a:rPr lang="zh-CN" altLang="en-US" dirty="0" smtClean="0"/>
+              <a:rPr lang="zh-CN" altLang="en-US" b="1" dirty="0" smtClean="0"/>
               <a:t>直线算法</a:t>
             </a:r>
-            <a:endParaRPr lang="zh-CN" altLang="en-US" dirty="0"/>
+            <a:endParaRPr lang="zh-CN" altLang="en-US" b="1" dirty="0"/>
           </a:p>
         </p:txBody>
       </p:sp>
@@ -6220,10 +7408,10 @@
           <a:lstStyle/>
           <a:p>
             <a:r>
-              <a:rPr lang="zh-CN" altLang="en-US" dirty="0" smtClean="0"/>
+              <a:rPr lang="zh-CN" altLang="en-US" b="1" dirty="0" smtClean="0"/>
               <a:t>基于导航网格的寻路</a:t>
             </a:r>
-            <a:endParaRPr lang="zh-CN" altLang="en-US" dirty="0"/>
+            <a:endParaRPr lang="zh-CN" altLang="en-US" b="1" dirty="0"/>
           </a:p>
         </p:txBody>
       </p:sp>
@@ -6243,59 +7431,59 @@
           <a:lstStyle/>
           <a:p>
             <a:r>
-              <a:rPr lang="en-US" altLang="zh-CN" dirty="0" smtClean="0"/>
+              <a:rPr lang="en-US" altLang="zh-CN" b="1" dirty="0" smtClean="0"/>
               <a:t>1.</a:t>
             </a:r>
             <a:r>
-              <a:rPr lang="zh-CN" altLang="en-US" dirty="0" smtClean="0"/>
+              <a:rPr lang="zh-CN" altLang="en-US" b="1" dirty="0" smtClean="0"/>
               <a:t>多边形合并算法</a:t>
             </a:r>
-            <a:endParaRPr lang="en-US" altLang="zh-CN" dirty="0" smtClean="0"/>
-          </a:p>
-          <a:p>
-            <a:r>
-              <a:rPr lang="en-US" altLang="zh-CN" dirty="0" smtClean="0"/>
+            <a:endParaRPr lang="en-US" altLang="zh-CN" b="1" dirty="0" smtClean="0"/>
+          </a:p>
+          <a:p>
+            <a:r>
+              <a:rPr lang="en-US" altLang="zh-CN" b="1" dirty="0" smtClean="0"/>
               <a:t>2.</a:t>
             </a:r>
             <a:r>
-              <a:rPr lang="zh-CN" altLang="en-US" dirty="0" smtClean="0"/>
+              <a:rPr lang="zh-CN" altLang="en-US" b="1" dirty="0" smtClean="0"/>
               <a:t>三角剖分算法</a:t>
             </a:r>
-            <a:endParaRPr lang="en-US" altLang="zh-CN" dirty="0" smtClean="0"/>
-          </a:p>
-          <a:p>
-            <a:r>
-              <a:rPr lang="en-US" altLang="zh-CN" dirty="0" smtClean="0"/>
+            <a:endParaRPr lang="en-US" altLang="zh-CN" b="1" dirty="0" smtClean="0"/>
+          </a:p>
+          <a:p>
+            <a:r>
+              <a:rPr lang="en-US" altLang="zh-CN" b="1" dirty="0" smtClean="0"/>
               <a:t>3.</a:t>
             </a:r>
             <a:r>
-              <a:rPr lang="zh-CN" altLang="en-US" dirty="0" smtClean="0"/>
+              <a:rPr lang="zh-CN" altLang="en-US" b="1" dirty="0" smtClean="0"/>
               <a:t>基于导航网格的</a:t>
             </a:r>
             <a:r>
-              <a:rPr lang="en-US" altLang="zh-CN" dirty="0" smtClean="0"/>
+              <a:rPr lang="en-US" altLang="zh-CN" b="1" dirty="0" smtClean="0"/>
               <a:t>A</a:t>
             </a:r>
             <a:r>
-              <a:rPr lang="zh-CN" altLang="en-US" dirty="0" smtClean="0"/>
+              <a:rPr lang="zh-CN" altLang="en-US" b="1" dirty="0" smtClean="0"/>
               <a:t>*寻路</a:t>
             </a:r>
-            <a:endParaRPr lang="en-US" altLang="zh-CN" dirty="0" smtClean="0"/>
-          </a:p>
-          <a:p>
-            <a:r>
-              <a:rPr lang="en-US" altLang="zh-CN" dirty="0" smtClean="0"/>
+            <a:endParaRPr lang="en-US" altLang="zh-CN" b="1" dirty="0" smtClean="0"/>
+          </a:p>
+          <a:p>
+            <a:r>
+              <a:rPr lang="en-US" altLang="zh-CN" b="1" dirty="0" smtClean="0"/>
               <a:t>4.</a:t>
             </a:r>
             <a:r>
-              <a:rPr lang="zh-CN" altLang="en-US" dirty="0"/>
+              <a:rPr lang="zh-CN" altLang="en-US" b="1" dirty="0"/>
               <a:t>路径</a:t>
             </a:r>
             <a:r>
-              <a:rPr lang="zh-CN" altLang="en-US" dirty="0" smtClean="0"/>
+              <a:rPr lang="zh-CN" altLang="en-US" b="1" dirty="0" smtClean="0"/>
               <a:t>优化</a:t>
             </a:r>
-            <a:endParaRPr lang="zh-CN" altLang="en-US" dirty="0"/>
+            <a:endParaRPr lang="zh-CN" altLang="en-US" b="1" dirty="0"/>
           </a:p>
         </p:txBody>
       </p:sp>

--- a/工作文档/AStar算法及导航网格寻路.pptx
+++ b/工作文档/AStar算法及导航网格寻路.pptx
@@ -11,19 +11,24 @@
     <p:sldId id="260" r:id="rId5"/>
     <p:sldId id="258" r:id="rId6"/>
     <p:sldId id="261" r:id="rId7"/>
-    <p:sldId id="262" r:id="rId8"/>
-    <p:sldId id="263" r:id="rId9"/>
-    <p:sldId id="264" r:id="rId10"/>
-    <p:sldId id="265" r:id="rId11"/>
-    <p:sldId id="266" r:id="rId12"/>
-    <p:sldId id="267" r:id="rId13"/>
-    <p:sldId id="268" r:id="rId14"/>
-    <p:sldId id="270" r:id="rId15"/>
-    <p:sldId id="271" r:id="rId16"/>
-    <p:sldId id="272" r:id="rId17"/>
-    <p:sldId id="273" r:id="rId18"/>
-    <p:sldId id="274" r:id="rId19"/>
-    <p:sldId id="275" r:id="rId20"/>
+    <p:sldId id="277" r:id="rId8"/>
+    <p:sldId id="262" r:id="rId9"/>
+    <p:sldId id="263" r:id="rId10"/>
+    <p:sldId id="264" r:id="rId11"/>
+    <p:sldId id="265" r:id="rId12"/>
+    <p:sldId id="266" r:id="rId13"/>
+    <p:sldId id="267" r:id="rId14"/>
+    <p:sldId id="268" r:id="rId15"/>
+    <p:sldId id="270" r:id="rId16"/>
+    <p:sldId id="271" r:id="rId17"/>
+    <p:sldId id="272" r:id="rId18"/>
+    <p:sldId id="273" r:id="rId19"/>
+    <p:sldId id="274" r:id="rId20"/>
+    <p:sldId id="275" r:id="rId21"/>
+    <p:sldId id="276" r:id="rId22"/>
+    <p:sldId id="278" r:id="rId23"/>
+    <p:sldId id="279" r:id="rId24"/>
+    <p:sldId id="280" r:id="rId25"/>
   </p:sldIdLst>
   <p:sldSz cx="9144000" cy="6858000" type="screen4x3"/>
   <p:notesSz cx="6858000" cy="9144000"/>
@@ -307,7 +312,7 @@
             <a:fld id="{7AE3CFD7-BB7A-408C-9877-95EF1D22AA6B}" type="datetimeFigureOut">
               <a:rPr lang="zh-CN" altLang="en-US" smtClean="0"/>
               <a:pPr/>
-              <a:t>2012/7/12</a:t>
+              <a:t>2012-7-12</a:t>
             </a:fld>
             <a:endParaRPr lang="zh-CN" altLang="en-US"/>
           </a:p>
@@ -474,7 +479,7 @@
             <a:fld id="{7AE3CFD7-BB7A-408C-9877-95EF1D22AA6B}" type="datetimeFigureOut">
               <a:rPr lang="zh-CN" altLang="en-US" smtClean="0"/>
               <a:pPr/>
-              <a:t>2012/7/12</a:t>
+              <a:t>2012-7-12</a:t>
             </a:fld>
             <a:endParaRPr lang="zh-CN" altLang="en-US"/>
           </a:p>
@@ -651,7 +656,7 @@
             <a:fld id="{7AE3CFD7-BB7A-408C-9877-95EF1D22AA6B}" type="datetimeFigureOut">
               <a:rPr lang="zh-CN" altLang="en-US" smtClean="0"/>
               <a:pPr/>
-              <a:t>2012/7/12</a:t>
+              <a:t>2012-7-12</a:t>
             </a:fld>
             <a:endParaRPr lang="zh-CN" altLang="en-US"/>
           </a:p>
@@ -818,7 +823,7 @@
             <a:fld id="{7AE3CFD7-BB7A-408C-9877-95EF1D22AA6B}" type="datetimeFigureOut">
               <a:rPr lang="zh-CN" altLang="en-US" smtClean="0"/>
               <a:pPr/>
-              <a:t>2012/7/12</a:t>
+              <a:t>2012-7-12</a:t>
             </a:fld>
             <a:endParaRPr lang="zh-CN" altLang="en-US"/>
           </a:p>
@@ -1061,7 +1066,7 @@
             <a:fld id="{7AE3CFD7-BB7A-408C-9877-95EF1D22AA6B}" type="datetimeFigureOut">
               <a:rPr lang="zh-CN" altLang="en-US" smtClean="0"/>
               <a:pPr/>
-              <a:t>2012/7/12</a:t>
+              <a:t>2012-7-12</a:t>
             </a:fld>
             <a:endParaRPr lang="zh-CN" altLang="en-US"/>
           </a:p>
@@ -1346,7 +1351,7 @@
             <a:fld id="{7AE3CFD7-BB7A-408C-9877-95EF1D22AA6B}" type="datetimeFigureOut">
               <a:rPr lang="zh-CN" altLang="en-US" smtClean="0"/>
               <a:pPr/>
-              <a:t>2012/7/12</a:t>
+              <a:t>2012-7-12</a:t>
             </a:fld>
             <a:endParaRPr lang="zh-CN" altLang="en-US"/>
           </a:p>
@@ -1765,7 +1770,7 @@
             <a:fld id="{7AE3CFD7-BB7A-408C-9877-95EF1D22AA6B}" type="datetimeFigureOut">
               <a:rPr lang="zh-CN" altLang="en-US" smtClean="0"/>
               <a:pPr/>
-              <a:t>2012/7/12</a:t>
+              <a:t>2012-7-12</a:t>
             </a:fld>
             <a:endParaRPr lang="zh-CN" altLang="en-US"/>
           </a:p>
@@ -1880,7 +1885,7 @@
             <a:fld id="{7AE3CFD7-BB7A-408C-9877-95EF1D22AA6B}" type="datetimeFigureOut">
               <a:rPr lang="zh-CN" altLang="en-US" smtClean="0"/>
               <a:pPr/>
-              <a:t>2012/7/12</a:t>
+              <a:t>2012-7-12</a:t>
             </a:fld>
             <a:endParaRPr lang="zh-CN" altLang="en-US"/>
           </a:p>
@@ -1972,7 +1977,7 @@
             <a:fld id="{7AE3CFD7-BB7A-408C-9877-95EF1D22AA6B}" type="datetimeFigureOut">
               <a:rPr lang="zh-CN" altLang="en-US" smtClean="0"/>
               <a:pPr/>
-              <a:t>2012/7/12</a:t>
+              <a:t>2012-7-12</a:t>
             </a:fld>
             <a:endParaRPr lang="zh-CN" altLang="en-US"/>
           </a:p>
@@ -2246,7 +2251,7 @@
             <a:fld id="{7AE3CFD7-BB7A-408C-9877-95EF1D22AA6B}" type="datetimeFigureOut">
               <a:rPr lang="zh-CN" altLang="en-US" smtClean="0"/>
               <a:pPr/>
-              <a:t>2012/7/12</a:t>
+              <a:t>2012-7-12</a:t>
             </a:fld>
             <a:endParaRPr lang="zh-CN" altLang="en-US"/>
           </a:p>
@@ -2496,7 +2501,7 @@
             <a:fld id="{7AE3CFD7-BB7A-408C-9877-95EF1D22AA6B}" type="datetimeFigureOut">
               <a:rPr lang="zh-CN" altLang="en-US" smtClean="0"/>
               <a:pPr/>
-              <a:t>2012/7/12</a:t>
+              <a:t>2012-7-12</a:t>
             </a:fld>
             <a:endParaRPr lang="zh-CN" altLang="en-US"/>
           </a:p>
@@ -2706,7 +2711,7 @@
             <a:fld id="{7AE3CFD7-BB7A-408C-9877-95EF1D22AA6B}" type="datetimeFigureOut">
               <a:rPr lang="zh-CN" altLang="en-US" smtClean="0"/>
               <a:pPr/>
-              <a:t>2012/7/12</a:t>
+              <a:t>2012-7-12</a:t>
             </a:fld>
             <a:endParaRPr lang="zh-CN" altLang="en-US"/>
           </a:p>
@@ -3109,6 +3114,13 @@
   <p:clrMapOvr>
     <a:masterClrMapping/>
   </p:clrMapOvr>
+  <p:timing>
+    <p:tnLst>
+      <p:par>
+        <p:cTn id="1" dur="indefinite" restart="never" nodeType="tmRoot"/>
+      </p:par>
+    </p:tnLst>
+  </p:timing>
 </p:sld>
 </file>
 
@@ -3129,6 +3141,70 @@
           <a:chExt cx="0" cy="0"/>
         </a:xfrm>
       </p:grpSpPr>
+      <p:pic>
+        <p:nvPicPr>
+          <p:cNvPr id="2050" name="Picture 2"/>
+          <p:cNvPicPr>
+            <a:picLocks noChangeAspect="1" noChangeArrowheads="1"/>
+          </p:cNvPicPr>
+          <p:nvPr/>
+        </p:nvPicPr>
+        <p:blipFill>
+          <a:blip r:embed="rId2" cstate="print"/>
+          <a:srcRect/>
+          <a:stretch>
+            <a:fillRect/>
+          </a:stretch>
+        </p:blipFill>
+        <p:spPr bwMode="auto">
+          <a:xfrm>
+            <a:off x="333611" y="941065"/>
+            <a:ext cx="8486861" cy="5080223"/>
+          </a:xfrm>
+          <a:prstGeom prst="rect">
+            <a:avLst/>
+          </a:prstGeom>
+          <a:noFill/>
+          <a:ln w="9525">
+            <a:noFill/>
+            <a:miter lim="800000"/>
+            <a:headEnd/>
+            <a:tailEnd/>
+          </a:ln>
+        </p:spPr>
+      </p:pic>
+    </p:spTree>
+  </p:cSld>
+  <p:clrMapOvr>
+    <a:masterClrMapping/>
+  </p:clrMapOvr>
+  <p:timing>
+    <p:tnLst>
+      <p:par>
+        <p:cTn id="1" dur="indefinite" restart="never" nodeType="tmRoot"/>
+      </p:par>
+    </p:tnLst>
+  </p:timing>
+</p:sld>
+</file>
+
+<file path=ppt/slides/slide11.xml><?xml version="1.0" encoding="utf-8"?>
+<p:sld xmlns:a="http://schemas.openxmlformats.org/drawingml/2006/main" xmlns:r="http://schemas.openxmlformats.org/officeDocument/2006/relationships" xmlns:p="http://schemas.openxmlformats.org/presentationml/2006/main">
+  <p:cSld>
+    <p:spTree>
+      <p:nvGrpSpPr>
+        <p:cNvPr id="1" name=""/>
+        <p:cNvGrpSpPr/>
+        <p:nvPr/>
+      </p:nvGrpSpPr>
+      <p:grpSpPr>
+        <a:xfrm>
+          <a:off x="0" y="0"/>
+          <a:ext cx="0" cy="0"/>
+          <a:chOff x="0" y="0"/>
+          <a:chExt cx="0" cy="0"/>
+        </a:xfrm>
+      </p:grpSpPr>
       <p:sp>
         <p:nvSpPr>
           <p:cNvPr id="2" name="标题 1"/>
@@ -3145,14 +3221,14 @@
           <a:lstStyle/>
           <a:p>
             <a:r>
-              <a:rPr lang="en-US" altLang="zh-CN" dirty="0" err="1"/>
+              <a:rPr lang="en-US" altLang="zh-CN" b="1" dirty="0" err="1"/>
               <a:t>Weiler-Athenton</a:t>
             </a:r>
             <a:r>
-              <a:rPr lang="zh-CN" altLang="en-US" dirty="0" smtClean="0"/>
+              <a:rPr lang="zh-CN" altLang="en-US" b="1" dirty="0" smtClean="0"/>
               <a:t>多边形合并算法</a:t>
             </a:r>
-            <a:endParaRPr lang="zh-CN" altLang="en-US" dirty="0"/>
+            <a:endParaRPr lang="zh-CN" altLang="en-US" b="1" dirty="0"/>
           </a:p>
         </p:txBody>
       </p:sp>
@@ -3569,69 +3645,13 @@
   <p:clrMapOvr>
     <a:masterClrMapping/>
   </p:clrMapOvr>
-</p:sld>
-</file>
-
-<file path=ppt/slides/slide11.xml><?xml version="1.0" encoding="utf-8"?>
-<p:sld xmlns:a="http://schemas.openxmlformats.org/drawingml/2006/main" xmlns:r="http://schemas.openxmlformats.org/officeDocument/2006/relationships" xmlns:p="http://schemas.openxmlformats.org/presentationml/2006/main">
-  <p:cSld>
-    <p:spTree>
-      <p:nvGrpSpPr>
-        <p:cNvPr id="1" name=""/>
-        <p:cNvGrpSpPr/>
-        <p:nvPr/>
-      </p:nvGrpSpPr>
-      <p:grpSpPr>
-        <a:xfrm>
-          <a:off x="0" y="0"/>
-          <a:ext cx="0" cy="0"/>
-          <a:chOff x="0" y="0"/>
-          <a:chExt cx="0" cy="0"/>
-        </a:xfrm>
-      </p:grpSpPr>
-      <p:sp>
-        <p:nvSpPr>
-          <p:cNvPr id="3" name="内容占位符 2"/>
-          <p:cNvSpPr>
-            <a:spLocks noGrp="1"/>
-          </p:cNvSpPr>
-          <p:nvPr>
-            <p:ph idx="1"/>
-          </p:nvPr>
-        </p:nvSpPr>
-        <p:spPr/>
-        <p:txBody>
-          <a:bodyPr/>
-          <a:lstStyle/>
-          <a:p>
-            <a:r>
-              <a:rPr lang="en-US" altLang="zh-CN" dirty="0" smtClean="0"/>
-              <a:t>1.</a:t>
-            </a:r>
-            <a:r>
-              <a:rPr lang="zh-CN" altLang="en-US" dirty="0" smtClean="0"/>
-              <a:t>计算两个多变形的所有交点。并用这些交点把每条边变成多条边，并计算该交点是入点还是出点。</a:t>
-            </a:r>
-            <a:endParaRPr lang="en-US" altLang="zh-CN" dirty="0" smtClean="0"/>
-          </a:p>
-          <a:p>
-            <a:r>
-              <a:rPr lang="en-US" altLang="zh-CN" dirty="0" smtClean="0"/>
-              <a:t>2.</a:t>
-            </a:r>
-            <a:r>
-              <a:rPr lang="zh-CN" altLang="en-US" dirty="0" smtClean="0"/>
-              <a:t>遍历主多变形的所有顶点，如果是出点，就交换到次多变形对应的点，次多边形继续遍历其所有顶点，直到顶点为出点，交换到主多变形对应的顶点。直到遍历完组多变形的所有顶点。</a:t>
-            </a:r>
-            <a:endParaRPr lang="zh-CN" altLang="en-US" dirty="0"/>
-          </a:p>
-        </p:txBody>
-      </p:sp>
-    </p:spTree>
-  </p:cSld>
-  <p:clrMapOvr>
-    <a:masterClrMapping/>
-  </p:clrMapOvr>
+  <p:timing>
+    <p:tnLst>
+      <p:par>
+        <p:cTn id="1" dur="indefinite" restart="never" nodeType="tmRoot"/>
+      </p:par>
+    </p:tnLst>
+  </p:timing>
 </p:sld>
 </file>
 
@@ -3654,6 +3674,108 @@
       </p:grpSpPr>
       <p:sp>
         <p:nvSpPr>
+          <p:cNvPr id="3" name="内容占位符 2"/>
+          <p:cNvSpPr>
+            <a:spLocks noGrp="1"/>
+          </p:cNvSpPr>
+          <p:nvPr>
+            <p:ph idx="1"/>
+          </p:nvPr>
+        </p:nvSpPr>
+        <p:spPr/>
+        <p:txBody>
+          <a:bodyPr/>
+          <a:lstStyle/>
+          <a:p>
+            <a:r>
+              <a:rPr lang="en-US" altLang="zh-CN" b="1" dirty="0" smtClean="0"/>
+              <a:t>1.</a:t>
+            </a:r>
+            <a:r>
+              <a:rPr lang="zh-CN" altLang="en-US" b="1" dirty="0" smtClean="0"/>
+              <a:t>计算两个多变形的所有交点。并用这些交点把每条边变成多条边，并计算该交点是入点还是出点。</a:t>
+            </a:r>
+            <a:endParaRPr lang="en-US" altLang="zh-CN" b="1" dirty="0" smtClean="0"/>
+          </a:p>
+          <a:p>
+            <a:r>
+              <a:rPr lang="en-US" altLang="zh-CN" b="1" dirty="0" smtClean="0"/>
+              <a:t>2.</a:t>
+            </a:r>
+            <a:r>
+              <a:rPr lang="zh-CN" altLang="en-US" b="1" dirty="0" smtClean="0"/>
+              <a:t>遍历主多变形的所有顶点，如果是出点，就交换到次多变形对应的点，次多边形继续遍历其所有顶点，直到顶点为出点，交换到主多变形对应的顶点。直到遍历完组多变形的所有顶点。</a:t>
+            </a:r>
+            <a:endParaRPr lang="zh-CN" altLang="en-US" b="1" dirty="0"/>
+          </a:p>
+        </p:txBody>
+      </p:sp>
+      <p:sp>
+        <p:nvSpPr>
+          <p:cNvPr id="4" name="标题 1"/>
+          <p:cNvSpPr>
+            <a:spLocks noGrp="1"/>
+          </p:cNvSpPr>
+          <p:nvPr>
+            <p:ph type="title"/>
+          </p:nvPr>
+        </p:nvSpPr>
+        <p:spPr>
+          <a:xfrm>
+            <a:off x="457200" y="274638"/>
+            <a:ext cx="8229600" cy="1143000"/>
+          </a:xfrm>
+        </p:spPr>
+        <p:txBody>
+          <a:bodyPr/>
+          <a:lstStyle/>
+          <a:p>
+            <a:r>
+              <a:rPr lang="en-US" altLang="zh-CN" b="1" dirty="0" err="1"/>
+              <a:t>Weiler-Athenton</a:t>
+            </a:r>
+            <a:r>
+              <a:rPr lang="zh-CN" altLang="en-US" b="1" dirty="0" smtClean="0"/>
+              <a:t>多边形合并算法</a:t>
+            </a:r>
+            <a:endParaRPr lang="zh-CN" altLang="en-US" b="1" dirty="0"/>
+          </a:p>
+        </p:txBody>
+      </p:sp>
+    </p:spTree>
+  </p:cSld>
+  <p:clrMapOvr>
+    <a:masterClrMapping/>
+  </p:clrMapOvr>
+  <p:timing>
+    <p:tnLst>
+      <p:par>
+        <p:cTn id="1" dur="indefinite" restart="never" nodeType="tmRoot"/>
+      </p:par>
+    </p:tnLst>
+  </p:timing>
+</p:sld>
+</file>
+
+<file path=ppt/slides/slide13.xml><?xml version="1.0" encoding="utf-8"?>
+<p:sld xmlns:a="http://schemas.openxmlformats.org/drawingml/2006/main" xmlns:r="http://schemas.openxmlformats.org/officeDocument/2006/relationships" xmlns:p="http://schemas.openxmlformats.org/presentationml/2006/main">
+  <p:cSld>
+    <p:spTree>
+      <p:nvGrpSpPr>
+        <p:cNvPr id="1" name=""/>
+        <p:cNvGrpSpPr/>
+        <p:nvPr/>
+      </p:nvGrpSpPr>
+      <p:grpSpPr>
+        <a:xfrm>
+          <a:off x="0" y="0"/>
+          <a:ext cx="0" cy="0"/>
+          <a:chOff x="0" y="0"/>
+          <a:chExt cx="0" cy="0"/>
+        </a:xfrm>
+      </p:grpSpPr>
+      <p:sp>
+        <p:nvSpPr>
           <p:cNvPr id="2" name="标题 1"/>
           <p:cNvSpPr>
             <a:spLocks noGrp="1"/>
@@ -3670,10 +3792,10 @@
           <a:lstStyle/>
           <a:p>
             <a:r>
-              <a:rPr lang="zh-CN" altLang="en-US" dirty="0" smtClean="0"/>
+              <a:rPr lang="zh-CN" altLang="en-US" b="1" dirty="0" smtClean="0"/>
               <a:t>多边形相交的特殊情况</a:t>
             </a:r>
-            <a:endParaRPr lang="zh-CN" altLang="en-US" dirty="0"/>
+            <a:endParaRPr lang="zh-CN" altLang="en-US" b="1" dirty="0"/>
           </a:p>
         </p:txBody>
       </p:sp>
@@ -4016,10 +4138,17 @@
   <p:clrMapOvr>
     <a:masterClrMapping/>
   </p:clrMapOvr>
+  <p:timing>
+    <p:tnLst>
+      <p:par>
+        <p:cTn id="1" dur="indefinite" restart="never" nodeType="tmRoot"/>
+      </p:par>
+    </p:tnLst>
+  </p:timing>
 </p:sld>
 </file>
 
-<file path=ppt/slides/slide13.xml><?xml version="1.0" encoding="utf-8"?>
+<file path=ppt/slides/slide14.xml><?xml version="1.0" encoding="utf-8"?>
 <p:sld xmlns:a="http://schemas.openxmlformats.org/drawingml/2006/main" xmlns:r="http://schemas.openxmlformats.org/officeDocument/2006/relationships" xmlns:p="http://schemas.openxmlformats.org/presentationml/2006/main">
   <p:cSld>
     <p:spTree>
@@ -4054,10 +4183,10 @@
           <a:lstStyle/>
           <a:p>
             <a:r>
-              <a:rPr lang="zh-CN" altLang="en-US" dirty="0" smtClean="0"/>
+              <a:rPr lang="zh-CN" altLang="en-US" b="1" dirty="0" smtClean="0"/>
               <a:t>自创基于格子地图的多边形算法</a:t>
             </a:r>
-            <a:endParaRPr lang="zh-CN" altLang="en-US" dirty="0"/>
+            <a:endParaRPr lang="zh-CN" altLang="en-US" b="1" dirty="0"/>
           </a:p>
         </p:txBody>
       </p:sp>
@@ -4079,80 +4208,36 @@
           <a:lstStyle/>
           <a:p>
             <a:r>
-              <a:rPr lang="en-US" altLang="zh-CN" dirty="0" smtClean="0"/>
+              <a:rPr lang="en-US" altLang="zh-CN" b="1" dirty="0" smtClean="0"/>
               <a:t>1.</a:t>
             </a:r>
             <a:r>
-              <a:rPr lang="zh-CN" altLang="en-US" dirty="0" smtClean="0"/>
+              <a:rPr lang="zh-CN" altLang="en-US" b="1" dirty="0" smtClean="0"/>
               <a:t>遍历所有的格子点，如果该格子点还未被访问过。</a:t>
             </a:r>
-            <a:endParaRPr lang="en-US" altLang="zh-CN" dirty="0" smtClean="0"/>
-          </a:p>
-          <a:p>
-            <a:r>
-              <a:rPr lang="en-US" altLang="zh-CN" dirty="0" smtClean="0"/>
+            <a:endParaRPr lang="en-US" altLang="zh-CN" b="1" dirty="0" smtClean="0"/>
+          </a:p>
+          <a:p>
+            <a:r>
+              <a:rPr lang="en-US" altLang="zh-CN" b="1" dirty="0" smtClean="0"/>
               <a:t>         1</a:t>
             </a:r>
             <a:r>
-              <a:rPr lang="zh-CN" altLang="en-US" dirty="0" smtClean="0"/>
-              <a:t>）如果是可过点，则按顺时针方向依次遍历邻接于不可过点的所有可过点，形成一个多边形；</a:t>
-            </a:r>
-            <a:r>
-              <a:rPr lang="zh-CN" altLang="en-US" dirty="0" smtClean="0"/>
-              <a:t>如果</a:t>
-            </a:r>
-            <a:r>
-              <a:rPr lang="zh-CN" altLang="en-US" dirty="0" smtClean="0"/>
-              <a:t>是不可</a:t>
-            </a:r>
-            <a:r>
-              <a:rPr lang="zh-CN" altLang="en-US" dirty="0" smtClean="0"/>
-              <a:t>过点，则</a:t>
-            </a:r>
-            <a:r>
-              <a:rPr lang="zh-CN" altLang="en-US" dirty="0" smtClean="0"/>
-              <a:t>按逆时针</a:t>
-            </a:r>
-            <a:r>
-              <a:rPr lang="zh-CN" altLang="en-US" dirty="0" smtClean="0"/>
-              <a:t>方向依次遍历邻接</a:t>
-            </a:r>
-            <a:r>
-              <a:rPr lang="zh-CN" altLang="en-US" dirty="0" smtClean="0"/>
-              <a:t>于可</a:t>
-            </a:r>
-            <a:r>
-              <a:rPr lang="zh-CN" altLang="en-US" dirty="0" smtClean="0"/>
-              <a:t>过点的</a:t>
-            </a:r>
-            <a:r>
-              <a:rPr lang="zh-CN" altLang="en-US" dirty="0" smtClean="0"/>
-              <a:t>所有不可</a:t>
-            </a:r>
-            <a:r>
-              <a:rPr lang="zh-CN" altLang="en-US" dirty="0" smtClean="0"/>
-              <a:t>过点，形成一个</a:t>
-            </a:r>
-            <a:r>
-              <a:rPr lang="zh-CN" altLang="en-US" dirty="0" smtClean="0"/>
-              <a:t>多边形。  </a:t>
-            </a:r>
-            <a:endParaRPr lang="en-US" altLang="zh-CN" dirty="0" smtClean="0"/>
-          </a:p>
-          <a:p>
-            <a:r>
-              <a:rPr lang="en-US" altLang="zh-CN" dirty="0" smtClean="0"/>
-              <a:t> </a:t>
-            </a:r>
-            <a:r>
-              <a:rPr lang="en-US" altLang="zh-CN" dirty="0" smtClean="0"/>
-              <a:t>       2</a:t>
-            </a:r>
-            <a:r>
-              <a:rPr lang="zh-CN" altLang="en-US" dirty="0" smtClean="0"/>
+              <a:rPr lang="zh-CN" altLang="en-US" b="1" dirty="0" smtClean="0"/>
+              <a:t>）如果是可过点，则按顺时针方向依次遍历邻接于不可过点的所有可过点，形成一个多边形；如果是不可过点，则按逆时针方向依次遍历邻接于可过点的所有不可过点，形成一个多边形。  </a:t>
+            </a:r>
+            <a:endParaRPr lang="en-US" altLang="zh-CN" b="1" dirty="0" smtClean="0"/>
+          </a:p>
+          <a:p>
+            <a:r>
+              <a:rPr lang="en-US" altLang="zh-CN" b="1" dirty="0" smtClean="0"/>
+              <a:t>        2</a:t>
+            </a:r>
+            <a:r>
+              <a:rPr lang="zh-CN" altLang="en-US" b="1" dirty="0" smtClean="0"/>
               <a:t>）从该点出发，遍历所有邻接的同可过或同不可过点，将这些点标记为已访问。</a:t>
             </a:r>
-            <a:endParaRPr lang="en-US" altLang="zh-CN" dirty="0" smtClean="0"/>
+            <a:endParaRPr lang="en-US" altLang="zh-CN" b="1" dirty="0" smtClean="0"/>
           </a:p>
         </p:txBody>
       </p:sp>
@@ -4161,10 +4246,17 @@
   <p:clrMapOvr>
     <a:masterClrMapping/>
   </p:clrMapOvr>
+  <p:timing>
+    <p:tnLst>
+      <p:par>
+        <p:cTn id="1" dur="indefinite" restart="never" nodeType="tmRoot"/>
+      </p:par>
+    </p:tnLst>
+  </p:timing>
 </p:sld>
 </file>
 
-<file path=ppt/slides/slide14.xml><?xml version="1.0" encoding="utf-8"?>
+<file path=ppt/slides/slide15.xml><?xml version="1.0" encoding="utf-8"?>
 <p:sld xmlns:a="http://schemas.openxmlformats.org/drawingml/2006/main" xmlns:r="http://schemas.openxmlformats.org/officeDocument/2006/relationships" xmlns:p="http://schemas.openxmlformats.org/presentationml/2006/main">
   <p:cSld>
     <p:spTree>
@@ -4218,225 +4310,13 @@
   <p:clrMapOvr>
     <a:masterClrMapping/>
   </p:clrMapOvr>
-</p:sld>
-</file>
-
-<file path=ppt/slides/slide15.xml><?xml version="1.0" encoding="utf-8"?>
-<p:sld xmlns:a="http://schemas.openxmlformats.org/drawingml/2006/main" xmlns:r="http://schemas.openxmlformats.org/officeDocument/2006/relationships" xmlns:p="http://schemas.openxmlformats.org/presentationml/2006/main">
-  <p:cSld>
-    <p:spTree>
-      <p:nvGrpSpPr>
-        <p:cNvPr id="1" name=""/>
-        <p:cNvGrpSpPr/>
-        <p:nvPr/>
-      </p:nvGrpSpPr>
-      <p:grpSpPr>
-        <a:xfrm>
-          <a:off x="0" y="0"/>
-          <a:ext cx="0" cy="0"/>
-          <a:chOff x="0" y="0"/>
-          <a:chExt cx="0" cy="0"/>
-        </a:xfrm>
-      </p:grpSpPr>
-      <p:sp>
-        <p:nvSpPr>
-          <p:cNvPr id="2" name="标题 1"/>
-          <p:cNvSpPr>
-            <a:spLocks noGrp="1"/>
-          </p:cNvSpPr>
-          <p:nvPr>
-            <p:ph type="title"/>
-          </p:nvPr>
-        </p:nvSpPr>
-        <p:spPr/>
-        <p:txBody>
-          <a:bodyPr/>
-          <a:lstStyle/>
-          <a:p>
-            <a:r>
-              <a:rPr lang="en-US" altLang="zh-CN" dirty="0" smtClean="0"/>
-              <a:t>Delaunay</a:t>
-            </a:r>
-            <a:r>
-              <a:rPr lang="zh-CN" altLang="en-US" dirty="0" smtClean="0"/>
-              <a:t>三角剖分</a:t>
-            </a:r>
-            <a:endParaRPr lang="zh-CN" altLang="en-US" dirty="0"/>
-          </a:p>
-        </p:txBody>
-      </p:sp>
-      <p:sp>
-        <p:nvSpPr>
-          <p:cNvPr id="3" name="内容占位符 2"/>
-          <p:cNvSpPr>
-            <a:spLocks noGrp="1"/>
-          </p:cNvSpPr>
-          <p:nvPr>
-            <p:ph idx="1"/>
-          </p:nvPr>
-        </p:nvSpPr>
-        <p:spPr/>
-        <p:txBody>
-          <a:bodyPr>
-            <a:normAutofit lnSpcReduction="10000"/>
-          </a:bodyPr>
-          <a:lstStyle/>
-          <a:p>
-            <a:r>
-              <a:rPr lang="en-US" altLang="zh-CN" dirty="0" smtClean="0"/>
-              <a:t>【</a:t>
-            </a:r>
-            <a:r>
-              <a:rPr lang="zh-CN" altLang="en-US" dirty="0" smtClean="0"/>
-              <a:t>定义</a:t>
-            </a:r>
-            <a:r>
-              <a:rPr lang="en-US" altLang="zh-CN" dirty="0" smtClean="0"/>
-              <a:t>】Delaunay</a:t>
-            </a:r>
-            <a:r>
-              <a:rPr lang="zh-CN" altLang="en-US" dirty="0" smtClean="0"/>
-              <a:t>边：假设</a:t>
-            </a:r>
-            <a:r>
-              <a:rPr lang="en-US" altLang="zh-CN" dirty="0" smtClean="0"/>
-              <a:t>E</a:t>
-            </a:r>
-            <a:r>
-              <a:rPr lang="zh-CN" altLang="en-US" dirty="0" smtClean="0"/>
-              <a:t>中的一条边</a:t>
-            </a:r>
-            <a:r>
-              <a:rPr lang="en-US" altLang="zh-CN" dirty="0" smtClean="0"/>
-              <a:t>e</a:t>
-            </a:r>
-            <a:r>
-              <a:rPr lang="zh-CN" altLang="en-US" dirty="0" smtClean="0"/>
-              <a:t>（两个端点为</a:t>
-            </a:r>
-            <a:r>
-              <a:rPr lang="en-US" altLang="zh-CN" dirty="0" err="1" smtClean="0"/>
-              <a:t>a,b</a:t>
-            </a:r>
-            <a:r>
-              <a:rPr lang="zh-CN" altLang="en-US" dirty="0" smtClean="0"/>
-              <a:t>），</a:t>
-            </a:r>
-            <a:r>
-              <a:rPr lang="en-US" altLang="zh-CN" dirty="0" smtClean="0"/>
-              <a:t>e</a:t>
-            </a:r>
-            <a:r>
-              <a:rPr lang="zh-CN" altLang="en-US" dirty="0" smtClean="0"/>
-              <a:t>若满足下列条件，则称之为</a:t>
-            </a:r>
-            <a:r>
-              <a:rPr lang="en-US" altLang="zh-CN" dirty="0" smtClean="0"/>
-              <a:t>Delaunay</a:t>
-            </a:r>
-            <a:r>
-              <a:rPr lang="zh-CN" altLang="en-US" dirty="0" smtClean="0"/>
-              <a:t>边：存在一个圆经过</a:t>
-            </a:r>
-            <a:r>
-              <a:rPr lang="en-US" altLang="zh-CN" dirty="0" err="1" smtClean="0"/>
-              <a:t>a,b</a:t>
-            </a:r>
-            <a:r>
-              <a:rPr lang="zh-CN" altLang="en-US" dirty="0" smtClean="0"/>
-              <a:t>两点，圆内</a:t>
-            </a:r>
-            <a:r>
-              <a:rPr lang="en-US" altLang="zh-CN" dirty="0" smtClean="0"/>
-              <a:t>(</a:t>
-            </a:r>
-            <a:r>
-              <a:rPr lang="zh-CN" altLang="en-US" dirty="0" smtClean="0"/>
-              <a:t>注意是圆内，圆上最多三点共圆</a:t>
-            </a:r>
-            <a:r>
-              <a:rPr lang="en-US" altLang="zh-CN" dirty="0" smtClean="0"/>
-              <a:t>)</a:t>
-            </a:r>
-            <a:r>
-              <a:rPr lang="zh-CN" altLang="en-US" dirty="0" smtClean="0"/>
-              <a:t>不含点集</a:t>
-            </a:r>
-            <a:r>
-              <a:rPr lang="en-US" altLang="zh-CN" dirty="0" smtClean="0"/>
-              <a:t>V</a:t>
-            </a:r>
-            <a:r>
-              <a:rPr lang="zh-CN" altLang="en-US" dirty="0" smtClean="0"/>
-              <a:t>中任何其他的点，这一特性又称空圆特性。</a:t>
-            </a:r>
-          </a:p>
-          <a:p>
-            <a:r>
-              <a:rPr lang="zh-CN" altLang="en-US" dirty="0" smtClean="0"/>
-              <a:t>    </a:t>
-            </a:r>
-            <a:r>
-              <a:rPr lang="en-US" altLang="zh-CN" dirty="0" smtClean="0"/>
-              <a:t>【</a:t>
-            </a:r>
-            <a:r>
-              <a:rPr lang="zh-CN" altLang="en-US" dirty="0" smtClean="0"/>
-              <a:t>定义</a:t>
-            </a:r>
-            <a:r>
-              <a:rPr lang="en-US" altLang="zh-CN" dirty="0" smtClean="0"/>
-              <a:t>】Delaunay</a:t>
-            </a:r>
-            <a:r>
-              <a:rPr lang="zh-CN" altLang="en-US" dirty="0" smtClean="0"/>
-              <a:t>三角剖分：如果点集</a:t>
-            </a:r>
-            <a:r>
-              <a:rPr lang="en-US" altLang="zh-CN" dirty="0" smtClean="0"/>
-              <a:t>V</a:t>
-            </a:r>
-            <a:r>
-              <a:rPr lang="zh-CN" altLang="en-US" dirty="0" smtClean="0"/>
-              <a:t>的一个三角剖分</a:t>
-            </a:r>
-            <a:r>
-              <a:rPr lang="en-US" altLang="zh-CN" dirty="0" smtClean="0"/>
-              <a:t>T</a:t>
-            </a:r>
-            <a:r>
-              <a:rPr lang="zh-CN" altLang="en-US" dirty="0" smtClean="0"/>
-              <a:t>只包含</a:t>
-            </a:r>
-            <a:r>
-              <a:rPr lang="en-US" altLang="zh-CN" dirty="0" smtClean="0"/>
-              <a:t>Delaunay</a:t>
-            </a:r>
-            <a:r>
-              <a:rPr lang="zh-CN" altLang="en-US" dirty="0" smtClean="0"/>
-              <a:t>边，那么该三角剖分称为</a:t>
-            </a:r>
-            <a:r>
-              <a:rPr lang="en-US" altLang="zh-CN" dirty="0" smtClean="0"/>
-              <a:t>Delaunay</a:t>
-            </a:r>
-            <a:r>
-              <a:rPr lang="zh-CN" altLang="en-US" dirty="0" smtClean="0"/>
-              <a:t>三角剖分</a:t>
-            </a:r>
-            <a:r>
-              <a:rPr lang="zh-CN" altLang="en-US" dirty="0" smtClean="0"/>
-              <a:t>。</a:t>
-            </a:r>
-            <a:endParaRPr lang="zh-CN" altLang="en-US" dirty="0" smtClean="0"/>
-          </a:p>
-        </p:txBody>
-      </p:sp>
-    </p:spTree>
-  </p:cSld>
-  <p:clrMapOvr>
-    <a:masterClrMapping/>
-  </p:clrMapOvr>
+  <p:timing>
+    <p:tnLst>
+      <p:par>
+        <p:cTn id="1" dur="indefinite" restart="never" nodeType="tmRoot"/>
+      </p:par>
+    </p:tnLst>
+  </p:timing>
 </p:sld>
 </file>
 
@@ -4478,7 +4358,7 @@
             </a:r>
             <a:r>
               <a:rPr lang="zh-CN" altLang="en-US" b="1" dirty="0" smtClean="0"/>
-              <a:t>三角剖分特性</a:t>
+              <a:t>三角剖分</a:t>
             </a:r>
             <a:endParaRPr lang="zh-CN" altLang="en-US" b="1" dirty="0"/>
           </a:p>
@@ -4497,79 +4377,135 @@
         <p:spPr/>
         <p:txBody>
           <a:bodyPr>
-            <a:normAutofit fontScale="77500" lnSpcReduction="20000"/>
+            <a:normAutofit lnSpcReduction="10000"/>
           </a:bodyPr>
           <a:lstStyle/>
           <a:p>
             <a:r>
+              <a:rPr lang="en-US" altLang="zh-CN" b="1" dirty="0" smtClean="0"/>
+              <a:t>【</a:t>
+            </a:r>
+            <a:r>
+              <a:rPr lang="zh-CN" altLang="en-US" b="1" dirty="0" smtClean="0"/>
+              <a:t>定义</a:t>
+            </a:r>
+            <a:r>
+              <a:rPr lang="en-US" altLang="zh-CN" b="1" dirty="0" smtClean="0"/>
+              <a:t>】Delaunay</a:t>
+            </a:r>
+            <a:r>
+              <a:rPr lang="zh-CN" altLang="en-US" b="1" dirty="0" smtClean="0"/>
+              <a:t>边：假设</a:t>
+            </a:r>
+            <a:r>
+              <a:rPr lang="en-US" altLang="zh-CN" b="1" dirty="0" smtClean="0"/>
+              <a:t>E</a:t>
+            </a:r>
+            <a:r>
+              <a:rPr lang="zh-CN" altLang="en-US" b="1" dirty="0" smtClean="0"/>
+              <a:t>中的一条边</a:t>
+            </a:r>
+            <a:r>
+              <a:rPr lang="en-US" altLang="zh-CN" b="1" dirty="0" smtClean="0"/>
+              <a:t>e</a:t>
+            </a:r>
+            <a:r>
+              <a:rPr lang="zh-CN" altLang="en-US" b="1" dirty="0" smtClean="0"/>
+              <a:t>（两个端点为</a:t>
+            </a:r>
+            <a:r>
+              <a:rPr lang="en-US" altLang="zh-CN" b="1" dirty="0" err="1" smtClean="0"/>
+              <a:t>a,b</a:t>
+            </a:r>
+            <a:r>
+              <a:rPr lang="zh-CN" altLang="en-US" b="1" dirty="0" smtClean="0"/>
+              <a:t>），</a:t>
+            </a:r>
+            <a:r>
+              <a:rPr lang="en-US" altLang="zh-CN" b="1" dirty="0" smtClean="0"/>
+              <a:t>e</a:t>
+            </a:r>
+            <a:r>
+              <a:rPr lang="zh-CN" altLang="en-US" b="1" dirty="0" smtClean="0"/>
+              <a:t>若满足下列条件，则称之为</a:t>
+            </a:r>
+            <a:r>
+              <a:rPr lang="en-US" altLang="zh-CN" b="1" dirty="0" smtClean="0"/>
+              <a:t>Delaunay</a:t>
+            </a:r>
+            <a:r>
+              <a:rPr lang="zh-CN" altLang="en-US" b="1" dirty="0" smtClean="0"/>
+              <a:t>边：存在一个圆经过</a:t>
+            </a:r>
+            <a:r>
+              <a:rPr lang="en-US" altLang="zh-CN" b="1" dirty="0" err="1" smtClean="0"/>
+              <a:t>a,b</a:t>
+            </a:r>
+            <a:r>
+              <a:rPr lang="zh-CN" altLang="en-US" b="1" dirty="0" smtClean="0"/>
+              <a:t>两点，圆内</a:t>
+            </a:r>
+            <a:r>
+              <a:rPr lang="en-US" altLang="zh-CN" b="1" dirty="0" smtClean="0"/>
+              <a:t>(</a:t>
+            </a:r>
+            <a:r>
+              <a:rPr lang="zh-CN" altLang="en-US" b="1" dirty="0" smtClean="0"/>
+              <a:t>注意是圆内，圆上最多三点共圆</a:t>
+            </a:r>
+            <a:r>
+              <a:rPr lang="en-US" altLang="zh-CN" b="1" dirty="0" smtClean="0"/>
+              <a:t>)</a:t>
+            </a:r>
+            <a:r>
+              <a:rPr lang="zh-CN" altLang="en-US" b="1" dirty="0" smtClean="0"/>
+              <a:t>不含点集</a:t>
+            </a:r>
+            <a:r>
+              <a:rPr lang="en-US" altLang="zh-CN" b="1" dirty="0" smtClean="0"/>
+              <a:t>V</a:t>
+            </a:r>
+            <a:r>
+              <a:rPr lang="zh-CN" altLang="en-US" b="1" dirty="0" smtClean="0"/>
+              <a:t>中任何其他的点，这一特性又称空圆特性。</a:t>
+            </a:r>
+          </a:p>
+          <a:p>
+            <a:r>
               <a:rPr lang="zh-CN" altLang="en-US" b="1" dirty="0" smtClean="0"/>
               <a:t>    </a:t>
             </a:r>
             <a:r>
               <a:rPr lang="en-US" altLang="zh-CN" b="1" dirty="0" smtClean="0"/>
-              <a:t>1.</a:t>
-            </a:r>
-            <a:r>
-              <a:rPr lang="zh-CN" altLang="en-US" b="1" dirty="0" smtClean="0"/>
-              <a:t>最接近：以最近临的三点形成三角形，且各线段</a:t>
-            </a:r>
-            <a:r>
-              <a:rPr lang="en-US" altLang="zh-CN" b="1" dirty="0" smtClean="0"/>
-              <a:t>(</a:t>
-            </a:r>
-            <a:r>
-              <a:rPr lang="zh-CN" altLang="en-US" b="1" dirty="0" smtClean="0"/>
-              <a:t>三角形的边</a:t>
-            </a:r>
-            <a:r>
-              <a:rPr lang="en-US" altLang="zh-CN" b="1" dirty="0" smtClean="0"/>
-              <a:t>)</a:t>
-            </a:r>
-            <a:r>
-              <a:rPr lang="zh-CN" altLang="en-US" b="1" dirty="0" smtClean="0"/>
-              <a:t>皆不相交。</a:t>
-            </a:r>
-          </a:p>
-          <a:p>
-            <a:r>
-              <a:rPr lang="zh-CN" altLang="en-US" b="1" dirty="0" smtClean="0"/>
-              <a:t>    </a:t>
-            </a:r>
-            <a:r>
-              <a:rPr lang="en-US" altLang="zh-CN" b="1" dirty="0" smtClean="0"/>
-              <a:t>2.</a:t>
-            </a:r>
-            <a:r>
-              <a:rPr lang="zh-CN" altLang="en-US" b="1" dirty="0" smtClean="0"/>
-              <a:t>唯一性：不论从区域何处开始构建，最终都将得到一致的结果。</a:t>
-            </a:r>
-          </a:p>
-          <a:p>
-            <a:r>
-              <a:rPr lang="zh-CN" altLang="en-US" b="1" dirty="0" smtClean="0"/>
-              <a:t>    </a:t>
-            </a:r>
-            <a:r>
-              <a:rPr lang="en-US" altLang="zh-CN" b="1" dirty="0" smtClean="0"/>
-              <a:t>3.</a:t>
-            </a:r>
-            <a:r>
-              <a:rPr lang="zh-CN" altLang="en-US" b="1" dirty="0" smtClean="0"/>
-              <a:t>最优性：任意两个相邻三角形形成的凸四边形的对角线如果可以互换的话，那么两个三角形六个内角中最小的角度不会变大。</a:t>
-            </a:r>
-          </a:p>
-          <a:p>
-            <a:r>
-              <a:rPr lang="zh-CN" altLang="en-US" b="1" dirty="0" smtClean="0"/>
-              <a:t>    </a:t>
-            </a:r>
-            <a:r>
-              <a:rPr lang="en-US" altLang="zh-CN" b="1" dirty="0" smtClean="0"/>
-              <a:t>4.</a:t>
-            </a:r>
-            <a:r>
-              <a:rPr lang="zh-CN" altLang="en-US" b="1" dirty="0" smtClean="0"/>
-              <a:t>最规则：如果将三角网中的每个三角形的最小角进行升序排列，则</a:t>
+              <a:t>【</a:t>
+            </a:r>
+            <a:r>
+              <a:rPr lang="zh-CN" altLang="en-US" b="1" dirty="0" smtClean="0"/>
+              <a:t>定义</a:t>
+            </a:r>
+            <a:r>
+              <a:rPr lang="en-US" altLang="zh-CN" b="1" dirty="0" smtClean="0"/>
+              <a:t>】Delaunay</a:t>
+            </a:r>
+            <a:r>
+              <a:rPr lang="zh-CN" altLang="en-US" b="1" dirty="0" smtClean="0"/>
+              <a:t>三角剖分：如果点集</a:t>
+            </a:r>
+            <a:r>
+              <a:rPr lang="en-US" altLang="zh-CN" b="1" dirty="0" smtClean="0"/>
+              <a:t>V</a:t>
+            </a:r>
+            <a:r>
+              <a:rPr lang="zh-CN" altLang="en-US" b="1" dirty="0" smtClean="0"/>
+              <a:t>的一个三角剖分</a:t>
+            </a:r>
+            <a:r>
+              <a:rPr lang="en-US" altLang="zh-CN" b="1" dirty="0" smtClean="0"/>
+              <a:t>T</a:t>
+            </a:r>
+            <a:r>
+              <a:rPr lang="zh-CN" altLang="en-US" b="1" dirty="0" smtClean="0"/>
+              <a:t>只包含</a:t>
             </a:r>
             <a:r>
               <a:rPr lang="en-US" altLang="zh-CN" b="1" dirty="0" smtClean="0"/>
@@ -4577,39 +4513,16 @@
             </a:r>
             <a:r>
               <a:rPr lang="zh-CN" altLang="en-US" b="1" dirty="0" smtClean="0"/>
-              <a:t>三角网的排列得到的数值最大。</a:t>
-            </a:r>
-          </a:p>
-          <a:p>
-            <a:r>
-              <a:rPr lang="zh-CN" altLang="en-US" b="1" dirty="0" smtClean="0"/>
-              <a:t>    </a:t>
-            </a:r>
-            <a:r>
-              <a:rPr lang="en-US" altLang="zh-CN" b="1" dirty="0" smtClean="0"/>
-              <a:t>5.</a:t>
-            </a:r>
-            <a:r>
-              <a:rPr lang="zh-CN" altLang="en-US" b="1" dirty="0" smtClean="0"/>
-              <a:t>区域性：新增、删除、移动某一个顶点时只会影响临近的三角形。</a:t>
-            </a:r>
-          </a:p>
-          <a:p>
-            <a:r>
-              <a:rPr lang="zh-CN" altLang="en-US" b="1" dirty="0" smtClean="0"/>
-              <a:t>    </a:t>
-            </a:r>
-            <a:r>
-              <a:rPr lang="en-US" altLang="zh-CN" b="1" dirty="0" smtClean="0"/>
-              <a:t>6.</a:t>
-            </a:r>
-            <a:r>
-              <a:rPr lang="zh-CN" altLang="en-US" b="1" dirty="0" smtClean="0"/>
-              <a:t>具有凸多边形的外壳：三角网最外层的边界形成一个凸多边形的外壳。 </a:t>
-            </a:r>
-          </a:p>
-          <a:p>
-            <a:endParaRPr lang="zh-CN" altLang="en-US" b="1" dirty="0"/>
+              <a:t>边，那么该三角剖分称为</a:t>
+            </a:r>
+            <a:r>
+              <a:rPr lang="en-US" altLang="zh-CN" b="1" dirty="0" smtClean="0"/>
+              <a:t>Delaunay</a:t>
+            </a:r>
+            <a:r>
+              <a:rPr lang="zh-CN" altLang="en-US" b="1" dirty="0" smtClean="0"/>
+              <a:t>三角剖分。</a:t>
+            </a:r>
           </a:p>
         </p:txBody>
       </p:sp>
@@ -4618,6 +4531,13 @@
   <p:clrMapOvr>
     <a:masterClrMapping/>
   </p:clrMapOvr>
+  <p:timing>
+    <p:tnLst>
+      <p:par>
+        <p:cTn id="1" dur="indefinite" restart="never" nodeType="tmRoot"/>
+      </p:par>
+    </p:tnLst>
+  </p:timing>
 </p:sld>
 </file>
 
@@ -4654,8 +4574,12 @@
           <a:lstStyle/>
           <a:p>
             <a:r>
-              <a:rPr lang="zh-CN" altLang="en-US" b="1" dirty="0" smtClean="0"/>
-              <a:t>点对于直线可见</a:t>
+              <a:rPr lang="en-US" altLang="zh-CN" b="1" dirty="0" smtClean="0"/>
+              <a:t>Delaunay</a:t>
+            </a:r>
+            <a:r>
+              <a:rPr lang="zh-CN" altLang="en-US" b="1" dirty="0" smtClean="0"/>
+              <a:t>三角剖分特性</a:t>
             </a:r>
             <a:endParaRPr lang="zh-CN" altLang="en-US" b="1" dirty="0"/>
           </a:p>
@@ -4674,69 +4598,21 @@
         <p:spPr/>
         <p:txBody>
           <a:bodyPr>
-            <a:normAutofit fontScale="85000" lnSpcReduction="10000"/>
+            <a:normAutofit fontScale="77500" lnSpcReduction="20000"/>
           </a:bodyPr>
           <a:lstStyle/>
           <a:p>
             <a:r>
-              <a:rPr lang="en-US" altLang="zh-CN" b="1" dirty="0" smtClean="0"/>
-              <a:t>A. </a:t>
-            </a:r>
-            <a:r>
-              <a:rPr lang="zh-CN" altLang="en-US" b="1" dirty="0" smtClean="0"/>
-              <a:t>我们称点 </a:t>
-            </a:r>
-            <a:r>
-              <a:rPr lang="en-US" altLang="zh-CN" b="1" dirty="0" smtClean="0"/>
-              <a:t>p3 </a:t>
-            </a:r>
-            <a:r>
-              <a:rPr lang="zh-CN" altLang="en-US" b="1" dirty="0" smtClean="0"/>
-              <a:t>为直线 </a:t>
-            </a:r>
-            <a:r>
-              <a:rPr lang="en-US" altLang="zh-CN" b="1" dirty="0" smtClean="0"/>
-              <a:t>p1p2 </a:t>
-            </a:r>
-            <a:r>
-              <a:rPr lang="zh-CN" altLang="en-US" b="1" dirty="0" smtClean="0"/>
-              <a:t>的可见点，其必须满足下面三个条件：</a:t>
-            </a:r>
-          </a:p>
-          <a:p>
-            <a:r>
-              <a:rPr lang="zh-CN" altLang="en-US" b="1" dirty="0" smtClean="0"/>
-              <a:t> </a:t>
-            </a:r>
-          </a:p>
-          <a:p>
-            <a:r>
-              <a:rPr lang="zh-CN" altLang="en-US" b="1" dirty="0" smtClean="0"/>
-              <a:t>（</a:t>
-            </a:r>
-            <a:r>
-              <a:rPr lang="en-US" altLang="zh-CN" b="1" dirty="0" smtClean="0"/>
-              <a:t>1</a:t>
-            </a:r>
-            <a:r>
-              <a:rPr lang="zh-CN" altLang="en-US" b="1" dirty="0" smtClean="0"/>
-              <a:t>） </a:t>
-            </a:r>
-            <a:r>
-              <a:rPr lang="en-US" altLang="zh-CN" b="1" dirty="0" smtClean="0"/>
-              <a:t>p3 </a:t>
-            </a:r>
-            <a:r>
-              <a:rPr lang="zh-CN" altLang="en-US" b="1" dirty="0" smtClean="0"/>
-              <a:t>在边 </a:t>
-            </a:r>
-            <a:r>
-              <a:rPr lang="en-US" altLang="zh-CN" b="1" dirty="0" smtClean="0"/>
-              <a:t>p1p2 </a:t>
-            </a:r>
-            <a:r>
-              <a:rPr lang="zh-CN" altLang="en-US" b="1" dirty="0" smtClean="0"/>
-              <a:t>的右侧 </a:t>
+              <a:rPr lang="zh-CN" altLang="en-US" b="1" dirty="0" smtClean="0"/>
+              <a:t>    </a:t>
+            </a:r>
+            <a:r>
+              <a:rPr lang="en-US" altLang="zh-CN" b="1" dirty="0" smtClean="0"/>
+              <a:t>1.</a:t>
+            </a:r>
+            <a:r>
+              <a:rPr lang="zh-CN" altLang="en-US" b="1" dirty="0" smtClean="0"/>
+              <a:t>最接近：以最近临的三点形成三角形，且各线段</a:t>
             </a:r>
             <a:r>
               <a:rPr lang="en-US" altLang="zh-CN" b="1" dirty="0" smtClean="0"/>
@@ -4744,7 +4620,7 @@
             </a:r>
             <a:r>
               <a:rPr lang="zh-CN" altLang="en-US" b="1" dirty="0" smtClean="0"/>
-              <a:t>顶点顺序为顺时针</a:t>
+              <a:t>三角形的边</a:t>
             </a:r>
             <a:r>
               <a:rPr lang="en-US" altLang="zh-CN" b="1" dirty="0" smtClean="0"/>
@@ -4752,94 +4628,89 @@
             </a:r>
             <a:r>
               <a:rPr lang="zh-CN" altLang="en-US" b="1" dirty="0" smtClean="0"/>
-              <a:t>；</a:t>
-            </a:r>
-          </a:p>
-          <a:p>
-            <a:r>
-              <a:rPr lang="zh-CN" altLang="en-US" b="1" dirty="0" smtClean="0"/>
-              <a:t> </a:t>
-            </a:r>
-          </a:p>
-          <a:p>
-            <a:r>
-              <a:rPr lang="zh-CN" altLang="en-US" b="1" dirty="0" smtClean="0"/>
-              <a:t>（</a:t>
-            </a:r>
-            <a:r>
-              <a:rPr lang="en-US" altLang="zh-CN" b="1" dirty="0" smtClean="0"/>
-              <a:t>2</a:t>
-            </a:r>
-            <a:r>
-              <a:rPr lang="zh-CN" altLang="en-US" b="1" dirty="0" smtClean="0"/>
-              <a:t>） </a:t>
-            </a:r>
-            <a:r>
-              <a:rPr lang="en-US" altLang="zh-CN" b="1" dirty="0" smtClean="0"/>
-              <a:t>p3 </a:t>
-            </a:r>
-            <a:r>
-              <a:rPr lang="zh-CN" altLang="en-US" b="1" dirty="0" smtClean="0"/>
-              <a:t>与 </a:t>
-            </a:r>
-            <a:r>
-              <a:rPr lang="en-US" altLang="zh-CN" b="1" dirty="0" smtClean="0"/>
-              <a:t>p1 </a:t>
-            </a:r>
-            <a:r>
-              <a:rPr lang="zh-CN" altLang="en-US" b="1" dirty="0" smtClean="0"/>
-              <a:t>可见，即 </a:t>
-            </a:r>
-            <a:r>
-              <a:rPr lang="en-US" altLang="zh-CN" b="1" dirty="0" smtClean="0"/>
-              <a:t>p1p3 </a:t>
-            </a:r>
-            <a:r>
-              <a:rPr lang="zh-CN" altLang="en-US" b="1" dirty="0" smtClean="0"/>
-              <a:t>不与任何一个约束边相交；</a:t>
-            </a:r>
-          </a:p>
-          <a:p>
-            <a:r>
-              <a:rPr lang="zh-CN" altLang="en-US" b="1" dirty="0" smtClean="0"/>
-              <a:t> </a:t>
-            </a:r>
-          </a:p>
-          <a:p>
-            <a:r>
-              <a:rPr lang="zh-CN" altLang="en-US" b="1" dirty="0" smtClean="0"/>
-              <a:t>（</a:t>
-            </a:r>
-            <a:r>
-              <a:rPr lang="en-US" altLang="zh-CN" b="1" dirty="0" smtClean="0"/>
-              <a:t>3</a:t>
-            </a:r>
-            <a:r>
-              <a:rPr lang="zh-CN" altLang="en-US" b="1" dirty="0" smtClean="0"/>
-              <a:t>） </a:t>
-            </a:r>
-            <a:r>
-              <a:rPr lang="en-US" altLang="zh-CN" b="1" dirty="0" smtClean="0"/>
-              <a:t>p3 </a:t>
-            </a:r>
-            <a:r>
-              <a:rPr lang="zh-CN" altLang="en-US" b="1" dirty="0" smtClean="0"/>
-              <a:t>与 </a:t>
-            </a:r>
-            <a:r>
-              <a:rPr lang="en-US" altLang="zh-CN" b="1" dirty="0" smtClean="0"/>
-              <a:t>p2 </a:t>
-            </a:r>
-            <a:r>
-              <a:rPr lang="zh-CN" altLang="en-US" b="1" dirty="0" smtClean="0"/>
-              <a:t>可见</a:t>
-            </a:r>
-          </a:p>
-          <a:p>
-            <a:r>
-              <a:rPr lang="zh-CN" altLang="en-US" b="1" dirty="0" smtClean="0"/>
-              <a:t> </a:t>
-            </a:r>
+              <a:t>皆不相交。</a:t>
+            </a:r>
+          </a:p>
+          <a:p>
+            <a:r>
+              <a:rPr lang="zh-CN" altLang="en-US" b="1" dirty="0" smtClean="0"/>
+              <a:t>    </a:t>
+            </a:r>
+            <a:r>
+              <a:rPr lang="en-US" altLang="zh-CN" b="1" dirty="0" smtClean="0"/>
+              <a:t>2.</a:t>
+            </a:r>
+            <a:r>
+              <a:rPr lang="zh-CN" altLang="en-US" b="1" dirty="0" smtClean="0"/>
+              <a:t>唯一性：不论从区域何处开始构建，最终都将得到一致的结果。</a:t>
+            </a:r>
+          </a:p>
+          <a:p>
+            <a:r>
+              <a:rPr lang="zh-CN" altLang="en-US" b="1" dirty="0" smtClean="0"/>
+              <a:t>    </a:t>
+            </a:r>
+            <a:r>
+              <a:rPr lang="en-US" altLang="zh-CN" b="1" dirty="0" smtClean="0"/>
+              <a:t>3.</a:t>
+            </a:r>
+            <a:r>
+              <a:rPr lang="zh-CN" altLang="en-US" b="1" dirty="0" smtClean="0"/>
+              <a:t>最优性：任意两个相邻三角形形成的凸四边形的对角线如果可以互换的话，那么两个三角形六个内角中最小的角度不会变大。</a:t>
+            </a:r>
+          </a:p>
+          <a:p>
+            <a:r>
+              <a:rPr lang="zh-CN" altLang="en-US" b="1" dirty="0" smtClean="0"/>
+              <a:t>    </a:t>
+            </a:r>
+            <a:r>
+              <a:rPr lang="en-US" altLang="zh-CN" b="1" dirty="0" smtClean="0"/>
+              <a:t>4.</a:t>
+            </a:r>
+            <a:r>
+              <a:rPr lang="zh-CN" altLang="en-US" b="1" dirty="0" smtClean="0"/>
+              <a:t>最规则：如果将三角网中的每个三角形的最小角进行升序排列，则</a:t>
+            </a:r>
+            <a:r>
+              <a:rPr lang="en-US" altLang="zh-CN" b="1" dirty="0" smtClean="0"/>
+              <a:t>Delaunay</a:t>
+            </a:r>
+            <a:r>
+              <a:rPr lang="zh-CN" altLang="en-US" b="1" dirty="0" smtClean="0"/>
+              <a:t>三角网的排列得到的数值最大。</a:t>
+            </a:r>
+          </a:p>
+          <a:p>
+            <a:r>
+              <a:rPr lang="zh-CN" altLang="en-US" b="1" dirty="0" smtClean="0"/>
+              <a:t>    </a:t>
+            </a:r>
+            <a:r>
+              <a:rPr lang="en-US" altLang="zh-CN" b="1" dirty="0" smtClean="0"/>
+              <a:t>5.</a:t>
+            </a:r>
+            <a:r>
+              <a:rPr lang="zh-CN" altLang="en-US" b="1" dirty="0" smtClean="0"/>
+              <a:t>区域性：新增、删除、移动某一个顶点时只会影响临近的三角形。</a:t>
+            </a:r>
+          </a:p>
+          <a:p>
+            <a:r>
+              <a:rPr lang="zh-CN" altLang="en-US" b="1" dirty="0" smtClean="0"/>
+              <a:t>    </a:t>
+            </a:r>
+            <a:r>
+              <a:rPr lang="en-US" altLang="zh-CN" b="1" dirty="0" smtClean="0"/>
+              <a:t>6.</a:t>
+            </a:r>
+            <a:r>
+              <a:rPr lang="zh-CN" altLang="en-US" b="1" dirty="0" smtClean="0"/>
+              <a:t>具有凸多边形的外壳：三角网最外层的边界形成一个凸多边形的外壳。 </a:t>
+            </a:r>
+          </a:p>
+          <a:p>
+            <a:endParaRPr lang="zh-CN" altLang="en-US" b="1" dirty="0"/>
           </a:p>
         </p:txBody>
       </p:sp>
@@ -4848,6 +4719,13 @@
   <p:clrMapOvr>
     <a:masterClrMapping/>
   </p:clrMapOvr>
+  <p:timing>
+    <p:tnLst>
+      <p:par>
+        <p:cTn id="1" dur="indefinite" restart="never" nodeType="tmRoot"/>
+      </p:par>
+    </p:tnLst>
+  </p:timing>
 </p:sld>
 </file>
 
@@ -4884,14 +4762,10 @@
           <a:lstStyle/>
           <a:p>
             <a:r>
-              <a:rPr lang="en-US" altLang="zh-CN" dirty="0" smtClean="0"/>
-              <a:t>DT</a:t>
-            </a:r>
-            <a:r>
-              <a:rPr lang="zh-CN" altLang="en-US" dirty="0" smtClean="0"/>
-              <a:t>点</a:t>
-            </a:r>
-            <a:endParaRPr lang="zh-CN" altLang="en-US" dirty="0"/>
+              <a:rPr lang="zh-CN" altLang="en-US" b="1" dirty="0" smtClean="0"/>
+              <a:t>点对于直线可见</a:t>
+            </a:r>
+            <a:endParaRPr lang="zh-CN" altLang="en-US" b="1" dirty="0"/>
           </a:p>
         </p:txBody>
       </p:sp>
@@ -4908,33 +4782,33 @@
         <p:spPr/>
         <p:txBody>
           <a:bodyPr>
-            <a:normAutofit fontScale="62500" lnSpcReduction="20000"/>
+            <a:normAutofit fontScale="85000" lnSpcReduction="10000"/>
           </a:bodyPr>
           <a:lstStyle/>
           <a:p>
             <a:r>
-              <a:rPr lang="zh-CN" altLang="en-US" b="1" dirty="0" smtClean="0"/>
-              <a:t>在</a:t>
-            </a:r>
-            <a:r>
-              <a:rPr lang="zh-CN" altLang="en-US" b="1" dirty="0" smtClean="0"/>
-              <a:t>一个约束</a:t>
-            </a:r>
-            <a:r>
-              <a:rPr lang="en-US" altLang="zh-CN" b="1" dirty="0" smtClean="0"/>
-              <a:t>Delaunay</a:t>
-            </a:r>
-            <a:r>
-              <a:rPr lang="zh-CN" altLang="en-US" b="1" dirty="0" smtClean="0"/>
-              <a:t>三角形中，其中与一条边相对的顶点称为该边的</a:t>
-            </a:r>
-            <a:r>
-              <a:rPr lang="en-US" altLang="zh-CN" b="1" dirty="0" smtClean="0"/>
-              <a:t>DT</a:t>
-            </a:r>
-            <a:r>
-              <a:rPr lang="zh-CN" altLang="en-US" b="1" dirty="0" smtClean="0"/>
-              <a:t>点。</a:t>
+              <a:rPr lang="en-US" altLang="zh-CN" b="1" dirty="0" smtClean="0"/>
+              <a:t>A. </a:t>
+            </a:r>
+            <a:r>
+              <a:rPr lang="zh-CN" altLang="en-US" b="1" dirty="0" smtClean="0"/>
+              <a:t>我们称点 </a:t>
+            </a:r>
+            <a:r>
+              <a:rPr lang="en-US" altLang="zh-CN" b="1" dirty="0" smtClean="0"/>
+              <a:t>p3 </a:t>
+            </a:r>
+            <a:r>
+              <a:rPr lang="zh-CN" altLang="en-US" b="1" dirty="0" smtClean="0"/>
+              <a:t>为直线 </a:t>
+            </a:r>
+            <a:r>
+              <a:rPr lang="en-US" altLang="zh-CN" b="1" dirty="0" smtClean="0"/>
+              <a:t>p1p2 </a:t>
+            </a:r>
+            <a:r>
+              <a:rPr lang="zh-CN" altLang="en-US" b="1" dirty="0" smtClean="0"/>
+              <a:t>的可见点，其必须满足下面三个条件：</a:t>
             </a:r>
           </a:p>
           <a:p>
@@ -4946,15 +4820,47 @@
           <a:p>
             <a:r>
               <a:rPr lang="zh-CN" altLang="en-US" b="1" dirty="0" smtClean="0"/>
-              <a:t>确定 </a:t>
-            </a:r>
-            <a:r>
-              <a:rPr lang="en-US" altLang="zh-CN" b="1" dirty="0" smtClean="0"/>
-              <a:t>DT </a:t>
-            </a:r>
-            <a:r>
-              <a:rPr lang="zh-CN" altLang="en-US" b="1" dirty="0" smtClean="0"/>
-              <a:t>点的过程如下：</a:t>
+              <a:t>（</a:t>
+            </a:r>
+            <a:r>
+              <a:rPr lang="en-US" altLang="zh-CN" b="1" dirty="0" smtClean="0"/>
+              <a:t>1</a:t>
+            </a:r>
+            <a:r>
+              <a:rPr lang="zh-CN" altLang="en-US" b="1" dirty="0" smtClean="0"/>
+              <a:t>） </a:t>
+            </a:r>
+            <a:r>
+              <a:rPr lang="en-US" altLang="zh-CN" b="1" dirty="0" smtClean="0"/>
+              <a:t>p3 </a:t>
+            </a:r>
+            <a:r>
+              <a:rPr lang="zh-CN" altLang="en-US" b="1" dirty="0" smtClean="0"/>
+              <a:t>在边 </a:t>
+            </a:r>
+            <a:r>
+              <a:rPr lang="en-US" altLang="zh-CN" b="1" dirty="0" smtClean="0"/>
+              <a:t>p1p2 </a:t>
+            </a:r>
+            <a:r>
+              <a:rPr lang="zh-CN" altLang="en-US" b="1" dirty="0" smtClean="0"/>
+              <a:t>的右侧 </a:t>
+            </a:r>
+            <a:r>
+              <a:rPr lang="en-US" altLang="zh-CN" b="1" dirty="0" smtClean="0"/>
+              <a:t>(</a:t>
+            </a:r>
+            <a:r>
+              <a:rPr lang="zh-CN" altLang="en-US" b="1" dirty="0" smtClean="0"/>
+              <a:t>顶点顺序为顺时针</a:t>
+            </a:r>
+            <a:r>
+              <a:rPr lang="en-US" altLang="zh-CN" b="1" dirty="0" smtClean="0"/>
+              <a:t>)</a:t>
+            </a:r>
+            <a:r>
+              <a:rPr lang="zh-CN" altLang="en-US" b="1" dirty="0" smtClean="0"/>
+              <a:t>；</a:t>
             </a:r>
           </a:p>
           <a:p>
@@ -4965,92 +4871,76 @@
           </a:p>
           <a:p>
             <a:r>
-              <a:rPr lang="en-US" altLang="zh-CN" b="1" dirty="0" smtClean="0"/>
-              <a:t>Step1.  </a:t>
-            </a:r>
-            <a:r>
-              <a:rPr lang="zh-CN" altLang="en-US" b="1" dirty="0" smtClean="0"/>
-              <a:t>构造 </a:t>
-            </a:r>
-            <a:r>
-              <a:rPr lang="en-US" altLang="zh-CN" b="1" dirty="0" smtClean="0"/>
-              <a:t>Δp1p2p3 </a:t>
-            </a:r>
-            <a:r>
-              <a:rPr lang="zh-CN" altLang="en-US" b="1" dirty="0" smtClean="0"/>
-              <a:t>的外接圆 </a:t>
-            </a:r>
-            <a:r>
-              <a:rPr lang="en-US" altLang="zh-CN" b="1" dirty="0" smtClean="0"/>
-              <a:t>C</a:t>
-            </a:r>
-            <a:r>
               <a:rPr lang="zh-CN" altLang="en-US" b="1" dirty="0" smtClean="0"/>
               <a:t>（</a:t>
             </a:r>
             <a:r>
               <a:rPr lang="en-US" altLang="zh-CN" b="1" dirty="0" smtClean="0"/>
-              <a:t>p1</a:t>
-            </a:r>
-            <a:r>
-              <a:rPr lang="zh-CN" altLang="en-US" b="1" dirty="0" smtClean="0"/>
-              <a:t>，</a:t>
-            </a:r>
-            <a:r>
-              <a:rPr lang="en-US" altLang="zh-CN" b="1" dirty="0" smtClean="0"/>
-              <a:t>p2</a:t>
-            </a:r>
-            <a:r>
-              <a:rPr lang="zh-CN" altLang="en-US" b="1" dirty="0" smtClean="0"/>
-              <a:t>，</a:t>
-            </a:r>
-            <a:r>
-              <a:rPr lang="en-US" altLang="zh-CN" b="1" dirty="0" smtClean="0"/>
-              <a:t>p3</a:t>
-            </a:r>
-            <a:r>
-              <a:rPr lang="zh-CN" altLang="en-US" b="1" dirty="0" smtClean="0"/>
-              <a:t>）及其网格包围盒 </a:t>
-            </a:r>
-            <a:r>
-              <a:rPr lang="en-US" altLang="zh-CN" b="1" dirty="0" smtClean="0"/>
-              <a:t>B</a:t>
-            </a:r>
+              <a:t>2</a:t>
+            </a:r>
+            <a:r>
+              <a:rPr lang="zh-CN" altLang="en-US" b="1" dirty="0" smtClean="0"/>
+              <a:t>） </a:t>
+            </a:r>
+            <a:r>
+              <a:rPr lang="en-US" altLang="zh-CN" b="1" dirty="0" smtClean="0"/>
+              <a:t>p3 </a:t>
+            </a:r>
+            <a:r>
+              <a:rPr lang="zh-CN" altLang="en-US" b="1" dirty="0" smtClean="0"/>
+              <a:t>与 </a:t>
+            </a:r>
+            <a:r>
+              <a:rPr lang="en-US" altLang="zh-CN" b="1" dirty="0" smtClean="0"/>
+              <a:t>p1 </a:t>
+            </a:r>
+            <a:r>
+              <a:rPr lang="zh-CN" altLang="en-US" b="1" dirty="0" smtClean="0"/>
+              <a:t>可见，即 </a:t>
+            </a:r>
+            <a:r>
+              <a:rPr lang="en-US" altLang="zh-CN" b="1" dirty="0" smtClean="0"/>
+              <a:t>p1p3 </a:t>
+            </a:r>
+            <a:r>
+              <a:rPr lang="zh-CN" altLang="en-US" b="1" dirty="0" smtClean="0"/>
+              <a:t>不与任何一个约束边相交；</a:t>
+            </a:r>
+          </a:p>
+          <a:p>
+            <a:r>
+              <a:rPr lang="zh-CN" altLang="en-US" b="1" dirty="0" smtClean="0"/>
+              <a:t> </a:t>
+            </a:r>
+          </a:p>
+          <a:p>
             <a:r>
               <a:rPr lang="zh-CN" altLang="en-US" b="1" dirty="0" smtClean="0"/>
               <a:t>（</a:t>
             </a:r>
             <a:r>
               <a:rPr lang="en-US" altLang="zh-CN" b="1" dirty="0" smtClean="0"/>
-              <a:t>C</a:t>
-            </a:r>
-            <a:r>
-              <a:rPr lang="zh-CN" altLang="en-US" b="1" dirty="0" smtClean="0"/>
-              <a:t>（</a:t>
-            </a:r>
-            <a:r>
-              <a:rPr lang="en-US" altLang="zh-CN" b="1" dirty="0" smtClean="0"/>
-              <a:t>p1</a:t>
-            </a:r>
-            <a:r>
-              <a:rPr lang="zh-CN" altLang="en-US" b="1" dirty="0" smtClean="0"/>
-              <a:t>，</a:t>
-            </a:r>
-            <a:r>
-              <a:rPr lang="en-US" altLang="zh-CN" b="1" dirty="0" smtClean="0"/>
-              <a:t>p2</a:t>
-            </a:r>
-            <a:r>
-              <a:rPr lang="zh-CN" altLang="en-US" b="1" dirty="0" smtClean="0"/>
-              <a:t>，</a:t>
-            </a:r>
-            <a:r>
-              <a:rPr lang="en-US" altLang="zh-CN" b="1" dirty="0" smtClean="0"/>
-              <a:t>p3</a:t>
-            </a:r>
-            <a:r>
-              <a:rPr lang="zh-CN" altLang="en-US" b="1" dirty="0" smtClean="0"/>
-              <a:t>））</a:t>
+              <a:t>3</a:t>
+            </a:r>
+            <a:r>
+              <a:rPr lang="zh-CN" altLang="en-US" b="1" dirty="0" smtClean="0"/>
+              <a:t>） </a:t>
+            </a:r>
+            <a:r>
+              <a:rPr lang="en-US" altLang="zh-CN" b="1" dirty="0" smtClean="0"/>
+              <a:t>p3 </a:t>
+            </a:r>
+            <a:r>
+              <a:rPr lang="zh-CN" altLang="en-US" b="1" dirty="0" smtClean="0"/>
+              <a:t>与 </a:t>
+            </a:r>
+            <a:r>
+              <a:rPr lang="en-US" altLang="zh-CN" b="1" dirty="0" smtClean="0"/>
+              <a:t>p2 </a:t>
+            </a:r>
+            <a:r>
+              <a:rPr lang="zh-CN" altLang="en-US" b="1" dirty="0" smtClean="0"/>
+              <a:t>可见</a:t>
             </a:r>
           </a:p>
           <a:p>
@@ -5058,135 +4948,6 @@
               <a:rPr lang="zh-CN" altLang="en-US" b="1" dirty="0" smtClean="0"/>
               <a:t> </a:t>
             </a:r>
-          </a:p>
-          <a:p>
-            <a:r>
-              <a:rPr lang="en-US" altLang="zh-CN" b="1" dirty="0" smtClean="0"/>
-              <a:t>Step2. </a:t>
-            </a:r>
-            <a:r>
-              <a:rPr lang="zh-CN" altLang="en-US" b="1" dirty="0" smtClean="0"/>
-              <a:t>依次访问网格包围盒内的每个</a:t>
-            </a:r>
-            <a:r>
-              <a:rPr lang="zh-CN" altLang="en-US" b="1" dirty="0" smtClean="0"/>
-              <a:t>网格单元： 对未作当前趟数标记的网格单元进行搜索，并将其标记为当前趟数；若</a:t>
-            </a:r>
-            <a:r>
-              <a:rPr lang="zh-CN" altLang="en-US" b="1" dirty="0" smtClean="0"/>
-              <a:t>某个网格单元中存在可见点 </a:t>
-            </a:r>
-            <a:r>
-              <a:rPr lang="en-US" altLang="zh-CN" b="1" dirty="0" smtClean="0"/>
-              <a:t>p, </a:t>
-            </a:r>
-            <a:r>
-              <a:rPr lang="zh-CN" altLang="en-US" b="1" dirty="0" smtClean="0"/>
-              <a:t>并且 ∠</a:t>
-            </a:r>
-            <a:r>
-              <a:rPr lang="en-US" altLang="zh-CN" b="1" dirty="0" smtClean="0"/>
-              <a:t>p1pp2 &gt; ∠p1p3p2</a:t>
-            </a:r>
-            <a:r>
-              <a:rPr lang="zh-CN" altLang="en-US" b="1" dirty="0" smtClean="0"/>
-              <a:t>，则令 </a:t>
-            </a:r>
-            <a:r>
-              <a:rPr lang="en-US" altLang="zh-CN" b="1" dirty="0" smtClean="0"/>
-              <a:t>p3=p1</a:t>
-            </a:r>
-            <a:r>
-              <a:rPr lang="zh-CN" altLang="en-US" b="1" dirty="0" smtClean="0"/>
-              <a:t>，转</a:t>
-            </a:r>
-            <a:r>
-              <a:rPr lang="en-US" altLang="zh-CN" b="1" dirty="0" smtClean="0"/>
-              <a:t>Step1</a:t>
-            </a:r>
-            <a:r>
-              <a:rPr lang="zh-CN" altLang="en-US" b="1" dirty="0" smtClean="0"/>
-              <a:t>；否则，转</a:t>
-            </a:r>
-            <a:r>
-              <a:rPr lang="en-US" altLang="zh-CN" b="1" dirty="0" smtClean="0"/>
-              <a:t>Step3.</a:t>
-            </a:r>
-          </a:p>
-          <a:p>
-            <a:r>
-              <a:rPr lang="en-US" altLang="zh-CN" b="1" dirty="0" smtClean="0"/>
-              <a:t> </a:t>
-            </a:r>
-          </a:p>
-          <a:p>
-            <a:r>
-              <a:rPr lang="en-US" altLang="zh-CN" b="1" dirty="0" smtClean="0"/>
-              <a:t>Step3.  </a:t>
-            </a:r>
-            <a:r>
-              <a:rPr lang="zh-CN" altLang="en-US" b="1" dirty="0" smtClean="0"/>
-              <a:t>若当前网格包围盒内所有网格单元都已被标记为当前趟数，也即</a:t>
-            </a:r>
-            <a:r>
-              <a:rPr lang="en-US" altLang="zh-CN" b="1" dirty="0" smtClean="0"/>
-              <a:t>C</a:t>
-            </a:r>
-            <a:r>
-              <a:rPr lang="zh-CN" altLang="en-US" b="1" dirty="0" smtClean="0"/>
-              <a:t>（</a:t>
-            </a:r>
-            <a:r>
-              <a:rPr lang="en-US" altLang="zh-CN" b="1" dirty="0" smtClean="0"/>
-              <a:t>p1</a:t>
-            </a:r>
-            <a:r>
-              <a:rPr lang="zh-CN" altLang="en-US" b="1" dirty="0" smtClean="0"/>
-              <a:t>，</a:t>
-            </a:r>
-            <a:r>
-              <a:rPr lang="en-US" altLang="zh-CN" b="1" dirty="0" smtClean="0"/>
-              <a:t>p2</a:t>
-            </a:r>
-            <a:r>
-              <a:rPr lang="zh-CN" altLang="en-US" b="1" dirty="0" smtClean="0"/>
-              <a:t>，</a:t>
-            </a:r>
-            <a:r>
-              <a:rPr lang="en-US" altLang="zh-CN" b="1" dirty="0" smtClean="0"/>
-              <a:t>p3</a:t>
-            </a:r>
-            <a:r>
-              <a:rPr lang="zh-CN" altLang="en-US" b="1" dirty="0" smtClean="0"/>
-              <a:t>）内无可见点，则 </a:t>
-            </a:r>
-            <a:r>
-              <a:rPr lang="en-US" altLang="zh-CN" b="1" dirty="0" smtClean="0"/>
-              <a:t>p3 </a:t>
-            </a:r>
-            <a:r>
-              <a:rPr lang="zh-CN" altLang="en-US" b="1" dirty="0" smtClean="0"/>
-              <a:t>为的 </a:t>
-            </a:r>
-            <a:r>
-              <a:rPr lang="en-US" altLang="zh-CN" b="1" dirty="0" smtClean="0"/>
-              <a:t>p1p2 </a:t>
-            </a:r>
-            <a:r>
-              <a:rPr lang="zh-CN" altLang="en-US" b="1" dirty="0" smtClean="0"/>
-              <a:t>的 </a:t>
-            </a:r>
-            <a:r>
-              <a:rPr lang="en-US" altLang="zh-CN" b="1" dirty="0" smtClean="0"/>
-              <a:t>DT </a:t>
-            </a:r>
-            <a:r>
-              <a:rPr lang="zh-CN" altLang="en-US" b="1" dirty="0" smtClean="0"/>
-              <a:t>点</a:t>
-            </a:r>
-          </a:p>
-          <a:p>
-            <a:endParaRPr lang="zh-CN" altLang="en-US" b="1" dirty="0"/>
           </a:p>
         </p:txBody>
       </p:sp>
@@ -5195,6 +4956,13 @@
   <p:clrMapOvr>
     <a:masterClrMapping/>
   </p:clrMapOvr>
+  <p:timing>
+    <p:tnLst>
+      <p:par>
+        <p:cTn id="1" dur="indefinite" restart="never" nodeType="tmRoot"/>
+      </p:par>
+    </p:tnLst>
+  </p:timing>
 </p:sld>
 </file>
 
@@ -5232,13 +5000,13 @@
           <a:p>
             <a:r>
               <a:rPr lang="en-US" altLang="zh-CN" b="1" dirty="0" smtClean="0"/>
-              <a:t>Delaunay</a:t>
-            </a:r>
-            <a:r>
-              <a:rPr lang="zh-CN" altLang="en-US" b="1" dirty="0" smtClean="0"/>
-              <a:t>三角剖分实现</a:t>
-            </a:r>
-            <a:endParaRPr lang="zh-CN" altLang="en-US" dirty="0"/>
+              <a:t>DT</a:t>
+            </a:r>
+            <a:r>
+              <a:rPr lang="zh-CN" altLang="en-US" b="1" dirty="0" smtClean="0"/>
+              <a:t>点</a:t>
+            </a:r>
+            <a:endParaRPr lang="zh-CN" altLang="en-US" b="1" dirty="0"/>
           </a:p>
         </p:txBody>
       </p:sp>
@@ -5254,10 +5022,274 @@
         </p:nvSpPr>
         <p:spPr/>
         <p:txBody>
-          <a:bodyPr/>
+          <a:bodyPr>
+            <a:normAutofit fontScale="62500" lnSpcReduction="20000"/>
+          </a:bodyPr>
           <a:lstStyle/>
           <a:p>
-            <a:endParaRPr lang="zh-CN" altLang="en-US" dirty="0"/>
+            <a:r>
+              <a:rPr lang="zh-CN" altLang="en-US" b="1" dirty="0" smtClean="0"/>
+              <a:t>在一个约束</a:t>
+            </a:r>
+            <a:r>
+              <a:rPr lang="en-US" altLang="zh-CN" b="1" dirty="0" smtClean="0"/>
+              <a:t>Delaunay</a:t>
+            </a:r>
+            <a:r>
+              <a:rPr lang="zh-CN" altLang="en-US" b="1" dirty="0" smtClean="0"/>
+              <a:t>三角形中，其中与一条边相对的顶点称为该边的</a:t>
+            </a:r>
+            <a:r>
+              <a:rPr lang="en-US" altLang="zh-CN" b="1" dirty="0" smtClean="0"/>
+              <a:t>DT</a:t>
+            </a:r>
+            <a:r>
+              <a:rPr lang="zh-CN" altLang="en-US" b="1" dirty="0" smtClean="0"/>
+              <a:t>点。</a:t>
+            </a:r>
+          </a:p>
+          <a:p>
+            <a:r>
+              <a:rPr lang="zh-CN" altLang="en-US" b="1" dirty="0" smtClean="0"/>
+              <a:t> </a:t>
+            </a:r>
+          </a:p>
+          <a:p>
+            <a:r>
+              <a:rPr lang="zh-CN" altLang="en-US" b="1" dirty="0" smtClean="0"/>
+              <a:t>确定 </a:t>
+            </a:r>
+            <a:r>
+              <a:rPr lang="en-US" altLang="zh-CN" b="1" dirty="0" smtClean="0"/>
+              <a:t>DT </a:t>
+            </a:r>
+            <a:r>
+              <a:rPr lang="zh-CN" altLang="en-US" b="1" dirty="0" smtClean="0"/>
+              <a:t>点的过程如下：</a:t>
+            </a:r>
+          </a:p>
+          <a:p>
+            <a:r>
+              <a:rPr lang="zh-CN" altLang="en-US" b="1" dirty="0" smtClean="0"/>
+              <a:t> </a:t>
+            </a:r>
+          </a:p>
+          <a:p>
+            <a:r>
+              <a:rPr lang="en-US" altLang="zh-CN" b="1" dirty="0" smtClean="0"/>
+              <a:t>Step1.  </a:t>
+            </a:r>
+            <a:r>
+              <a:rPr lang="zh-CN" altLang="en-US" b="1" dirty="0" smtClean="0"/>
+              <a:t>构造 </a:t>
+            </a:r>
+            <a:r>
+              <a:rPr lang="en-US" altLang="zh-CN" b="1" dirty="0" smtClean="0"/>
+              <a:t>Δp1p2p3 </a:t>
+            </a:r>
+            <a:r>
+              <a:rPr lang="zh-CN" altLang="en-US" b="1" dirty="0" smtClean="0"/>
+              <a:t>的外接圆 </a:t>
+            </a:r>
+            <a:r>
+              <a:rPr lang="en-US" altLang="zh-CN" b="1" dirty="0" smtClean="0"/>
+              <a:t>C</a:t>
+            </a:r>
+            <a:r>
+              <a:rPr lang="zh-CN" altLang="en-US" b="1" dirty="0" smtClean="0"/>
+              <a:t>（</a:t>
+            </a:r>
+            <a:r>
+              <a:rPr lang="en-US" altLang="zh-CN" b="1" dirty="0" smtClean="0"/>
+              <a:t>p1</a:t>
+            </a:r>
+            <a:r>
+              <a:rPr lang="zh-CN" altLang="en-US" b="1" dirty="0" smtClean="0"/>
+              <a:t>，</a:t>
+            </a:r>
+            <a:r>
+              <a:rPr lang="en-US" altLang="zh-CN" b="1" dirty="0" smtClean="0"/>
+              <a:t>p2</a:t>
+            </a:r>
+            <a:r>
+              <a:rPr lang="zh-CN" altLang="en-US" b="1" dirty="0" smtClean="0"/>
+              <a:t>，</a:t>
+            </a:r>
+            <a:r>
+              <a:rPr lang="en-US" altLang="zh-CN" b="1" dirty="0" smtClean="0"/>
+              <a:t>p3</a:t>
+            </a:r>
+            <a:r>
+              <a:rPr lang="zh-CN" altLang="en-US" b="1" dirty="0" smtClean="0"/>
+              <a:t>）及其网格包围盒 </a:t>
+            </a:r>
+            <a:r>
+              <a:rPr lang="en-US" altLang="zh-CN" b="1" dirty="0" smtClean="0"/>
+              <a:t>B</a:t>
+            </a:r>
+            <a:r>
+              <a:rPr lang="zh-CN" altLang="en-US" b="1" dirty="0" smtClean="0"/>
+              <a:t>（</a:t>
+            </a:r>
+            <a:r>
+              <a:rPr lang="en-US" altLang="zh-CN" b="1" dirty="0" smtClean="0"/>
+              <a:t>C</a:t>
+            </a:r>
+            <a:r>
+              <a:rPr lang="zh-CN" altLang="en-US" b="1" dirty="0" smtClean="0"/>
+              <a:t>（</a:t>
+            </a:r>
+            <a:r>
+              <a:rPr lang="en-US" altLang="zh-CN" b="1" dirty="0" smtClean="0"/>
+              <a:t>p1</a:t>
+            </a:r>
+            <a:r>
+              <a:rPr lang="zh-CN" altLang="en-US" b="1" dirty="0" smtClean="0"/>
+              <a:t>，</a:t>
+            </a:r>
+            <a:r>
+              <a:rPr lang="en-US" altLang="zh-CN" b="1" dirty="0" smtClean="0"/>
+              <a:t>p2</a:t>
+            </a:r>
+            <a:r>
+              <a:rPr lang="zh-CN" altLang="en-US" b="1" dirty="0" smtClean="0"/>
+              <a:t>，</a:t>
+            </a:r>
+            <a:r>
+              <a:rPr lang="en-US" altLang="zh-CN" b="1" dirty="0" smtClean="0"/>
+              <a:t>p3</a:t>
+            </a:r>
+            <a:r>
+              <a:rPr lang="zh-CN" altLang="en-US" b="1" dirty="0" smtClean="0"/>
+              <a:t>））</a:t>
+            </a:r>
+          </a:p>
+          <a:p>
+            <a:r>
+              <a:rPr lang="zh-CN" altLang="en-US" b="1" dirty="0" smtClean="0"/>
+              <a:t> </a:t>
+            </a:r>
+          </a:p>
+          <a:p>
+            <a:r>
+              <a:rPr lang="en-US" altLang="zh-CN" b="1" dirty="0" smtClean="0"/>
+              <a:t>Step2. </a:t>
+            </a:r>
+            <a:r>
+              <a:rPr lang="zh-CN" altLang="en-US" b="1" dirty="0" smtClean="0"/>
+              <a:t>依次访问网格包围盒内的每个网格单元： 对未作当前趟数标记的网格单元进行搜索，并将其标记为当前趟数；若某个网格单元中存在可见点 </a:t>
+            </a:r>
+            <a:r>
+              <a:rPr lang="en-US" altLang="zh-CN" b="1" dirty="0" smtClean="0"/>
+              <a:t>p, </a:t>
+            </a:r>
+            <a:r>
+              <a:rPr lang="zh-CN" altLang="en-US" b="1" dirty="0" smtClean="0"/>
+              <a:t>并且 ∠</a:t>
+            </a:r>
+            <a:r>
+              <a:rPr lang="en-US" altLang="zh-CN" b="1" dirty="0" smtClean="0"/>
+              <a:t>p1pp2 &gt; ∠p1p3p2</a:t>
+            </a:r>
+            <a:r>
+              <a:rPr lang="zh-CN" altLang="en-US" b="1" dirty="0" smtClean="0"/>
+              <a:t>，则令 </a:t>
+            </a:r>
+            <a:r>
+              <a:rPr lang="en-US" altLang="zh-CN" b="1" dirty="0" smtClean="0"/>
+              <a:t>p3=p1</a:t>
+            </a:r>
+            <a:r>
+              <a:rPr lang="zh-CN" altLang="en-US" b="1" dirty="0" smtClean="0"/>
+              <a:t>，转</a:t>
+            </a:r>
+            <a:r>
+              <a:rPr lang="en-US" altLang="zh-CN" b="1" dirty="0" smtClean="0"/>
+              <a:t>Step1</a:t>
+            </a:r>
+            <a:r>
+              <a:rPr lang="zh-CN" altLang="en-US" b="1" dirty="0" smtClean="0"/>
+              <a:t>；否则，转</a:t>
+            </a:r>
+            <a:r>
+              <a:rPr lang="en-US" altLang="zh-CN" b="1" dirty="0" smtClean="0"/>
+              <a:t>Step3.</a:t>
+            </a:r>
+          </a:p>
+          <a:p>
+            <a:r>
+              <a:rPr lang="en-US" altLang="zh-CN" b="1" dirty="0" smtClean="0"/>
+              <a:t> </a:t>
+            </a:r>
+          </a:p>
+          <a:p>
+            <a:r>
+              <a:rPr lang="en-US" altLang="zh-CN" b="1" dirty="0" smtClean="0"/>
+              <a:t>Step3.  </a:t>
+            </a:r>
+            <a:r>
+              <a:rPr lang="zh-CN" altLang="en-US" b="1" dirty="0" smtClean="0"/>
+              <a:t>若当前网格包围盒内所有网格单元都已被标记为当前趟数，也即</a:t>
+            </a:r>
+            <a:r>
+              <a:rPr lang="en-US" altLang="zh-CN" b="1" dirty="0" smtClean="0"/>
+              <a:t>C</a:t>
+            </a:r>
+            <a:r>
+              <a:rPr lang="zh-CN" altLang="en-US" b="1" dirty="0" smtClean="0"/>
+              <a:t>（</a:t>
+            </a:r>
+            <a:r>
+              <a:rPr lang="en-US" altLang="zh-CN" b="1" dirty="0" smtClean="0"/>
+              <a:t>p1</a:t>
+            </a:r>
+            <a:r>
+              <a:rPr lang="zh-CN" altLang="en-US" b="1" dirty="0" smtClean="0"/>
+              <a:t>，</a:t>
+            </a:r>
+            <a:r>
+              <a:rPr lang="en-US" altLang="zh-CN" b="1" dirty="0" smtClean="0"/>
+              <a:t>p2</a:t>
+            </a:r>
+            <a:r>
+              <a:rPr lang="zh-CN" altLang="en-US" b="1" dirty="0" smtClean="0"/>
+              <a:t>，</a:t>
+            </a:r>
+            <a:r>
+              <a:rPr lang="en-US" altLang="zh-CN" b="1" dirty="0" smtClean="0"/>
+              <a:t>p3</a:t>
+            </a:r>
+            <a:r>
+              <a:rPr lang="zh-CN" altLang="en-US" b="1" dirty="0" smtClean="0"/>
+              <a:t>）内无可见点，则 </a:t>
+            </a:r>
+            <a:r>
+              <a:rPr lang="en-US" altLang="zh-CN" b="1" dirty="0" smtClean="0"/>
+              <a:t>p3 </a:t>
+            </a:r>
+            <a:r>
+              <a:rPr lang="zh-CN" altLang="en-US" b="1" dirty="0" smtClean="0"/>
+              <a:t>为的 </a:t>
+            </a:r>
+            <a:r>
+              <a:rPr lang="en-US" altLang="zh-CN" b="1" dirty="0" smtClean="0"/>
+              <a:t>p1p2 </a:t>
+            </a:r>
+            <a:r>
+              <a:rPr lang="zh-CN" altLang="en-US" b="1" dirty="0" smtClean="0"/>
+              <a:t>的 </a:t>
+            </a:r>
+            <a:r>
+              <a:rPr lang="en-US" altLang="zh-CN" b="1" dirty="0" smtClean="0"/>
+              <a:t>DT </a:t>
+            </a:r>
+            <a:r>
+              <a:rPr lang="zh-CN" altLang="en-US" b="1" dirty="0" smtClean="0"/>
+              <a:t>点</a:t>
+            </a:r>
+          </a:p>
+          <a:p>
+            <a:endParaRPr lang="zh-CN" altLang="en-US" b="1" dirty="0"/>
           </a:p>
         </p:txBody>
       </p:sp>
@@ -5266,6 +5298,13 @@
   <p:clrMapOvr>
     <a:masterClrMapping/>
   </p:clrMapOvr>
+  <p:timing>
+    <p:tnLst>
+      <p:par>
+        <p:cTn id="1" dur="indefinite" restart="never" nodeType="tmRoot"/>
+      </p:par>
+    </p:tnLst>
+  </p:timing>
 </p:sld>
 </file>
 
@@ -5302,10 +5341,10 @@
           <a:lstStyle/>
           <a:p>
             <a:r>
-              <a:rPr lang="zh-CN" altLang="en-US" dirty="0" smtClean="0"/>
+              <a:rPr lang="zh-CN" altLang="en-US" b="1" dirty="0" smtClean="0"/>
               <a:t>主要内容</a:t>
             </a:r>
-            <a:endParaRPr lang="zh-CN" altLang="en-US" dirty="0"/>
+            <a:endParaRPr lang="zh-CN" altLang="en-US" b="1" dirty="0"/>
           </a:p>
         </p:txBody>
       </p:sp>
@@ -5327,99 +5366,107 @@
           <a:lstStyle/>
           <a:p>
             <a:r>
-              <a:rPr lang="en-US" altLang="zh-CN" dirty="0" smtClean="0"/>
+              <a:rPr lang="en-US" altLang="zh-CN" b="1" dirty="0" smtClean="0"/>
               <a:t>1.A*</a:t>
             </a:r>
             <a:r>
-              <a:rPr lang="zh-CN" altLang="en-US" dirty="0" smtClean="0"/>
+              <a:rPr lang="zh-CN" altLang="en-US" b="1" dirty="0" smtClean="0"/>
               <a:t>寻路算法</a:t>
             </a:r>
-            <a:endParaRPr lang="en-US" altLang="zh-CN" dirty="0" smtClean="0"/>
-          </a:p>
-          <a:p>
-            <a:r>
-              <a:rPr lang="en-US" altLang="zh-CN" dirty="0" smtClean="0"/>
+            <a:endParaRPr lang="en-US" altLang="zh-CN" b="1" dirty="0" smtClean="0"/>
+          </a:p>
+          <a:p>
+            <a:r>
+              <a:rPr lang="en-US" altLang="zh-CN" b="1" dirty="0" smtClean="0"/>
               <a:t>2.</a:t>
             </a:r>
             <a:r>
-              <a:rPr lang="zh-CN" altLang="en-US" dirty="0" smtClean="0"/>
+              <a:rPr lang="zh-CN" altLang="en-US" b="1" dirty="0" smtClean="0"/>
               <a:t>最小堆</a:t>
             </a:r>
-            <a:endParaRPr lang="en-US" altLang="zh-CN" dirty="0" smtClean="0"/>
-          </a:p>
-          <a:p>
-            <a:r>
-              <a:rPr lang="en-US" altLang="zh-CN" dirty="0" smtClean="0"/>
+            <a:endParaRPr lang="en-US" altLang="zh-CN" b="1" dirty="0" smtClean="0"/>
+          </a:p>
+          <a:p>
+            <a:r>
+              <a:rPr lang="en-US" altLang="zh-CN" b="1" dirty="0" smtClean="0"/>
               <a:t>3.</a:t>
             </a:r>
             <a:r>
-              <a:rPr lang="zh-CN" altLang="en-US" dirty="0" smtClean="0"/>
-              <a:t>路径优化</a:t>
-            </a:r>
-            <a:endParaRPr lang="en-US" altLang="zh-CN" dirty="0" smtClean="0"/>
-          </a:p>
-          <a:p>
-            <a:r>
-              <a:rPr lang="en-US" altLang="zh-CN" dirty="0" smtClean="0"/>
+              <a:rPr lang="zh-CN" altLang="en-US" b="1" dirty="0" smtClean="0"/>
+              <a:t>基于格子寻路的路径优化</a:t>
+            </a:r>
+            <a:endParaRPr lang="en-US" altLang="zh-CN" b="1" dirty="0" smtClean="0"/>
+          </a:p>
+          <a:p>
+            <a:r>
+              <a:rPr lang="en-US" altLang="zh-CN" b="1" dirty="0" smtClean="0"/>
               <a:t>4.</a:t>
             </a:r>
             <a:r>
-              <a:rPr lang="zh-CN" altLang="en-US" dirty="0" smtClean="0"/>
+              <a:rPr lang="zh-CN" altLang="en-US" b="1" dirty="0" smtClean="0"/>
               <a:t>导航网格寻路</a:t>
             </a:r>
-            <a:endParaRPr lang="en-US" altLang="zh-CN" dirty="0" smtClean="0"/>
-          </a:p>
-          <a:p>
-            <a:r>
-              <a:rPr lang="en-US" altLang="zh-CN" dirty="0" smtClean="0"/>
+            <a:endParaRPr lang="en-US" altLang="zh-CN" b="1" dirty="0" smtClean="0"/>
+          </a:p>
+          <a:p>
+            <a:r>
+              <a:rPr lang="en-US" altLang="zh-CN" b="1" dirty="0" smtClean="0"/>
               <a:t>5.</a:t>
             </a:r>
             <a:r>
-              <a:rPr lang="zh-CN" altLang="en-US" dirty="0" smtClean="0"/>
+              <a:rPr lang="zh-CN" altLang="en-US" b="1" dirty="0" smtClean="0"/>
               <a:t>基于导航网格的</a:t>
             </a:r>
             <a:r>
-              <a:rPr lang="en-US" altLang="zh-CN" dirty="0" smtClean="0"/>
+              <a:rPr lang="en-US" altLang="zh-CN" b="1" dirty="0" smtClean="0"/>
               <a:t>A*</a:t>
             </a:r>
             <a:r>
-              <a:rPr lang="zh-CN" altLang="en-US" dirty="0" smtClean="0"/>
+              <a:rPr lang="zh-CN" altLang="en-US" b="1" dirty="0" smtClean="0"/>
               <a:t>算法</a:t>
             </a:r>
-            <a:endParaRPr lang="en-US" altLang="zh-CN" dirty="0" smtClean="0"/>
-          </a:p>
-          <a:p>
-            <a:r>
-              <a:rPr lang="en-US" altLang="zh-CN" dirty="0" smtClean="0"/>
+            <a:endParaRPr lang="en-US" altLang="zh-CN" b="1" dirty="0" smtClean="0"/>
+          </a:p>
+          <a:p>
+            <a:r>
+              <a:rPr lang="en-US" altLang="zh-CN" b="1" dirty="0" smtClean="0"/>
               <a:t>6.</a:t>
             </a:r>
             <a:r>
-              <a:rPr lang="zh-CN" altLang="en-US" dirty="0" smtClean="0"/>
+              <a:rPr lang="zh-CN" altLang="en-US" b="1" dirty="0" smtClean="0"/>
               <a:t>多变形合并算法</a:t>
             </a:r>
-            <a:endParaRPr lang="en-US" altLang="zh-CN" dirty="0" smtClean="0"/>
-          </a:p>
-          <a:p>
-            <a:r>
-              <a:rPr lang="en-US" altLang="zh-CN" dirty="0" smtClean="0"/>
+            <a:endParaRPr lang="en-US" altLang="zh-CN" b="1" dirty="0" smtClean="0"/>
+          </a:p>
+          <a:p>
+            <a:r>
+              <a:rPr lang="en-US" altLang="zh-CN" b="1" dirty="0" smtClean="0"/>
               <a:t>7.</a:t>
             </a:r>
             <a:r>
-              <a:rPr lang="zh-CN" altLang="en-US" dirty="0" smtClean="0"/>
+              <a:rPr lang="zh-CN" altLang="en-US" b="1" dirty="0" smtClean="0"/>
               <a:t>多边形三角剖分算法</a:t>
             </a:r>
-            <a:endParaRPr lang="en-US" altLang="zh-CN" dirty="0" smtClean="0"/>
-          </a:p>
-          <a:p>
-            <a:r>
-              <a:rPr lang="en-US" altLang="zh-CN" dirty="0" smtClean="0"/>
-              <a:t>8.LOS</a:t>
-            </a:r>
-            <a:r>
-              <a:rPr lang="zh-CN" altLang="en-US" dirty="0" smtClean="0"/>
-              <a:t>算法优化路径</a:t>
-            </a:r>
-            <a:endParaRPr lang="zh-CN" altLang="en-US" dirty="0"/>
+            <a:endParaRPr lang="en-US" altLang="zh-CN" b="1" dirty="0" smtClean="0"/>
+          </a:p>
+          <a:p>
+            <a:r>
+              <a:rPr lang="en-US" altLang="zh-CN" b="1" dirty="0" smtClean="0"/>
+              <a:t>8.</a:t>
+            </a:r>
+            <a:r>
+              <a:rPr lang="zh-CN" altLang="en-US" b="1" dirty="0" smtClean="0"/>
+              <a:t>导航网格</a:t>
+            </a:r>
+            <a:r>
+              <a:rPr lang="en-US" altLang="zh-CN" b="1" dirty="0" smtClean="0"/>
+              <a:t>LOS</a:t>
+            </a:r>
+            <a:r>
+              <a:rPr lang="zh-CN" altLang="en-US" b="1" dirty="0" smtClean="0"/>
+              <a:t>路径优化算法</a:t>
+            </a:r>
+            <a:endParaRPr lang="zh-CN" altLang="en-US" b="1" dirty="0"/>
           </a:p>
         </p:txBody>
       </p:sp>
@@ -5428,6 +5475,3534 @@
   <p:clrMapOvr>
     <a:masterClrMapping/>
   </p:clrMapOvr>
+  <p:timing>
+    <p:tnLst>
+      <p:par>
+        <p:cTn id="1" dur="indefinite" restart="never" nodeType="tmRoot"/>
+      </p:par>
+    </p:tnLst>
+  </p:timing>
+</p:sld>
+</file>
+
+<file path=ppt/slides/slide20.xml><?xml version="1.0" encoding="utf-8"?>
+<p:sld xmlns:a="http://schemas.openxmlformats.org/drawingml/2006/main" xmlns:r="http://schemas.openxmlformats.org/officeDocument/2006/relationships" xmlns:p="http://schemas.openxmlformats.org/presentationml/2006/main">
+  <p:cSld>
+    <p:spTree>
+      <p:nvGrpSpPr>
+        <p:cNvPr id="1" name=""/>
+        <p:cNvGrpSpPr/>
+        <p:nvPr/>
+      </p:nvGrpSpPr>
+      <p:grpSpPr>
+        <a:xfrm>
+          <a:off x="0" y="0"/>
+          <a:ext cx="0" cy="0"/>
+          <a:chOff x="0" y="0"/>
+          <a:chExt cx="0" cy="0"/>
+        </a:xfrm>
+      </p:grpSpPr>
+      <p:sp>
+        <p:nvSpPr>
+          <p:cNvPr id="2" name="标题 1"/>
+          <p:cNvSpPr>
+            <a:spLocks noGrp="1"/>
+          </p:cNvSpPr>
+          <p:nvPr>
+            <p:ph type="title"/>
+          </p:nvPr>
+        </p:nvSpPr>
+        <p:spPr/>
+        <p:txBody>
+          <a:bodyPr/>
+          <a:lstStyle/>
+          <a:p>
+            <a:r>
+              <a:rPr lang="en-US" altLang="zh-CN" b="1" dirty="0" smtClean="0"/>
+              <a:t>Delaunay</a:t>
+            </a:r>
+            <a:r>
+              <a:rPr lang="zh-CN" altLang="en-US" b="1" dirty="0" smtClean="0"/>
+              <a:t>三角剖分实现</a:t>
+            </a:r>
+            <a:endParaRPr lang="zh-CN" altLang="en-US" dirty="0"/>
+          </a:p>
+        </p:txBody>
+      </p:sp>
+      <p:sp>
+        <p:nvSpPr>
+          <p:cNvPr id="3" name="内容占位符 2"/>
+          <p:cNvSpPr>
+            <a:spLocks noGrp="1"/>
+          </p:cNvSpPr>
+          <p:nvPr>
+            <p:ph idx="1"/>
+          </p:nvPr>
+        </p:nvSpPr>
+        <p:spPr/>
+        <p:txBody>
+          <a:bodyPr>
+            <a:normAutofit fontScale="85000" lnSpcReduction="20000"/>
+          </a:bodyPr>
+          <a:lstStyle/>
+          <a:p>
+            <a:r>
+              <a:rPr lang="en-US" altLang="zh-CN" b="1" dirty="0" smtClean="0"/>
+              <a:t>Step1. </a:t>
+            </a:r>
+            <a:r>
+              <a:rPr lang="zh-CN" altLang="en-US" b="1" dirty="0" smtClean="0"/>
+              <a:t>取任意一条边 </a:t>
+            </a:r>
+            <a:r>
+              <a:rPr lang="en-US" altLang="zh-CN" b="1" dirty="0" smtClean="0"/>
+              <a:t>p1p2 .</a:t>
+            </a:r>
+          </a:p>
+          <a:p>
+            <a:endParaRPr lang="en-US" altLang="zh-CN" b="1" dirty="0" smtClean="0"/>
+          </a:p>
+          <a:p>
+            <a:r>
+              <a:rPr lang="en-US" altLang="zh-CN" b="1" dirty="0" smtClean="0"/>
+              <a:t>Step2.  </a:t>
+            </a:r>
+            <a:r>
+              <a:rPr lang="zh-CN" altLang="en-US" b="1" dirty="0" smtClean="0"/>
+              <a:t>计算 </a:t>
+            </a:r>
+            <a:r>
+              <a:rPr lang="en-US" altLang="zh-CN" b="1" dirty="0" smtClean="0"/>
+              <a:t>DT </a:t>
+            </a:r>
+            <a:r>
+              <a:rPr lang="zh-CN" altLang="en-US" b="1" dirty="0" smtClean="0"/>
+              <a:t>点 </a:t>
+            </a:r>
+            <a:r>
+              <a:rPr lang="en-US" altLang="zh-CN" b="1" dirty="0" smtClean="0"/>
+              <a:t>p3</a:t>
+            </a:r>
+            <a:r>
+              <a:rPr lang="zh-CN" altLang="en-US" b="1" dirty="0" smtClean="0"/>
+              <a:t>，构成约束 </a:t>
+            </a:r>
+            <a:r>
+              <a:rPr lang="en-US" altLang="zh-CN" b="1" dirty="0" smtClean="0"/>
+              <a:t>Delaunay </a:t>
+            </a:r>
+            <a:r>
+              <a:rPr lang="zh-CN" altLang="en-US" b="1" dirty="0" smtClean="0"/>
+              <a:t>三角形 </a:t>
+            </a:r>
+            <a:r>
+              <a:rPr lang="en-US" altLang="zh-CN" b="1" dirty="0" smtClean="0"/>
+              <a:t>Δp1p2p3 .</a:t>
+            </a:r>
+          </a:p>
+          <a:p>
+            <a:endParaRPr lang="en-US" altLang="zh-CN" b="1" dirty="0" smtClean="0"/>
+          </a:p>
+          <a:p>
+            <a:r>
+              <a:rPr lang="en-US" altLang="zh-CN" b="1" dirty="0" smtClean="0"/>
+              <a:t>Step3. </a:t>
+            </a:r>
+            <a:r>
+              <a:rPr lang="zh-CN" altLang="en-US" b="1" dirty="0" smtClean="0"/>
+              <a:t>如果新生成的边 </a:t>
+            </a:r>
+            <a:r>
+              <a:rPr lang="en-US" altLang="zh-CN" b="1" dirty="0" smtClean="0"/>
+              <a:t>p1p3 </a:t>
+            </a:r>
+            <a:r>
+              <a:rPr lang="zh-CN" altLang="en-US" b="1" dirty="0" smtClean="0"/>
+              <a:t>不是约束边，若已经在堆栈中，则将其从中删除；否则，将其放入堆栈；类似地，可处理 </a:t>
+            </a:r>
+            <a:r>
+              <a:rPr lang="en-US" altLang="zh-CN" b="1" dirty="0" smtClean="0"/>
+              <a:t>p3p2 .</a:t>
+            </a:r>
+          </a:p>
+          <a:p>
+            <a:endParaRPr lang="en-US" altLang="zh-CN" b="1" dirty="0" smtClean="0"/>
+          </a:p>
+          <a:p>
+            <a:r>
+              <a:rPr lang="en-US" altLang="zh-CN" b="1" dirty="0" smtClean="0"/>
+              <a:t>Step4. </a:t>
+            </a:r>
+            <a:r>
+              <a:rPr lang="zh-CN" altLang="en-US" b="1" dirty="0" smtClean="0"/>
+              <a:t>若堆栈不空，则从中取出一条边，转</a:t>
+            </a:r>
+            <a:r>
+              <a:rPr lang="en-US" altLang="zh-CN" b="1" dirty="0" smtClean="0"/>
+              <a:t>Step3</a:t>
+            </a:r>
+            <a:r>
+              <a:rPr lang="zh-CN" altLang="en-US" b="1" dirty="0" smtClean="0"/>
+              <a:t>；否则，算法停止 </a:t>
+            </a:r>
+            <a:r>
+              <a:rPr lang="en-US" altLang="zh-CN" b="1" dirty="0" smtClean="0"/>
+              <a:t>.</a:t>
+            </a:r>
+          </a:p>
+        </p:txBody>
+      </p:sp>
+    </p:spTree>
+  </p:cSld>
+  <p:clrMapOvr>
+    <a:masterClrMapping/>
+  </p:clrMapOvr>
+  <p:timing>
+    <p:tnLst>
+      <p:par>
+        <p:cTn id="1" dur="indefinite" restart="never" nodeType="tmRoot"/>
+      </p:par>
+    </p:tnLst>
+  </p:timing>
+</p:sld>
+</file>
+
+<file path=ppt/slides/slide21.xml><?xml version="1.0" encoding="utf-8"?>
+<p:sld xmlns:a="http://schemas.openxmlformats.org/drawingml/2006/main" xmlns:r="http://schemas.openxmlformats.org/officeDocument/2006/relationships" xmlns:p="http://schemas.openxmlformats.org/presentationml/2006/main">
+  <p:cSld>
+    <p:spTree>
+      <p:nvGrpSpPr>
+        <p:cNvPr id="1" name=""/>
+        <p:cNvGrpSpPr/>
+        <p:nvPr/>
+      </p:nvGrpSpPr>
+      <p:grpSpPr>
+        <a:xfrm>
+          <a:off x="0" y="0"/>
+          <a:ext cx="0" cy="0"/>
+          <a:chOff x="0" y="0"/>
+          <a:chExt cx="0" cy="0"/>
+        </a:xfrm>
+      </p:grpSpPr>
+      <p:sp>
+        <p:nvSpPr>
+          <p:cNvPr id="2" name="标题 1"/>
+          <p:cNvSpPr>
+            <a:spLocks noGrp="1"/>
+          </p:cNvSpPr>
+          <p:nvPr>
+            <p:ph type="title"/>
+          </p:nvPr>
+        </p:nvSpPr>
+        <p:spPr/>
+        <p:txBody>
+          <a:bodyPr/>
+          <a:lstStyle/>
+          <a:p>
+            <a:r>
+              <a:rPr lang="zh-CN" altLang="en-US" b="1" dirty="0" smtClean="0"/>
+              <a:t>基于导航网格的寻路</a:t>
+            </a:r>
+            <a:endParaRPr lang="zh-CN" altLang="en-US" b="1" dirty="0"/>
+          </a:p>
+        </p:txBody>
+      </p:sp>
+      <p:sp>
+        <p:nvSpPr>
+          <p:cNvPr id="3" name="内容占位符 2"/>
+          <p:cNvSpPr>
+            <a:spLocks noGrp="1"/>
+          </p:cNvSpPr>
+          <p:nvPr>
+            <p:ph idx="1"/>
+          </p:nvPr>
+        </p:nvSpPr>
+        <p:spPr/>
+        <p:txBody>
+          <a:bodyPr>
+            <a:normAutofit/>
+          </a:bodyPr>
+          <a:lstStyle/>
+          <a:p>
+            <a:r>
+              <a:rPr lang="zh-CN" altLang="en-US" b="1" dirty="0" smtClean="0"/>
+              <a:t>后续节点：当前三角形相邻的三方向的三角形为后续节点。</a:t>
+            </a:r>
+            <a:endParaRPr lang="en-US" altLang="zh-CN" b="1" dirty="0" smtClean="0"/>
+          </a:p>
+          <a:p>
+            <a:r>
+              <a:rPr lang="zh-CN" altLang="en-US" b="1" dirty="0" smtClean="0"/>
+              <a:t>当前节点</a:t>
+            </a:r>
+            <a:r>
+              <a:rPr lang="en-US" altLang="zh-CN" b="1" dirty="0" err="1" smtClean="0"/>
+              <a:t>currentNode</a:t>
+            </a:r>
+            <a:r>
+              <a:rPr lang="zh-CN" altLang="en-US" b="1" dirty="0" smtClean="0"/>
+              <a:t>与后续节点</a:t>
+            </a:r>
+            <a:r>
+              <a:rPr lang="en-US" altLang="zh-CN" b="1" dirty="0" err="1" smtClean="0"/>
+              <a:t>nextNode</a:t>
+            </a:r>
+            <a:r>
+              <a:rPr lang="zh-CN" altLang="en-US" b="1" dirty="0" smtClean="0"/>
+              <a:t>的距离为两三角重心间的直线距离</a:t>
+            </a:r>
+            <a:r>
+              <a:rPr lang="en-US" altLang="zh-CN" b="1" dirty="0" smtClean="0"/>
+              <a:t>g0</a:t>
+            </a:r>
+            <a:r>
+              <a:rPr lang="zh-CN" altLang="en-US" b="1" dirty="0" smtClean="0"/>
+              <a:t>。</a:t>
+            </a:r>
+            <a:r>
+              <a:rPr lang="en-US" altLang="zh-CN" b="1" dirty="0" smtClean="0"/>
+              <a:t>g(</a:t>
+            </a:r>
+            <a:r>
+              <a:rPr lang="en-US" altLang="zh-CN" b="1" dirty="0" err="1" smtClean="0"/>
+              <a:t>nextNode</a:t>
+            </a:r>
+            <a:r>
+              <a:rPr lang="en-US" altLang="zh-CN" b="1" dirty="0" smtClean="0"/>
+              <a:t>) = g(</a:t>
+            </a:r>
+            <a:r>
+              <a:rPr lang="en-US" altLang="zh-CN" b="1" dirty="0" err="1" smtClean="0"/>
+              <a:t>currentNode</a:t>
+            </a:r>
+            <a:r>
+              <a:rPr lang="en-US" altLang="zh-CN" b="1" dirty="0" smtClean="0"/>
+              <a:t>)+g0</a:t>
+            </a:r>
+          </a:p>
+          <a:p>
+            <a:r>
+              <a:rPr lang="en-US" altLang="zh-CN" b="1" dirty="0" smtClean="0"/>
+              <a:t>h: </a:t>
+            </a:r>
+            <a:r>
+              <a:rPr lang="en-US" altLang="zh-CN" b="1" dirty="0" err="1" smtClean="0"/>
+              <a:t>nextNode</a:t>
+            </a:r>
+            <a:r>
+              <a:rPr lang="zh-CN" altLang="en-US" b="1" dirty="0" smtClean="0"/>
+              <a:t>到达目标节点的估计移动开销为当前三角形的重心到目标点的直线距离</a:t>
+            </a:r>
+          </a:p>
+          <a:p>
+            <a:endParaRPr lang="zh-CN" altLang="en-US" dirty="0"/>
+          </a:p>
+        </p:txBody>
+      </p:sp>
+    </p:spTree>
+  </p:cSld>
+  <p:clrMapOvr>
+    <a:masterClrMapping/>
+  </p:clrMapOvr>
+  <p:timing>
+    <p:tnLst>
+      <p:par>
+        <p:cTn id="1" dur="indefinite" restart="never" nodeType="tmRoot"/>
+      </p:par>
+    </p:tnLst>
+  </p:timing>
+</p:sld>
+</file>
+
+<file path=ppt/slides/slide22.xml><?xml version="1.0" encoding="utf-8"?>
+<p:sld xmlns:a="http://schemas.openxmlformats.org/drawingml/2006/main" xmlns:r="http://schemas.openxmlformats.org/officeDocument/2006/relationships" xmlns:p="http://schemas.openxmlformats.org/presentationml/2006/main">
+  <p:cSld>
+    <p:spTree>
+      <p:nvGrpSpPr>
+        <p:cNvPr id="1" name=""/>
+        <p:cNvGrpSpPr/>
+        <p:nvPr/>
+      </p:nvGrpSpPr>
+      <p:grpSpPr>
+        <a:xfrm>
+          <a:off x="0" y="0"/>
+          <a:ext cx="0" cy="0"/>
+          <a:chOff x="0" y="0"/>
+          <a:chExt cx="0" cy="0"/>
+        </a:xfrm>
+      </p:grpSpPr>
+      <p:sp>
+        <p:nvSpPr>
+          <p:cNvPr id="2" name="标题 1"/>
+          <p:cNvSpPr>
+            <a:spLocks noGrp="1"/>
+          </p:cNvSpPr>
+          <p:nvPr>
+            <p:ph type="title"/>
+          </p:nvPr>
+        </p:nvSpPr>
+        <p:spPr/>
+        <p:txBody>
+          <a:bodyPr/>
+          <a:lstStyle/>
+          <a:p>
+            <a:r>
+              <a:rPr lang="zh-CN" altLang="en-US" dirty="0" smtClean="0"/>
+              <a:t>基于格子的</a:t>
+            </a:r>
+            <a:r>
+              <a:rPr lang="en-US" altLang="zh-CN" dirty="0" smtClean="0"/>
+              <a:t>A</a:t>
+            </a:r>
+            <a:r>
+              <a:rPr lang="zh-CN" altLang="en-US" dirty="0" smtClean="0"/>
+              <a:t>*算法</a:t>
+            </a:r>
+            <a:endParaRPr lang="zh-CN" altLang="en-US" dirty="0"/>
+          </a:p>
+        </p:txBody>
+      </p:sp>
+      <p:sp>
+        <p:nvSpPr>
+          <p:cNvPr id="3" name="内容占位符 2"/>
+          <p:cNvSpPr>
+            <a:spLocks noGrp="1"/>
+          </p:cNvSpPr>
+          <p:nvPr>
+            <p:ph idx="1"/>
+          </p:nvPr>
+        </p:nvSpPr>
+        <p:spPr/>
+        <p:txBody>
+          <a:bodyPr>
+            <a:normAutofit fontScale="92500" lnSpcReduction="10000"/>
+          </a:bodyPr>
+          <a:lstStyle/>
+          <a:p>
+            <a:r>
+              <a:rPr lang="zh-CN" altLang="en-US" b="1" dirty="0" smtClean="0"/>
+              <a:t>后续节点：当前节点相邻的八个方向的节点为后续节点。</a:t>
+            </a:r>
+            <a:endParaRPr lang="en-US" altLang="zh-CN" b="1" dirty="0" smtClean="0"/>
+          </a:p>
+          <a:p>
+            <a:r>
+              <a:rPr lang="zh-CN" altLang="en-US" b="1" dirty="0" smtClean="0"/>
+              <a:t>当前点</a:t>
+            </a:r>
+            <a:r>
+              <a:rPr lang="en-US" altLang="zh-CN" b="1" dirty="0" err="1" smtClean="0"/>
+              <a:t>currentNode</a:t>
+            </a:r>
+            <a:r>
+              <a:rPr lang="zh-CN" altLang="en-US" b="1" dirty="0" smtClean="0"/>
+              <a:t>与后续节点</a:t>
+            </a:r>
+            <a:r>
+              <a:rPr lang="en-US" altLang="zh-CN" b="1" dirty="0" err="1" smtClean="0"/>
+              <a:t>nextNode</a:t>
+            </a:r>
+            <a:r>
+              <a:rPr lang="zh-CN" altLang="en-US" b="1" dirty="0" smtClean="0"/>
+              <a:t>的距离为两点间的直线距离</a:t>
+            </a:r>
+            <a:r>
+              <a:rPr lang="en-US" altLang="zh-CN" b="1" dirty="0" smtClean="0"/>
+              <a:t>g0</a:t>
+            </a:r>
+            <a:r>
+              <a:rPr lang="zh-CN" altLang="en-US" b="1" dirty="0" smtClean="0"/>
+              <a:t>。</a:t>
+            </a:r>
+            <a:r>
+              <a:rPr lang="en-US" altLang="zh-CN" b="1" dirty="0" smtClean="0"/>
+              <a:t>g(</a:t>
+            </a:r>
+            <a:r>
+              <a:rPr lang="en-US" altLang="zh-CN" b="1" dirty="0" err="1" smtClean="0"/>
+              <a:t>nextNode</a:t>
+            </a:r>
+            <a:r>
+              <a:rPr lang="en-US" altLang="zh-CN" b="1" dirty="0" smtClean="0"/>
+              <a:t>) = g(</a:t>
+            </a:r>
+            <a:r>
+              <a:rPr lang="en-US" altLang="zh-CN" b="1" dirty="0" err="1" smtClean="0"/>
+              <a:t>currentNode</a:t>
+            </a:r>
+            <a:r>
+              <a:rPr lang="en-US" altLang="zh-CN" b="1" dirty="0" smtClean="0"/>
+              <a:t>)+g0</a:t>
+            </a:r>
+          </a:p>
+          <a:p>
+            <a:r>
+              <a:rPr lang="en-US" altLang="zh-CN" b="1" dirty="0" smtClean="0"/>
+              <a:t>h: </a:t>
+            </a:r>
+            <a:r>
+              <a:rPr lang="en-US" altLang="zh-CN" b="1" dirty="0" err="1" smtClean="0"/>
+              <a:t>nextNode</a:t>
+            </a:r>
+            <a:r>
+              <a:rPr lang="zh-CN" altLang="en-US" b="1" dirty="0" smtClean="0"/>
+              <a:t>（坐标为</a:t>
+            </a:r>
+            <a:r>
+              <a:rPr lang="en-US" altLang="zh-CN" b="1" dirty="0" smtClean="0"/>
+              <a:t>x1,y1)</a:t>
+            </a:r>
+            <a:r>
+              <a:rPr lang="zh-CN" altLang="en-US" b="1" dirty="0" smtClean="0"/>
+              <a:t>到达目标节点</a:t>
+            </a:r>
+            <a:r>
+              <a:rPr lang="en-US" altLang="zh-CN" b="1" dirty="0" smtClean="0"/>
+              <a:t>(</a:t>
+            </a:r>
+            <a:r>
+              <a:rPr lang="zh-CN" altLang="en-US" b="1" dirty="0" smtClean="0"/>
+              <a:t>坐标为</a:t>
+            </a:r>
+            <a:r>
+              <a:rPr lang="en-US" altLang="zh-CN" b="1" dirty="0" smtClean="0"/>
+              <a:t>x2,y2)</a:t>
+            </a:r>
+            <a:r>
+              <a:rPr lang="zh-CN" altLang="en-US" b="1" dirty="0" smtClean="0"/>
+              <a:t>的估计移动开销为</a:t>
+            </a:r>
+            <a:r>
+              <a:rPr lang="en-US" altLang="zh-CN" b="1" dirty="0" smtClean="0"/>
+              <a:t>1.4</a:t>
+            </a:r>
+            <a:r>
+              <a:rPr lang="zh-CN" altLang="en-US" b="1" dirty="0" smtClean="0"/>
+              <a:t>*</a:t>
+            </a:r>
+            <a:r>
+              <a:rPr lang="en-US" altLang="zh-CN" b="1" dirty="0" smtClean="0"/>
+              <a:t>Math.min(Math.abs(x1-x2),Math.abs(y1-y2))+Math.abs(Math.min(Math.abs(x1-x2)-Math.abs(y1-y2))</a:t>
+            </a:r>
+            <a:endParaRPr lang="zh-CN" altLang="en-US" dirty="0"/>
+          </a:p>
+        </p:txBody>
+      </p:sp>
+    </p:spTree>
+  </p:cSld>
+  <p:clrMapOvr>
+    <a:masterClrMapping/>
+  </p:clrMapOvr>
+  <p:timing>
+    <p:tnLst>
+      <p:par>
+        <p:cTn id="1" dur="indefinite" restart="never" nodeType="tmRoot"/>
+      </p:par>
+    </p:tnLst>
+  </p:timing>
+</p:sld>
+</file>
+
+<file path=ppt/slides/slide23.xml><?xml version="1.0" encoding="utf-8"?>
+<p:sld xmlns:a="http://schemas.openxmlformats.org/drawingml/2006/main" xmlns:r="http://schemas.openxmlformats.org/officeDocument/2006/relationships" xmlns:p="http://schemas.openxmlformats.org/presentationml/2006/main">
+  <p:cSld>
+    <p:spTree>
+      <p:nvGrpSpPr>
+        <p:cNvPr id="1" name=""/>
+        <p:cNvGrpSpPr/>
+        <p:nvPr/>
+      </p:nvGrpSpPr>
+      <p:grpSpPr>
+        <a:xfrm>
+          <a:off x="0" y="0"/>
+          <a:ext cx="0" cy="0"/>
+          <a:chOff x="0" y="0"/>
+          <a:chExt cx="0" cy="0"/>
+        </a:xfrm>
+      </p:grpSpPr>
+      <p:sp>
+        <p:nvSpPr>
+          <p:cNvPr id="2" name="标题 1"/>
+          <p:cNvSpPr>
+            <a:spLocks noGrp="1"/>
+          </p:cNvSpPr>
+          <p:nvPr>
+            <p:ph type="title"/>
+          </p:nvPr>
+        </p:nvSpPr>
+        <p:spPr/>
+        <p:txBody>
+          <a:bodyPr/>
+          <a:lstStyle/>
+          <a:p>
+            <a:r>
+              <a:rPr lang="zh-CN" altLang="en-US" b="1" dirty="0" smtClean="0"/>
+              <a:t>导航网格</a:t>
+            </a:r>
+            <a:r>
+              <a:rPr lang="en-US" altLang="zh-CN" b="1" dirty="0" smtClean="0"/>
+              <a:t>A</a:t>
+            </a:r>
+            <a:r>
+              <a:rPr lang="zh-CN" altLang="en-US" b="1" dirty="0" smtClean="0"/>
+              <a:t>*寻路路径优化</a:t>
+            </a:r>
+            <a:endParaRPr lang="zh-CN" altLang="en-US" b="1" dirty="0"/>
+          </a:p>
+        </p:txBody>
+      </p:sp>
+      <p:grpSp>
+        <p:nvGrpSpPr>
+          <p:cNvPr id="129" name="组合 128"/>
+          <p:cNvGrpSpPr/>
+          <p:nvPr/>
+        </p:nvGrpSpPr>
+        <p:grpSpPr>
+          <a:xfrm>
+            <a:off x="971600" y="2132856"/>
+            <a:ext cx="1080120" cy="1195489"/>
+            <a:chOff x="899592" y="3212976"/>
+            <a:chExt cx="638175" cy="706339"/>
+          </a:xfrm>
+        </p:grpSpPr>
+        <p:grpSp>
+          <p:nvGrpSpPr>
+            <p:cNvPr id="53" name="组合 52"/>
+            <p:cNvGrpSpPr/>
+            <p:nvPr/>
+          </p:nvGrpSpPr>
+          <p:grpSpPr>
+            <a:xfrm>
+              <a:off x="903322" y="3212976"/>
+              <a:ext cx="621417" cy="706339"/>
+              <a:chOff x="1270555" y="4528939"/>
+              <a:chExt cx="621417" cy="706339"/>
+            </a:xfrm>
+          </p:grpSpPr>
+          <p:sp>
+            <p:nvSpPr>
+              <p:cNvPr id="87" name="任意多边形 86"/>
+              <p:cNvSpPr/>
+              <p:nvPr/>
+            </p:nvSpPr>
+            <p:spPr>
+              <a:xfrm>
+                <a:off x="1271595" y="4570588"/>
+                <a:ext cx="620377" cy="664690"/>
+              </a:xfrm>
+              <a:custGeom>
+                <a:avLst/>
+                <a:gdLst>
+                  <a:gd name="connsiteX0" fmla="*/ 0 w 1200150"/>
+                  <a:gd name="connsiteY0" fmla="*/ 266700 h 1285875"/>
+                  <a:gd name="connsiteX1" fmla="*/ 0 w 1200150"/>
+                  <a:gd name="connsiteY1" fmla="*/ 1285875 h 1285875"/>
+                  <a:gd name="connsiteX2" fmla="*/ 1200150 w 1200150"/>
+                  <a:gd name="connsiteY2" fmla="*/ 0 h 1285875"/>
+                  <a:gd name="connsiteX3" fmla="*/ 0 w 1200150"/>
+                  <a:gd name="connsiteY3" fmla="*/ 266700 h 1285875"/>
+                </a:gdLst>
+                <a:ahLst/>
+                <a:cxnLst>
+                  <a:cxn ang="0">
+                    <a:pos x="connsiteX0" y="connsiteY0"/>
+                  </a:cxn>
+                  <a:cxn ang="0">
+                    <a:pos x="connsiteX1" y="connsiteY1"/>
+                  </a:cxn>
+                  <a:cxn ang="0">
+                    <a:pos x="connsiteX2" y="connsiteY2"/>
+                  </a:cxn>
+                  <a:cxn ang="0">
+                    <a:pos x="connsiteX3" y="connsiteY3"/>
+                  </a:cxn>
+                </a:cxnLst>
+                <a:rect l="l" t="t" r="r" b="b"/>
+                <a:pathLst>
+                  <a:path w="1200150" h="1285875">
+                    <a:moveTo>
+                      <a:pt x="0" y="266700"/>
+                    </a:moveTo>
+                    <a:lnTo>
+                      <a:pt x="0" y="1285875"/>
+                    </a:lnTo>
+                    <a:lnTo>
+                      <a:pt x="1200150" y="0"/>
+                    </a:lnTo>
+                    <a:lnTo>
+                      <a:pt x="0" y="266700"/>
+                    </a:lnTo>
+                    <a:close/>
+                  </a:path>
+                </a:pathLst>
+              </a:custGeom>
+            </p:spPr>
+            <p:style>
+              <a:lnRef idx="2">
+                <a:schemeClr val="accent1">
+                  <a:shade val="50000"/>
+                </a:schemeClr>
+              </a:lnRef>
+              <a:fillRef idx="1">
+                <a:schemeClr val="accent1"/>
+              </a:fillRef>
+              <a:effectRef idx="0">
+                <a:schemeClr val="accent1"/>
+              </a:effectRef>
+              <a:fontRef idx="minor">
+                <a:schemeClr val="lt1"/>
+              </a:fontRef>
+            </p:style>
+            <p:txBody>
+              <a:bodyPr rtlCol="0" anchor="ctr"/>
+              <a:lstStyle/>
+              <a:p>
+                <a:pPr algn="ctr"/>
+                <a:endParaRPr lang="zh-CN" altLang="en-US"/>
+              </a:p>
+            </p:txBody>
+          </p:sp>
+          <p:cxnSp>
+            <p:nvCxnSpPr>
+              <p:cNvPr id="88" name="直接箭头连接符 87"/>
+              <p:cNvCxnSpPr>
+                <a:stCxn id="87" idx="1"/>
+                <a:endCxn id="87" idx="0"/>
+              </p:cNvCxnSpPr>
+              <p:nvPr/>
+            </p:nvCxnSpPr>
+            <p:spPr>
+              <a:xfrm flipV="1">
+                <a:off x="1271595" y="4708450"/>
+                <a:ext cx="0" cy="526828"/>
+              </a:xfrm>
+              <a:prstGeom prst="straightConnector1">
+                <a:avLst/>
+              </a:prstGeom>
+              <a:ln w="28575">
+                <a:solidFill>
+                  <a:srgbClr val="FF0000"/>
+                </a:solidFill>
+                <a:tailEnd type="arrow"/>
+              </a:ln>
+            </p:spPr>
+            <p:style>
+              <a:lnRef idx="1">
+                <a:schemeClr val="accent1"/>
+              </a:lnRef>
+              <a:fillRef idx="0">
+                <a:schemeClr val="accent1"/>
+              </a:fillRef>
+              <a:effectRef idx="0">
+                <a:schemeClr val="accent1"/>
+              </a:effectRef>
+              <a:fontRef idx="minor">
+                <a:schemeClr val="tx1"/>
+              </a:fontRef>
+            </p:style>
+          </p:cxnSp>
+          <p:cxnSp>
+            <p:nvCxnSpPr>
+              <p:cNvPr id="89" name="直接箭头连接符 88"/>
+              <p:cNvCxnSpPr>
+                <a:stCxn id="87" idx="1"/>
+                <a:endCxn id="87" idx="2"/>
+              </p:cNvCxnSpPr>
+              <p:nvPr/>
+            </p:nvCxnSpPr>
+            <p:spPr>
+              <a:xfrm flipV="1">
+                <a:off x="1271595" y="4570588"/>
+                <a:ext cx="620377" cy="664690"/>
+              </a:xfrm>
+              <a:prstGeom prst="straightConnector1">
+                <a:avLst/>
+              </a:prstGeom>
+              <a:ln w="28575">
+                <a:solidFill>
+                  <a:srgbClr val="FF0000"/>
+                </a:solidFill>
+                <a:tailEnd type="arrow"/>
+              </a:ln>
+            </p:spPr>
+            <p:style>
+              <a:lnRef idx="1">
+                <a:schemeClr val="accent1"/>
+              </a:lnRef>
+              <a:fillRef idx="0">
+                <a:schemeClr val="accent1"/>
+              </a:fillRef>
+              <a:effectRef idx="0">
+                <a:schemeClr val="accent1"/>
+              </a:effectRef>
+              <a:fontRef idx="minor">
+                <a:schemeClr val="tx1"/>
+              </a:fontRef>
+            </p:style>
+          </p:cxnSp>
+          <p:cxnSp>
+            <p:nvCxnSpPr>
+              <p:cNvPr id="50" name="直接连接符 49"/>
+              <p:cNvCxnSpPr>
+                <a:endCxn id="121" idx="2"/>
+              </p:cNvCxnSpPr>
+              <p:nvPr/>
+            </p:nvCxnSpPr>
+            <p:spPr>
+              <a:xfrm flipV="1">
+                <a:off x="1270555" y="4528939"/>
+                <a:ext cx="434420" cy="206986"/>
+              </a:xfrm>
+              <a:prstGeom prst="line">
+                <a:avLst/>
+              </a:prstGeom>
+              <a:ln w="28575">
+                <a:solidFill>
+                  <a:srgbClr val="00B050"/>
+                </a:solidFill>
+              </a:ln>
+            </p:spPr>
+            <p:style>
+              <a:lnRef idx="1">
+                <a:schemeClr val="accent1"/>
+              </a:lnRef>
+              <a:fillRef idx="0">
+                <a:schemeClr val="accent1"/>
+              </a:fillRef>
+              <a:effectRef idx="0">
+                <a:schemeClr val="accent1"/>
+              </a:effectRef>
+              <a:fontRef idx="minor">
+                <a:schemeClr val="tx1"/>
+              </a:fontRef>
+            </p:style>
+          </p:cxnSp>
+        </p:grpSp>
+        <p:sp>
+          <p:nvSpPr>
+            <p:cNvPr id="121" name="任意多边形 120"/>
+            <p:cNvSpPr/>
+            <p:nvPr/>
+          </p:nvSpPr>
+          <p:spPr>
+            <a:xfrm>
+              <a:off x="899592" y="3212976"/>
+              <a:ext cx="638175" cy="190500"/>
+            </a:xfrm>
+            <a:custGeom>
+              <a:avLst/>
+              <a:gdLst>
+                <a:gd name="connsiteX0" fmla="*/ 0 w 638175"/>
+                <a:gd name="connsiteY0" fmla="*/ 190500 h 190500"/>
+                <a:gd name="connsiteX1" fmla="*/ 638175 w 638175"/>
+                <a:gd name="connsiteY1" fmla="*/ 57150 h 190500"/>
+                <a:gd name="connsiteX2" fmla="*/ 438150 w 638175"/>
+                <a:gd name="connsiteY2" fmla="*/ 0 h 190500"/>
+                <a:gd name="connsiteX3" fmla="*/ 0 w 638175"/>
+                <a:gd name="connsiteY3" fmla="*/ 190500 h 190500"/>
+              </a:gdLst>
+              <a:ahLst/>
+              <a:cxnLst>
+                <a:cxn ang="0">
+                  <a:pos x="connsiteX0" y="connsiteY0"/>
+                </a:cxn>
+                <a:cxn ang="0">
+                  <a:pos x="connsiteX1" y="connsiteY1"/>
+                </a:cxn>
+                <a:cxn ang="0">
+                  <a:pos x="connsiteX2" y="connsiteY2"/>
+                </a:cxn>
+                <a:cxn ang="0">
+                  <a:pos x="connsiteX3" y="connsiteY3"/>
+                </a:cxn>
+              </a:cxnLst>
+              <a:rect l="l" t="t" r="r" b="b"/>
+              <a:pathLst>
+                <a:path w="638175" h="190500">
+                  <a:moveTo>
+                    <a:pt x="0" y="190500"/>
+                  </a:moveTo>
+                  <a:lnTo>
+                    <a:pt x="638175" y="57150"/>
+                  </a:lnTo>
+                  <a:lnTo>
+                    <a:pt x="438150" y="0"/>
+                  </a:lnTo>
+                  <a:lnTo>
+                    <a:pt x="0" y="190500"/>
+                  </a:lnTo>
+                  <a:close/>
+                </a:path>
+              </a:pathLst>
+            </a:custGeom>
+          </p:spPr>
+          <p:style>
+            <a:lnRef idx="2">
+              <a:schemeClr val="accent1">
+                <a:shade val="50000"/>
+              </a:schemeClr>
+            </a:lnRef>
+            <a:fillRef idx="1">
+              <a:schemeClr val="accent1"/>
+            </a:fillRef>
+            <a:effectRef idx="0">
+              <a:schemeClr val="accent1"/>
+            </a:effectRef>
+            <a:fontRef idx="minor">
+              <a:schemeClr val="lt1"/>
+            </a:fontRef>
+          </p:style>
+          <p:txBody>
+            <a:bodyPr rtlCol="0" anchor="ctr"/>
+            <a:lstStyle/>
+            <a:p>
+              <a:pPr algn="ctr"/>
+              <a:endParaRPr lang="zh-CN" altLang="en-US"/>
+            </a:p>
+          </p:txBody>
+        </p:sp>
+        <p:cxnSp>
+          <p:nvCxnSpPr>
+            <p:cNvPr id="124" name="直接连接符 123"/>
+            <p:cNvCxnSpPr>
+              <a:stCxn id="87" idx="0"/>
+              <a:endCxn id="121" idx="2"/>
+            </p:cNvCxnSpPr>
+            <p:nvPr/>
+          </p:nvCxnSpPr>
+          <p:spPr>
+            <a:xfrm flipV="1">
+              <a:off x="904362" y="3212976"/>
+              <a:ext cx="433380" cy="179511"/>
+            </a:xfrm>
+            <a:prstGeom prst="line">
+              <a:avLst/>
+            </a:prstGeom>
+            <a:ln w="28575">
+              <a:solidFill>
+                <a:srgbClr val="00B050"/>
+              </a:solidFill>
+            </a:ln>
+          </p:spPr>
+          <p:style>
+            <a:lnRef idx="1">
+              <a:schemeClr val="accent1"/>
+            </a:lnRef>
+            <a:fillRef idx="0">
+              <a:schemeClr val="accent1"/>
+            </a:fillRef>
+            <a:effectRef idx="0">
+              <a:schemeClr val="accent1"/>
+            </a:effectRef>
+            <a:fontRef idx="minor">
+              <a:schemeClr val="tx1"/>
+            </a:fontRef>
+          </p:style>
+        </p:cxnSp>
+        <p:cxnSp>
+          <p:nvCxnSpPr>
+            <p:cNvPr id="126" name="直接连接符 125"/>
+            <p:cNvCxnSpPr>
+              <a:stCxn id="121" idx="1"/>
+              <a:endCxn id="121" idx="0"/>
+            </p:cNvCxnSpPr>
+            <p:nvPr/>
+          </p:nvCxnSpPr>
+          <p:spPr>
+            <a:xfrm flipH="1">
+              <a:off x="899592" y="3270126"/>
+              <a:ext cx="638175" cy="133350"/>
+            </a:xfrm>
+            <a:prstGeom prst="line">
+              <a:avLst/>
+            </a:prstGeom>
+            <a:ln w="28575">
+              <a:solidFill>
+                <a:srgbClr val="00B050"/>
+              </a:solidFill>
+            </a:ln>
+          </p:spPr>
+          <p:style>
+            <a:lnRef idx="1">
+              <a:schemeClr val="accent1"/>
+            </a:lnRef>
+            <a:fillRef idx="0">
+              <a:schemeClr val="accent1"/>
+            </a:fillRef>
+            <a:effectRef idx="0">
+              <a:schemeClr val="accent1"/>
+            </a:effectRef>
+            <a:fontRef idx="minor">
+              <a:schemeClr val="tx1"/>
+            </a:fontRef>
+          </p:style>
+        </p:cxnSp>
+      </p:grpSp>
+      <p:grpSp>
+        <p:nvGrpSpPr>
+          <p:cNvPr id="144" name="组合 143"/>
+          <p:cNvGrpSpPr/>
+          <p:nvPr/>
+        </p:nvGrpSpPr>
+        <p:grpSpPr>
+          <a:xfrm>
+            <a:off x="2339752" y="2204864"/>
+            <a:ext cx="1080120" cy="1195489"/>
+            <a:chOff x="2267744" y="3284984"/>
+            <a:chExt cx="1080120" cy="1195489"/>
+          </a:xfrm>
+        </p:grpSpPr>
+        <p:grpSp>
+          <p:nvGrpSpPr>
+            <p:cNvPr id="133" name="组合 52"/>
+            <p:cNvGrpSpPr/>
+            <p:nvPr/>
+          </p:nvGrpSpPr>
+          <p:grpSpPr>
+            <a:xfrm>
+              <a:off x="2274057" y="3284984"/>
+              <a:ext cx="1051757" cy="1195489"/>
+              <a:chOff x="1270555" y="4528939"/>
+              <a:chExt cx="621417" cy="706339"/>
+            </a:xfrm>
+          </p:grpSpPr>
+          <p:sp>
+            <p:nvSpPr>
+              <p:cNvPr id="137" name="任意多边形 136"/>
+              <p:cNvSpPr/>
+              <p:nvPr/>
+            </p:nvSpPr>
+            <p:spPr>
+              <a:xfrm>
+                <a:off x="1271595" y="4570588"/>
+                <a:ext cx="620377" cy="664690"/>
+              </a:xfrm>
+              <a:custGeom>
+                <a:avLst/>
+                <a:gdLst>
+                  <a:gd name="connsiteX0" fmla="*/ 0 w 1200150"/>
+                  <a:gd name="connsiteY0" fmla="*/ 266700 h 1285875"/>
+                  <a:gd name="connsiteX1" fmla="*/ 0 w 1200150"/>
+                  <a:gd name="connsiteY1" fmla="*/ 1285875 h 1285875"/>
+                  <a:gd name="connsiteX2" fmla="*/ 1200150 w 1200150"/>
+                  <a:gd name="connsiteY2" fmla="*/ 0 h 1285875"/>
+                  <a:gd name="connsiteX3" fmla="*/ 0 w 1200150"/>
+                  <a:gd name="connsiteY3" fmla="*/ 266700 h 1285875"/>
+                </a:gdLst>
+                <a:ahLst/>
+                <a:cxnLst>
+                  <a:cxn ang="0">
+                    <a:pos x="connsiteX0" y="connsiteY0"/>
+                  </a:cxn>
+                  <a:cxn ang="0">
+                    <a:pos x="connsiteX1" y="connsiteY1"/>
+                  </a:cxn>
+                  <a:cxn ang="0">
+                    <a:pos x="connsiteX2" y="connsiteY2"/>
+                  </a:cxn>
+                  <a:cxn ang="0">
+                    <a:pos x="connsiteX3" y="connsiteY3"/>
+                  </a:cxn>
+                </a:cxnLst>
+                <a:rect l="l" t="t" r="r" b="b"/>
+                <a:pathLst>
+                  <a:path w="1200150" h="1285875">
+                    <a:moveTo>
+                      <a:pt x="0" y="266700"/>
+                    </a:moveTo>
+                    <a:lnTo>
+                      <a:pt x="0" y="1285875"/>
+                    </a:lnTo>
+                    <a:lnTo>
+                      <a:pt x="1200150" y="0"/>
+                    </a:lnTo>
+                    <a:lnTo>
+                      <a:pt x="0" y="266700"/>
+                    </a:lnTo>
+                    <a:close/>
+                  </a:path>
+                </a:pathLst>
+              </a:custGeom>
+            </p:spPr>
+            <p:style>
+              <a:lnRef idx="2">
+                <a:schemeClr val="accent1">
+                  <a:shade val="50000"/>
+                </a:schemeClr>
+              </a:lnRef>
+              <a:fillRef idx="1">
+                <a:schemeClr val="accent1"/>
+              </a:fillRef>
+              <a:effectRef idx="0">
+                <a:schemeClr val="accent1"/>
+              </a:effectRef>
+              <a:fontRef idx="minor">
+                <a:schemeClr val="lt1"/>
+              </a:fontRef>
+            </p:style>
+            <p:txBody>
+              <a:bodyPr rtlCol="0" anchor="ctr"/>
+              <a:lstStyle/>
+              <a:p>
+                <a:pPr algn="ctr"/>
+                <a:endParaRPr lang="zh-CN" altLang="en-US"/>
+              </a:p>
+            </p:txBody>
+          </p:sp>
+          <p:cxnSp>
+            <p:nvCxnSpPr>
+              <p:cNvPr id="138" name="直接箭头连接符 137"/>
+              <p:cNvCxnSpPr>
+                <a:stCxn id="137" idx="1"/>
+                <a:endCxn id="137" idx="0"/>
+              </p:cNvCxnSpPr>
+              <p:nvPr/>
+            </p:nvCxnSpPr>
+            <p:spPr>
+              <a:xfrm flipV="1">
+                <a:off x="1271595" y="4708450"/>
+                <a:ext cx="0" cy="526828"/>
+              </a:xfrm>
+              <a:prstGeom prst="straightConnector1">
+                <a:avLst/>
+              </a:prstGeom>
+              <a:ln w="28575">
+                <a:solidFill>
+                  <a:srgbClr val="FF0000"/>
+                </a:solidFill>
+                <a:tailEnd type="arrow"/>
+              </a:ln>
+            </p:spPr>
+            <p:style>
+              <a:lnRef idx="1">
+                <a:schemeClr val="accent1"/>
+              </a:lnRef>
+              <a:fillRef idx="0">
+                <a:schemeClr val="accent1"/>
+              </a:fillRef>
+              <a:effectRef idx="0">
+                <a:schemeClr val="accent1"/>
+              </a:effectRef>
+              <a:fontRef idx="minor">
+                <a:schemeClr val="tx1"/>
+              </a:fontRef>
+            </p:style>
+          </p:cxnSp>
+          <p:cxnSp>
+            <p:nvCxnSpPr>
+              <p:cNvPr id="139" name="直接箭头连接符 138"/>
+              <p:cNvCxnSpPr>
+                <a:stCxn id="137" idx="1"/>
+                <a:endCxn id="137" idx="2"/>
+              </p:cNvCxnSpPr>
+              <p:nvPr/>
+            </p:nvCxnSpPr>
+            <p:spPr>
+              <a:xfrm flipV="1">
+                <a:off x="1271595" y="4570588"/>
+                <a:ext cx="620377" cy="664690"/>
+              </a:xfrm>
+              <a:prstGeom prst="straightConnector1">
+                <a:avLst/>
+              </a:prstGeom>
+              <a:ln w="28575">
+                <a:solidFill>
+                  <a:srgbClr val="FF0000"/>
+                </a:solidFill>
+                <a:tailEnd type="arrow"/>
+              </a:ln>
+            </p:spPr>
+            <p:style>
+              <a:lnRef idx="1">
+                <a:schemeClr val="accent1"/>
+              </a:lnRef>
+              <a:fillRef idx="0">
+                <a:schemeClr val="accent1"/>
+              </a:fillRef>
+              <a:effectRef idx="0">
+                <a:schemeClr val="accent1"/>
+              </a:effectRef>
+              <a:fontRef idx="minor">
+                <a:schemeClr val="tx1"/>
+              </a:fontRef>
+            </p:style>
+          </p:cxnSp>
+          <p:cxnSp>
+            <p:nvCxnSpPr>
+              <p:cNvPr id="140" name="直接连接符 139"/>
+              <p:cNvCxnSpPr>
+                <a:endCxn id="134" idx="2"/>
+              </p:cNvCxnSpPr>
+              <p:nvPr/>
+            </p:nvCxnSpPr>
+            <p:spPr>
+              <a:xfrm flipV="1">
+                <a:off x="1270555" y="4528939"/>
+                <a:ext cx="434420" cy="206986"/>
+              </a:xfrm>
+              <a:prstGeom prst="line">
+                <a:avLst/>
+              </a:prstGeom>
+              <a:ln w="28575">
+                <a:solidFill>
+                  <a:srgbClr val="00B050"/>
+                </a:solidFill>
+              </a:ln>
+            </p:spPr>
+            <p:style>
+              <a:lnRef idx="1">
+                <a:schemeClr val="accent1"/>
+              </a:lnRef>
+              <a:fillRef idx="0">
+                <a:schemeClr val="accent1"/>
+              </a:fillRef>
+              <a:effectRef idx="0">
+                <a:schemeClr val="accent1"/>
+              </a:effectRef>
+              <a:fontRef idx="minor">
+                <a:schemeClr val="tx1"/>
+              </a:fontRef>
+            </p:style>
+          </p:cxnSp>
+        </p:grpSp>
+        <p:sp>
+          <p:nvSpPr>
+            <p:cNvPr id="134" name="任意多边形 133"/>
+            <p:cNvSpPr/>
+            <p:nvPr/>
+          </p:nvSpPr>
+          <p:spPr>
+            <a:xfrm>
+              <a:off x="2267744" y="3284984"/>
+              <a:ext cx="1080120" cy="322424"/>
+            </a:xfrm>
+            <a:custGeom>
+              <a:avLst/>
+              <a:gdLst>
+                <a:gd name="connsiteX0" fmla="*/ 0 w 638175"/>
+                <a:gd name="connsiteY0" fmla="*/ 190500 h 190500"/>
+                <a:gd name="connsiteX1" fmla="*/ 638175 w 638175"/>
+                <a:gd name="connsiteY1" fmla="*/ 57150 h 190500"/>
+                <a:gd name="connsiteX2" fmla="*/ 438150 w 638175"/>
+                <a:gd name="connsiteY2" fmla="*/ 0 h 190500"/>
+                <a:gd name="connsiteX3" fmla="*/ 0 w 638175"/>
+                <a:gd name="connsiteY3" fmla="*/ 190500 h 190500"/>
+              </a:gdLst>
+              <a:ahLst/>
+              <a:cxnLst>
+                <a:cxn ang="0">
+                  <a:pos x="connsiteX0" y="connsiteY0"/>
+                </a:cxn>
+                <a:cxn ang="0">
+                  <a:pos x="connsiteX1" y="connsiteY1"/>
+                </a:cxn>
+                <a:cxn ang="0">
+                  <a:pos x="connsiteX2" y="connsiteY2"/>
+                </a:cxn>
+                <a:cxn ang="0">
+                  <a:pos x="connsiteX3" y="connsiteY3"/>
+                </a:cxn>
+              </a:cxnLst>
+              <a:rect l="l" t="t" r="r" b="b"/>
+              <a:pathLst>
+                <a:path w="638175" h="190500">
+                  <a:moveTo>
+                    <a:pt x="0" y="190500"/>
+                  </a:moveTo>
+                  <a:lnTo>
+                    <a:pt x="638175" y="57150"/>
+                  </a:lnTo>
+                  <a:lnTo>
+                    <a:pt x="438150" y="0"/>
+                  </a:lnTo>
+                  <a:lnTo>
+                    <a:pt x="0" y="190500"/>
+                  </a:lnTo>
+                  <a:close/>
+                </a:path>
+              </a:pathLst>
+            </a:custGeom>
+          </p:spPr>
+          <p:style>
+            <a:lnRef idx="2">
+              <a:schemeClr val="accent1">
+                <a:shade val="50000"/>
+              </a:schemeClr>
+            </a:lnRef>
+            <a:fillRef idx="1">
+              <a:schemeClr val="accent1"/>
+            </a:fillRef>
+            <a:effectRef idx="0">
+              <a:schemeClr val="accent1"/>
+            </a:effectRef>
+            <a:fontRef idx="minor">
+              <a:schemeClr val="lt1"/>
+            </a:fontRef>
+          </p:style>
+          <p:txBody>
+            <a:bodyPr rtlCol="0" anchor="ctr"/>
+            <a:lstStyle/>
+            <a:p>
+              <a:pPr algn="ctr"/>
+              <a:endParaRPr lang="zh-CN" altLang="en-US"/>
+            </a:p>
+          </p:txBody>
+        </p:sp>
+        <p:cxnSp>
+          <p:nvCxnSpPr>
+            <p:cNvPr id="135" name="直接连接符 134"/>
+            <p:cNvCxnSpPr>
+              <a:stCxn id="137" idx="0"/>
+              <a:endCxn id="134" idx="2"/>
+            </p:cNvCxnSpPr>
+            <p:nvPr/>
+          </p:nvCxnSpPr>
+          <p:spPr>
+            <a:xfrm flipV="1">
+              <a:off x="2275817" y="3284984"/>
+              <a:ext cx="733502" cy="303825"/>
+            </a:xfrm>
+            <a:prstGeom prst="line">
+              <a:avLst/>
+            </a:prstGeom>
+            <a:ln w="28575">
+              <a:solidFill>
+                <a:srgbClr val="00B050"/>
+              </a:solidFill>
+            </a:ln>
+          </p:spPr>
+          <p:style>
+            <a:lnRef idx="1">
+              <a:schemeClr val="accent1"/>
+            </a:lnRef>
+            <a:fillRef idx="0">
+              <a:schemeClr val="accent1"/>
+            </a:fillRef>
+            <a:effectRef idx="0">
+              <a:schemeClr val="accent1"/>
+            </a:effectRef>
+            <a:fontRef idx="minor">
+              <a:schemeClr val="tx1"/>
+            </a:fontRef>
+          </p:style>
+        </p:cxnSp>
+        <p:cxnSp>
+          <p:nvCxnSpPr>
+            <p:cNvPr id="136" name="直接连接符 135"/>
+            <p:cNvCxnSpPr>
+              <a:stCxn id="134" idx="1"/>
+              <a:endCxn id="137" idx="0"/>
+            </p:cNvCxnSpPr>
+            <p:nvPr/>
+          </p:nvCxnSpPr>
+          <p:spPr>
+            <a:xfrm flipH="1">
+              <a:off x="2275817" y="3381711"/>
+              <a:ext cx="1072047" cy="207098"/>
+            </a:xfrm>
+            <a:prstGeom prst="line">
+              <a:avLst/>
+            </a:prstGeom>
+            <a:ln w="28575">
+              <a:solidFill>
+                <a:srgbClr val="00B050"/>
+              </a:solidFill>
+            </a:ln>
+          </p:spPr>
+          <p:style>
+            <a:lnRef idx="1">
+              <a:schemeClr val="accent1"/>
+            </a:lnRef>
+            <a:fillRef idx="0">
+              <a:schemeClr val="accent1"/>
+            </a:fillRef>
+            <a:effectRef idx="0">
+              <a:schemeClr val="accent1"/>
+            </a:effectRef>
+            <a:fontRef idx="minor">
+              <a:schemeClr val="tx1"/>
+            </a:fontRef>
+          </p:style>
+        </p:cxnSp>
+        <p:cxnSp>
+          <p:nvCxnSpPr>
+            <p:cNvPr id="142" name="直接箭头连接符 141"/>
+            <p:cNvCxnSpPr>
+              <a:stCxn id="137" idx="1"/>
+              <a:endCxn id="134" idx="2"/>
+            </p:cNvCxnSpPr>
+            <p:nvPr/>
+          </p:nvCxnSpPr>
+          <p:spPr>
+            <a:xfrm flipV="1">
+              <a:off x="2275817" y="3284984"/>
+              <a:ext cx="733502" cy="1195489"/>
+            </a:xfrm>
+            <a:prstGeom prst="straightConnector1">
+              <a:avLst/>
+            </a:prstGeom>
+            <a:ln>
+              <a:solidFill>
+                <a:srgbClr val="002060"/>
+              </a:solidFill>
+              <a:tailEnd type="arrow"/>
+            </a:ln>
+          </p:spPr>
+          <p:style>
+            <a:lnRef idx="1">
+              <a:schemeClr val="accent1"/>
+            </a:lnRef>
+            <a:fillRef idx="0">
+              <a:schemeClr val="accent1"/>
+            </a:fillRef>
+            <a:effectRef idx="0">
+              <a:schemeClr val="accent1"/>
+            </a:effectRef>
+            <a:fontRef idx="minor">
+              <a:schemeClr val="tx1"/>
+            </a:fontRef>
+          </p:style>
+        </p:cxnSp>
+      </p:grpSp>
+      <p:grpSp>
+        <p:nvGrpSpPr>
+          <p:cNvPr id="55" name="组合 54"/>
+          <p:cNvGrpSpPr/>
+          <p:nvPr/>
+        </p:nvGrpSpPr>
+        <p:grpSpPr>
+          <a:xfrm>
+            <a:off x="3995936" y="2060848"/>
+            <a:ext cx="1080120" cy="1195489"/>
+            <a:chOff x="2267744" y="3284984"/>
+            <a:chExt cx="1080120" cy="1195489"/>
+          </a:xfrm>
+        </p:grpSpPr>
+        <p:grpSp>
+          <p:nvGrpSpPr>
+            <p:cNvPr id="57" name="组合 52"/>
+            <p:cNvGrpSpPr/>
+            <p:nvPr/>
+          </p:nvGrpSpPr>
+          <p:grpSpPr>
+            <a:xfrm>
+              <a:off x="2274057" y="3284984"/>
+              <a:ext cx="1051757" cy="1195489"/>
+              <a:chOff x="1270555" y="4528939"/>
+              <a:chExt cx="621417" cy="706339"/>
+            </a:xfrm>
+          </p:grpSpPr>
+          <p:sp>
+            <p:nvSpPr>
+              <p:cNvPr id="66" name="任意多边形 65"/>
+              <p:cNvSpPr/>
+              <p:nvPr/>
+            </p:nvSpPr>
+            <p:spPr>
+              <a:xfrm>
+                <a:off x="1271595" y="4570588"/>
+                <a:ext cx="620377" cy="664690"/>
+              </a:xfrm>
+              <a:custGeom>
+                <a:avLst/>
+                <a:gdLst>
+                  <a:gd name="connsiteX0" fmla="*/ 0 w 1200150"/>
+                  <a:gd name="connsiteY0" fmla="*/ 266700 h 1285875"/>
+                  <a:gd name="connsiteX1" fmla="*/ 0 w 1200150"/>
+                  <a:gd name="connsiteY1" fmla="*/ 1285875 h 1285875"/>
+                  <a:gd name="connsiteX2" fmla="*/ 1200150 w 1200150"/>
+                  <a:gd name="connsiteY2" fmla="*/ 0 h 1285875"/>
+                  <a:gd name="connsiteX3" fmla="*/ 0 w 1200150"/>
+                  <a:gd name="connsiteY3" fmla="*/ 266700 h 1285875"/>
+                </a:gdLst>
+                <a:ahLst/>
+                <a:cxnLst>
+                  <a:cxn ang="0">
+                    <a:pos x="connsiteX0" y="connsiteY0"/>
+                  </a:cxn>
+                  <a:cxn ang="0">
+                    <a:pos x="connsiteX1" y="connsiteY1"/>
+                  </a:cxn>
+                  <a:cxn ang="0">
+                    <a:pos x="connsiteX2" y="connsiteY2"/>
+                  </a:cxn>
+                  <a:cxn ang="0">
+                    <a:pos x="connsiteX3" y="connsiteY3"/>
+                  </a:cxn>
+                </a:cxnLst>
+                <a:rect l="l" t="t" r="r" b="b"/>
+                <a:pathLst>
+                  <a:path w="1200150" h="1285875">
+                    <a:moveTo>
+                      <a:pt x="0" y="266700"/>
+                    </a:moveTo>
+                    <a:lnTo>
+                      <a:pt x="0" y="1285875"/>
+                    </a:lnTo>
+                    <a:lnTo>
+                      <a:pt x="1200150" y="0"/>
+                    </a:lnTo>
+                    <a:lnTo>
+                      <a:pt x="0" y="266700"/>
+                    </a:lnTo>
+                    <a:close/>
+                  </a:path>
+                </a:pathLst>
+              </a:custGeom>
+            </p:spPr>
+            <p:style>
+              <a:lnRef idx="2">
+                <a:schemeClr val="accent1">
+                  <a:shade val="50000"/>
+                </a:schemeClr>
+              </a:lnRef>
+              <a:fillRef idx="1">
+                <a:schemeClr val="accent1"/>
+              </a:fillRef>
+              <a:effectRef idx="0">
+                <a:schemeClr val="accent1"/>
+              </a:effectRef>
+              <a:fontRef idx="minor">
+                <a:schemeClr val="lt1"/>
+              </a:fontRef>
+            </p:style>
+            <p:txBody>
+              <a:bodyPr rtlCol="0" anchor="ctr"/>
+              <a:lstStyle/>
+              <a:p>
+                <a:pPr algn="ctr"/>
+                <a:endParaRPr lang="zh-CN" altLang="en-US"/>
+              </a:p>
+            </p:txBody>
+          </p:sp>
+          <p:cxnSp>
+            <p:nvCxnSpPr>
+              <p:cNvPr id="73" name="直接箭头连接符 72"/>
+              <p:cNvCxnSpPr>
+                <a:stCxn id="66" idx="1"/>
+                <a:endCxn id="66" idx="0"/>
+              </p:cNvCxnSpPr>
+              <p:nvPr/>
+            </p:nvCxnSpPr>
+            <p:spPr>
+              <a:xfrm flipV="1">
+                <a:off x="1271595" y="4708450"/>
+                <a:ext cx="0" cy="526828"/>
+              </a:xfrm>
+              <a:prstGeom prst="straightConnector1">
+                <a:avLst/>
+              </a:prstGeom>
+              <a:ln w="28575">
+                <a:solidFill>
+                  <a:srgbClr val="FF0000"/>
+                </a:solidFill>
+                <a:tailEnd type="arrow"/>
+              </a:ln>
+            </p:spPr>
+            <p:style>
+              <a:lnRef idx="1">
+                <a:schemeClr val="accent1"/>
+              </a:lnRef>
+              <a:fillRef idx="0">
+                <a:schemeClr val="accent1"/>
+              </a:fillRef>
+              <a:effectRef idx="0">
+                <a:schemeClr val="accent1"/>
+              </a:effectRef>
+              <a:fontRef idx="minor">
+                <a:schemeClr val="tx1"/>
+              </a:fontRef>
+            </p:style>
+          </p:cxnSp>
+          <p:cxnSp>
+            <p:nvCxnSpPr>
+              <p:cNvPr id="79" name="直接连接符 78"/>
+              <p:cNvCxnSpPr>
+                <a:endCxn id="58" idx="2"/>
+              </p:cNvCxnSpPr>
+              <p:nvPr/>
+            </p:nvCxnSpPr>
+            <p:spPr>
+              <a:xfrm flipV="1">
+                <a:off x="1270555" y="4528939"/>
+                <a:ext cx="434420" cy="206986"/>
+              </a:xfrm>
+              <a:prstGeom prst="line">
+                <a:avLst/>
+              </a:prstGeom>
+              <a:ln w="28575">
+                <a:solidFill>
+                  <a:srgbClr val="00B050"/>
+                </a:solidFill>
+              </a:ln>
+            </p:spPr>
+            <p:style>
+              <a:lnRef idx="1">
+                <a:schemeClr val="accent1"/>
+              </a:lnRef>
+              <a:fillRef idx="0">
+                <a:schemeClr val="accent1"/>
+              </a:fillRef>
+              <a:effectRef idx="0">
+                <a:schemeClr val="accent1"/>
+              </a:effectRef>
+              <a:fontRef idx="minor">
+                <a:schemeClr val="tx1"/>
+              </a:fontRef>
+            </p:style>
+          </p:cxnSp>
+        </p:grpSp>
+        <p:sp>
+          <p:nvSpPr>
+            <p:cNvPr id="58" name="任意多边形 57"/>
+            <p:cNvSpPr/>
+            <p:nvPr/>
+          </p:nvSpPr>
+          <p:spPr>
+            <a:xfrm>
+              <a:off x="2267744" y="3284984"/>
+              <a:ext cx="1080120" cy="322424"/>
+            </a:xfrm>
+            <a:custGeom>
+              <a:avLst/>
+              <a:gdLst>
+                <a:gd name="connsiteX0" fmla="*/ 0 w 638175"/>
+                <a:gd name="connsiteY0" fmla="*/ 190500 h 190500"/>
+                <a:gd name="connsiteX1" fmla="*/ 638175 w 638175"/>
+                <a:gd name="connsiteY1" fmla="*/ 57150 h 190500"/>
+                <a:gd name="connsiteX2" fmla="*/ 438150 w 638175"/>
+                <a:gd name="connsiteY2" fmla="*/ 0 h 190500"/>
+                <a:gd name="connsiteX3" fmla="*/ 0 w 638175"/>
+                <a:gd name="connsiteY3" fmla="*/ 190500 h 190500"/>
+              </a:gdLst>
+              <a:ahLst/>
+              <a:cxnLst>
+                <a:cxn ang="0">
+                  <a:pos x="connsiteX0" y="connsiteY0"/>
+                </a:cxn>
+                <a:cxn ang="0">
+                  <a:pos x="connsiteX1" y="connsiteY1"/>
+                </a:cxn>
+                <a:cxn ang="0">
+                  <a:pos x="connsiteX2" y="connsiteY2"/>
+                </a:cxn>
+                <a:cxn ang="0">
+                  <a:pos x="connsiteX3" y="connsiteY3"/>
+                </a:cxn>
+              </a:cxnLst>
+              <a:rect l="l" t="t" r="r" b="b"/>
+              <a:pathLst>
+                <a:path w="638175" h="190500">
+                  <a:moveTo>
+                    <a:pt x="0" y="190500"/>
+                  </a:moveTo>
+                  <a:lnTo>
+                    <a:pt x="638175" y="57150"/>
+                  </a:lnTo>
+                  <a:lnTo>
+                    <a:pt x="438150" y="0"/>
+                  </a:lnTo>
+                  <a:lnTo>
+                    <a:pt x="0" y="190500"/>
+                  </a:lnTo>
+                  <a:close/>
+                </a:path>
+              </a:pathLst>
+            </a:custGeom>
+          </p:spPr>
+          <p:style>
+            <a:lnRef idx="2">
+              <a:schemeClr val="accent1">
+                <a:shade val="50000"/>
+              </a:schemeClr>
+            </a:lnRef>
+            <a:fillRef idx="1">
+              <a:schemeClr val="accent1"/>
+            </a:fillRef>
+            <a:effectRef idx="0">
+              <a:schemeClr val="accent1"/>
+            </a:effectRef>
+            <a:fontRef idx="minor">
+              <a:schemeClr val="lt1"/>
+            </a:fontRef>
+          </p:style>
+          <p:txBody>
+            <a:bodyPr rtlCol="0" anchor="ctr"/>
+            <a:lstStyle/>
+            <a:p>
+              <a:pPr algn="ctr"/>
+              <a:endParaRPr lang="zh-CN" altLang="en-US"/>
+            </a:p>
+          </p:txBody>
+        </p:sp>
+        <p:cxnSp>
+          <p:nvCxnSpPr>
+            <p:cNvPr id="60" name="直接连接符 59"/>
+            <p:cNvCxnSpPr>
+              <a:stCxn id="66" idx="0"/>
+              <a:endCxn id="58" idx="2"/>
+            </p:cNvCxnSpPr>
+            <p:nvPr/>
+          </p:nvCxnSpPr>
+          <p:spPr>
+            <a:xfrm flipV="1">
+              <a:off x="2275817" y="3284984"/>
+              <a:ext cx="733502" cy="303825"/>
+            </a:xfrm>
+            <a:prstGeom prst="line">
+              <a:avLst/>
+            </a:prstGeom>
+            <a:ln w="28575">
+              <a:solidFill>
+                <a:srgbClr val="00B050"/>
+              </a:solidFill>
+            </a:ln>
+          </p:spPr>
+          <p:style>
+            <a:lnRef idx="1">
+              <a:schemeClr val="accent1"/>
+            </a:lnRef>
+            <a:fillRef idx="0">
+              <a:schemeClr val="accent1"/>
+            </a:fillRef>
+            <a:effectRef idx="0">
+              <a:schemeClr val="accent1"/>
+            </a:effectRef>
+            <a:fontRef idx="minor">
+              <a:schemeClr val="tx1"/>
+            </a:fontRef>
+          </p:style>
+        </p:cxnSp>
+        <p:cxnSp>
+          <p:nvCxnSpPr>
+            <p:cNvPr id="62" name="直接连接符 61"/>
+            <p:cNvCxnSpPr>
+              <a:stCxn id="58" idx="1"/>
+              <a:endCxn id="66" idx="0"/>
+            </p:cNvCxnSpPr>
+            <p:nvPr/>
+          </p:nvCxnSpPr>
+          <p:spPr>
+            <a:xfrm flipH="1">
+              <a:off x="2275817" y="3381711"/>
+              <a:ext cx="1072047" cy="207098"/>
+            </a:xfrm>
+            <a:prstGeom prst="line">
+              <a:avLst/>
+            </a:prstGeom>
+            <a:ln w="28575">
+              <a:solidFill>
+                <a:srgbClr val="00B050"/>
+              </a:solidFill>
+            </a:ln>
+          </p:spPr>
+          <p:style>
+            <a:lnRef idx="1">
+              <a:schemeClr val="accent1"/>
+            </a:lnRef>
+            <a:fillRef idx="0">
+              <a:schemeClr val="accent1"/>
+            </a:fillRef>
+            <a:effectRef idx="0">
+              <a:schemeClr val="accent1"/>
+            </a:effectRef>
+            <a:fontRef idx="minor">
+              <a:schemeClr val="tx1"/>
+            </a:fontRef>
+          </p:style>
+        </p:cxnSp>
+      </p:grpSp>
+      <p:cxnSp>
+        <p:nvCxnSpPr>
+          <p:cNvPr id="84" name="直接箭头连接符 83"/>
+          <p:cNvCxnSpPr/>
+          <p:nvPr/>
+        </p:nvCxnSpPr>
+        <p:spPr>
+          <a:xfrm flipV="1">
+            <a:off x="4004009" y="2060848"/>
+            <a:ext cx="733502" cy="1195489"/>
+          </a:xfrm>
+          <a:prstGeom prst="straightConnector1">
+            <a:avLst/>
+          </a:prstGeom>
+          <a:ln w="28575">
+            <a:solidFill>
+              <a:srgbClr val="FF0000"/>
+            </a:solidFill>
+            <a:tailEnd type="arrow"/>
+          </a:ln>
+        </p:spPr>
+        <p:style>
+          <a:lnRef idx="1">
+            <a:schemeClr val="accent1"/>
+          </a:lnRef>
+          <a:fillRef idx="0">
+            <a:schemeClr val="accent1"/>
+          </a:fillRef>
+          <a:effectRef idx="0">
+            <a:schemeClr val="accent1"/>
+          </a:effectRef>
+          <a:fontRef idx="minor">
+            <a:schemeClr val="tx1"/>
+          </a:fontRef>
+        </p:style>
+      </p:cxnSp>
+      <p:cxnSp>
+        <p:nvCxnSpPr>
+          <p:cNvPr id="119" name="直接箭头连接符 118"/>
+          <p:cNvCxnSpPr/>
+          <p:nvPr/>
+        </p:nvCxnSpPr>
+        <p:spPr>
+          <a:xfrm>
+            <a:off x="6084168" y="989112"/>
+            <a:ext cx="0" cy="0"/>
+          </a:xfrm>
+          <a:prstGeom prst="straightConnector1">
+            <a:avLst/>
+          </a:prstGeom>
+          <a:ln w="28575">
+            <a:solidFill>
+              <a:srgbClr val="FF0000"/>
+            </a:solidFill>
+            <a:tailEnd type="arrow"/>
+          </a:ln>
+        </p:spPr>
+        <p:style>
+          <a:lnRef idx="1">
+            <a:schemeClr val="accent1"/>
+          </a:lnRef>
+          <a:fillRef idx="0">
+            <a:schemeClr val="accent1"/>
+          </a:fillRef>
+          <a:effectRef idx="0">
+            <a:schemeClr val="accent1"/>
+          </a:effectRef>
+          <a:fontRef idx="minor">
+            <a:schemeClr val="tx1"/>
+          </a:fontRef>
+        </p:style>
+      </p:cxnSp>
+      <p:grpSp>
+        <p:nvGrpSpPr>
+          <p:cNvPr id="91" name="组合 90"/>
+          <p:cNvGrpSpPr/>
+          <p:nvPr/>
+        </p:nvGrpSpPr>
+        <p:grpSpPr>
+          <a:xfrm>
+            <a:off x="5292080" y="1628800"/>
+            <a:ext cx="1439502" cy="1918257"/>
+            <a:chOff x="5428023" y="2562225"/>
+            <a:chExt cx="1439502" cy="1918257"/>
+          </a:xfrm>
+        </p:grpSpPr>
+        <p:grpSp>
+          <p:nvGrpSpPr>
+            <p:cNvPr id="86" name="组合 52"/>
+            <p:cNvGrpSpPr/>
+            <p:nvPr/>
+          </p:nvGrpSpPr>
+          <p:grpSpPr>
+            <a:xfrm>
+              <a:off x="5436097" y="3355476"/>
+              <a:ext cx="1049997" cy="1125006"/>
+              <a:chOff x="1271595" y="4570586"/>
+              <a:chExt cx="620377" cy="664692"/>
+            </a:xfrm>
+          </p:grpSpPr>
+          <p:sp>
+            <p:nvSpPr>
+              <p:cNvPr id="93" name="任意多边形 92"/>
+              <p:cNvSpPr/>
+              <p:nvPr/>
+            </p:nvSpPr>
+            <p:spPr>
+              <a:xfrm>
+                <a:off x="1271595" y="4570586"/>
+                <a:ext cx="620377" cy="664689"/>
+              </a:xfrm>
+              <a:custGeom>
+                <a:avLst/>
+                <a:gdLst>
+                  <a:gd name="connsiteX0" fmla="*/ 0 w 1200150"/>
+                  <a:gd name="connsiteY0" fmla="*/ 266700 h 1285875"/>
+                  <a:gd name="connsiteX1" fmla="*/ 0 w 1200150"/>
+                  <a:gd name="connsiteY1" fmla="*/ 1285875 h 1285875"/>
+                  <a:gd name="connsiteX2" fmla="*/ 1200150 w 1200150"/>
+                  <a:gd name="connsiteY2" fmla="*/ 0 h 1285875"/>
+                  <a:gd name="connsiteX3" fmla="*/ 0 w 1200150"/>
+                  <a:gd name="connsiteY3" fmla="*/ 266700 h 1285875"/>
+                </a:gdLst>
+                <a:ahLst/>
+                <a:cxnLst>
+                  <a:cxn ang="0">
+                    <a:pos x="connsiteX0" y="connsiteY0"/>
+                  </a:cxn>
+                  <a:cxn ang="0">
+                    <a:pos x="connsiteX1" y="connsiteY1"/>
+                  </a:cxn>
+                  <a:cxn ang="0">
+                    <a:pos x="connsiteX2" y="connsiteY2"/>
+                  </a:cxn>
+                  <a:cxn ang="0">
+                    <a:pos x="connsiteX3" y="connsiteY3"/>
+                  </a:cxn>
+                </a:cxnLst>
+                <a:rect l="l" t="t" r="r" b="b"/>
+                <a:pathLst>
+                  <a:path w="1200150" h="1285875">
+                    <a:moveTo>
+                      <a:pt x="0" y="266700"/>
+                    </a:moveTo>
+                    <a:lnTo>
+                      <a:pt x="0" y="1285875"/>
+                    </a:lnTo>
+                    <a:lnTo>
+                      <a:pt x="1200150" y="0"/>
+                    </a:lnTo>
+                    <a:lnTo>
+                      <a:pt x="0" y="266700"/>
+                    </a:lnTo>
+                    <a:close/>
+                  </a:path>
+                </a:pathLst>
+              </a:custGeom>
+            </p:spPr>
+            <p:style>
+              <a:lnRef idx="2">
+                <a:schemeClr val="accent1">
+                  <a:shade val="50000"/>
+                </a:schemeClr>
+              </a:lnRef>
+              <a:fillRef idx="1">
+                <a:schemeClr val="accent1"/>
+              </a:fillRef>
+              <a:effectRef idx="0">
+                <a:schemeClr val="accent1"/>
+              </a:effectRef>
+              <a:fontRef idx="minor">
+                <a:schemeClr val="lt1"/>
+              </a:fontRef>
+            </p:style>
+            <p:txBody>
+              <a:bodyPr rtlCol="0" anchor="ctr"/>
+              <a:lstStyle/>
+              <a:p>
+                <a:pPr algn="ctr"/>
+                <a:endParaRPr lang="zh-CN" altLang="en-US"/>
+              </a:p>
+            </p:txBody>
+          </p:sp>
+          <p:cxnSp>
+            <p:nvCxnSpPr>
+              <p:cNvPr id="94" name="直接箭头连接符 93"/>
+              <p:cNvCxnSpPr>
+                <a:stCxn id="93" idx="1"/>
+                <a:endCxn id="93" idx="0"/>
+              </p:cNvCxnSpPr>
+              <p:nvPr/>
+            </p:nvCxnSpPr>
+            <p:spPr>
+              <a:xfrm flipV="1">
+                <a:off x="1271595" y="4708450"/>
+                <a:ext cx="0" cy="526828"/>
+              </a:xfrm>
+              <a:prstGeom prst="straightConnector1">
+                <a:avLst/>
+              </a:prstGeom>
+              <a:ln w="28575">
+                <a:solidFill>
+                  <a:srgbClr val="FF0000"/>
+                </a:solidFill>
+                <a:tailEnd type="arrow"/>
+              </a:ln>
+            </p:spPr>
+            <p:style>
+              <a:lnRef idx="1">
+                <a:schemeClr val="accent1"/>
+              </a:lnRef>
+              <a:fillRef idx="0">
+                <a:schemeClr val="accent1"/>
+              </a:fillRef>
+              <a:effectRef idx="0">
+                <a:schemeClr val="accent1"/>
+              </a:effectRef>
+              <a:fontRef idx="minor">
+                <a:schemeClr val="tx1"/>
+              </a:fontRef>
+            </p:style>
+          </p:cxnSp>
+        </p:grpSp>
+        <p:sp>
+          <p:nvSpPr>
+            <p:cNvPr id="90" name="任意多边形 89"/>
+            <p:cNvSpPr/>
+            <p:nvPr/>
+          </p:nvSpPr>
+          <p:spPr>
+            <a:xfrm>
+              <a:off x="5428023" y="3284984"/>
+              <a:ext cx="1080120" cy="322424"/>
+            </a:xfrm>
+            <a:custGeom>
+              <a:avLst/>
+              <a:gdLst>
+                <a:gd name="connsiteX0" fmla="*/ 0 w 638175"/>
+                <a:gd name="connsiteY0" fmla="*/ 190500 h 190500"/>
+                <a:gd name="connsiteX1" fmla="*/ 638175 w 638175"/>
+                <a:gd name="connsiteY1" fmla="*/ 57150 h 190500"/>
+                <a:gd name="connsiteX2" fmla="*/ 438150 w 638175"/>
+                <a:gd name="connsiteY2" fmla="*/ 0 h 190500"/>
+                <a:gd name="connsiteX3" fmla="*/ 0 w 638175"/>
+                <a:gd name="connsiteY3" fmla="*/ 190500 h 190500"/>
+              </a:gdLst>
+              <a:ahLst/>
+              <a:cxnLst>
+                <a:cxn ang="0">
+                  <a:pos x="connsiteX0" y="connsiteY0"/>
+                </a:cxn>
+                <a:cxn ang="0">
+                  <a:pos x="connsiteX1" y="connsiteY1"/>
+                </a:cxn>
+                <a:cxn ang="0">
+                  <a:pos x="connsiteX2" y="connsiteY2"/>
+                </a:cxn>
+                <a:cxn ang="0">
+                  <a:pos x="connsiteX3" y="connsiteY3"/>
+                </a:cxn>
+              </a:cxnLst>
+              <a:rect l="l" t="t" r="r" b="b"/>
+              <a:pathLst>
+                <a:path w="638175" h="190500">
+                  <a:moveTo>
+                    <a:pt x="0" y="190500"/>
+                  </a:moveTo>
+                  <a:lnTo>
+                    <a:pt x="638175" y="57150"/>
+                  </a:lnTo>
+                  <a:lnTo>
+                    <a:pt x="438150" y="0"/>
+                  </a:lnTo>
+                  <a:lnTo>
+                    <a:pt x="0" y="190500"/>
+                  </a:lnTo>
+                  <a:close/>
+                </a:path>
+              </a:pathLst>
+            </a:custGeom>
+          </p:spPr>
+          <p:style>
+            <a:lnRef idx="2">
+              <a:schemeClr val="accent1">
+                <a:shade val="50000"/>
+              </a:schemeClr>
+            </a:lnRef>
+            <a:fillRef idx="1">
+              <a:schemeClr val="accent1"/>
+            </a:fillRef>
+            <a:effectRef idx="0">
+              <a:schemeClr val="accent1"/>
+            </a:effectRef>
+            <a:fontRef idx="minor">
+              <a:schemeClr val="lt1"/>
+            </a:fontRef>
+          </p:style>
+          <p:txBody>
+            <a:bodyPr rtlCol="0" anchor="ctr"/>
+            <a:lstStyle/>
+            <a:p>
+              <a:pPr algn="ctr"/>
+              <a:endParaRPr lang="zh-CN" altLang="en-US"/>
+            </a:p>
+          </p:txBody>
+        </p:sp>
+        <p:cxnSp>
+          <p:nvCxnSpPr>
+            <p:cNvPr id="96" name="直接箭头连接符 95"/>
+            <p:cNvCxnSpPr/>
+            <p:nvPr/>
+          </p:nvCxnSpPr>
+          <p:spPr>
+            <a:xfrm flipV="1">
+              <a:off x="5436096" y="3284984"/>
+              <a:ext cx="733502" cy="1195489"/>
+            </a:xfrm>
+            <a:prstGeom prst="straightConnector1">
+              <a:avLst/>
+            </a:prstGeom>
+            <a:ln w="28575">
+              <a:solidFill>
+                <a:srgbClr val="FF0000"/>
+              </a:solidFill>
+              <a:tailEnd type="arrow"/>
+            </a:ln>
+          </p:spPr>
+          <p:style>
+            <a:lnRef idx="1">
+              <a:schemeClr val="accent1"/>
+            </a:lnRef>
+            <a:fillRef idx="0">
+              <a:schemeClr val="accent1"/>
+            </a:fillRef>
+            <a:effectRef idx="0">
+              <a:schemeClr val="accent1"/>
+            </a:effectRef>
+            <a:fontRef idx="minor">
+              <a:schemeClr val="tx1"/>
+            </a:fontRef>
+          </p:style>
+        </p:cxnSp>
+        <p:sp>
+          <p:nvSpPr>
+            <p:cNvPr id="104" name="任意多边形 103"/>
+            <p:cNvSpPr/>
+            <p:nvPr/>
+          </p:nvSpPr>
+          <p:spPr>
+            <a:xfrm>
+              <a:off x="5438775" y="2562225"/>
+              <a:ext cx="1428750" cy="1028700"/>
+            </a:xfrm>
+            <a:custGeom>
+              <a:avLst/>
+              <a:gdLst>
+                <a:gd name="connsiteX0" fmla="*/ 0 w 1428750"/>
+                <a:gd name="connsiteY0" fmla="*/ 1028700 h 1028700"/>
+                <a:gd name="connsiteX1" fmla="*/ 714375 w 1428750"/>
+                <a:gd name="connsiteY1" fmla="*/ 723900 h 1028700"/>
+                <a:gd name="connsiteX2" fmla="*/ 1428750 w 1428750"/>
+                <a:gd name="connsiteY2" fmla="*/ 0 h 1028700"/>
+                <a:gd name="connsiteX3" fmla="*/ 0 w 1428750"/>
+                <a:gd name="connsiteY3" fmla="*/ 1028700 h 1028700"/>
+              </a:gdLst>
+              <a:ahLst/>
+              <a:cxnLst>
+                <a:cxn ang="0">
+                  <a:pos x="connsiteX0" y="connsiteY0"/>
+                </a:cxn>
+                <a:cxn ang="0">
+                  <a:pos x="connsiteX1" y="connsiteY1"/>
+                </a:cxn>
+                <a:cxn ang="0">
+                  <a:pos x="connsiteX2" y="connsiteY2"/>
+                </a:cxn>
+                <a:cxn ang="0">
+                  <a:pos x="connsiteX3" y="connsiteY3"/>
+                </a:cxn>
+              </a:cxnLst>
+              <a:rect l="l" t="t" r="r" b="b"/>
+              <a:pathLst>
+                <a:path w="1428750" h="1028700">
+                  <a:moveTo>
+                    <a:pt x="0" y="1028700"/>
+                  </a:moveTo>
+                  <a:lnTo>
+                    <a:pt x="714375" y="723900"/>
+                  </a:lnTo>
+                  <a:lnTo>
+                    <a:pt x="1428750" y="0"/>
+                  </a:lnTo>
+                  <a:lnTo>
+                    <a:pt x="0" y="1028700"/>
+                  </a:lnTo>
+                  <a:close/>
+                </a:path>
+              </a:pathLst>
+            </a:custGeom>
+          </p:spPr>
+          <p:style>
+            <a:lnRef idx="2">
+              <a:schemeClr val="accent1">
+                <a:shade val="50000"/>
+              </a:schemeClr>
+            </a:lnRef>
+            <a:fillRef idx="1">
+              <a:schemeClr val="accent1"/>
+            </a:fillRef>
+            <a:effectRef idx="0">
+              <a:schemeClr val="accent1"/>
+            </a:effectRef>
+            <a:fontRef idx="minor">
+              <a:schemeClr val="lt1"/>
+            </a:fontRef>
+          </p:style>
+          <p:txBody>
+            <a:bodyPr rtlCol="0" anchor="ctr"/>
+            <a:lstStyle/>
+            <a:p>
+              <a:pPr algn="ctr"/>
+              <a:endParaRPr lang="zh-CN" altLang="en-US"/>
+            </a:p>
+          </p:txBody>
+        </p:sp>
+        <p:cxnSp>
+          <p:nvCxnSpPr>
+            <p:cNvPr id="108" name="直接连接符 107"/>
+            <p:cNvCxnSpPr>
+              <a:stCxn id="104" idx="2"/>
+              <a:endCxn id="90" idx="2"/>
+            </p:cNvCxnSpPr>
+            <p:nvPr/>
+          </p:nvCxnSpPr>
+          <p:spPr>
+            <a:xfrm flipH="1">
+              <a:off x="6169598" y="2562225"/>
+              <a:ext cx="697927" cy="722759"/>
+            </a:xfrm>
+            <a:prstGeom prst="line">
+              <a:avLst/>
+            </a:prstGeom>
+            <a:ln w="28575">
+              <a:solidFill>
+                <a:srgbClr val="00B050"/>
+              </a:solidFill>
+            </a:ln>
+          </p:spPr>
+          <p:style>
+            <a:lnRef idx="1">
+              <a:schemeClr val="accent1"/>
+            </a:lnRef>
+            <a:fillRef idx="0">
+              <a:schemeClr val="accent1"/>
+            </a:fillRef>
+            <a:effectRef idx="0">
+              <a:schemeClr val="accent1"/>
+            </a:effectRef>
+            <a:fontRef idx="minor">
+              <a:schemeClr val="tx1"/>
+            </a:fontRef>
+          </p:style>
+        </p:cxnSp>
+        <p:cxnSp>
+          <p:nvCxnSpPr>
+            <p:cNvPr id="75" name="直接连接符 74"/>
+            <p:cNvCxnSpPr>
+              <a:stCxn id="104" idx="0"/>
+            </p:cNvCxnSpPr>
+            <p:nvPr/>
+          </p:nvCxnSpPr>
+          <p:spPr>
+            <a:xfrm flipV="1">
+              <a:off x="5438775" y="3284984"/>
+              <a:ext cx="730823" cy="305941"/>
+            </a:xfrm>
+            <a:prstGeom prst="line">
+              <a:avLst/>
+            </a:prstGeom>
+            <a:ln w="28575">
+              <a:solidFill>
+                <a:srgbClr val="00B050"/>
+              </a:solidFill>
+            </a:ln>
+          </p:spPr>
+          <p:style>
+            <a:lnRef idx="1">
+              <a:schemeClr val="accent1"/>
+            </a:lnRef>
+            <a:fillRef idx="0">
+              <a:schemeClr val="accent1"/>
+            </a:fillRef>
+            <a:effectRef idx="0">
+              <a:schemeClr val="accent1"/>
+            </a:effectRef>
+            <a:fontRef idx="minor">
+              <a:schemeClr val="tx1"/>
+            </a:fontRef>
+          </p:style>
+        </p:cxnSp>
+      </p:grpSp>
+      <p:grpSp>
+        <p:nvGrpSpPr>
+          <p:cNvPr id="153" name="组合 152"/>
+          <p:cNvGrpSpPr/>
+          <p:nvPr/>
+        </p:nvGrpSpPr>
+        <p:grpSpPr>
+          <a:xfrm>
+            <a:off x="6732240" y="1556792"/>
+            <a:ext cx="1439502" cy="1918252"/>
+            <a:chOff x="6660232" y="2636912"/>
+            <a:chExt cx="1439502" cy="1918252"/>
+          </a:xfrm>
+        </p:grpSpPr>
+        <p:sp>
+          <p:nvSpPr>
+            <p:cNvPr id="103" name="任意多边形 102"/>
+            <p:cNvSpPr/>
+            <p:nvPr/>
+          </p:nvSpPr>
+          <p:spPr>
+            <a:xfrm>
+              <a:off x="6668306" y="3430163"/>
+              <a:ext cx="1049997" cy="1125001"/>
+            </a:xfrm>
+            <a:custGeom>
+              <a:avLst/>
+              <a:gdLst>
+                <a:gd name="connsiteX0" fmla="*/ 0 w 1200150"/>
+                <a:gd name="connsiteY0" fmla="*/ 266700 h 1285875"/>
+                <a:gd name="connsiteX1" fmla="*/ 0 w 1200150"/>
+                <a:gd name="connsiteY1" fmla="*/ 1285875 h 1285875"/>
+                <a:gd name="connsiteX2" fmla="*/ 1200150 w 1200150"/>
+                <a:gd name="connsiteY2" fmla="*/ 0 h 1285875"/>
+                <a:gd name="connsiteX3" fmla="*/ 0 w 1200150"/>
+                <a:gd name="connsiteY3" fmla="*/ 266700 h 1285875"/>
+              </a:gdLst>
+              <a:ahLst/>
+              <a:cxnLst>
+                <a:cxn ang="0">
+                  <a:pos x="connsiteX0" y="connsiteY0"/>
+                </a:cxn>
+                <a:cxn ang="0">
+                  <a:pos x="connsiteX1" y="connsiteY1"/>
+                </a:cxn>
+                <a:cxn ang="0">
+                  <a:pos x="connsiteX2" y="connsiteY2"/>
+                </a:cxn>
+                <a:cxn ang="0">
+                  <a:pos x="connsiteX3" y="connsiteY3"/>
+                </a:cxn>
+              </a:cxnLst>
+              <a:rect l="l" t="t" r="r" b="b"/>
+              <a:pathLst>
+                <a:path w="1200150" h="1285875">
+                  <a:moveTo>
+                    <a:pt x="0" y="266700"/>
+                  </a:moveTo>
+                  <a:lnTo>
+                    <a:pt x="0" y="1285875"/>
+                  </a:lnTo>
+                  <a:lnTo>
+                    <a:pt x="1200150" y="0"/>
+                  </a:lnTo>
+                  <a:lnTo>
+                    <a:pt x="0" y="266700"/>
+                  </a:lnTo>
+                  <a:close/>
+                </a:path>
+              </a:pathLst>
+            </a:custGeom>
+          </p:spPr>
+          <p:style>
+            <a:lnRef idx="2">
+              <a:schemeClr val="accent1">
+                <a:shade val="50000"/>
+              </a:schemeClr>
+            </a:lnRef>
+            <a:fillRef idx="1">
+              <a:schemeClr val="accent1"/>
+            </a:fillRef>
+            <a:effectRef idx="0">
+              <a:schemeClr val="accent1"/>
+            </a:effectRef>
+            <a:fontRef idx="minor">
+              <a:schemeClr val="lt1"/>
+            </a:fontRef>
+          </p:style>
+          <p:txBody>
+            <a:bodyPr rtlCol="0" anchor="ctr"/>
+            <a:lstStyle/>
+            <a:p>
+              <a:pPr algn="ctr"/>
+              <a:endParaRPr lang="zh-CN" altLang="en-US"/>
+            </a:p>
+          </p:txBody>
+        </p:sp>
+        <p:sp>
+          <p:nvSpPr>
+            <p:cNvPr id="98" name="任意多边形 97"/>
+            <p:cNvSpPr/>
+            <p:nvPr/>
+          </p:nvSpPr>
+          <p:spPr>
+            <a:xfrm>
+              <a:off x="6660232" y="3359671"/>
+              <a:ext cx="1080120" cy="322424"/>
+            </a:xfrm>
+            <a:custGeom>
+              <a:avLst/>
+              <a:gdLst>
+                <a:gd name="connsiteX0" fmla="*/ 0 w 638175"/>
+                <a:gd name="connsiteY0" fmla="*/ 190500 h 190500"/>
+                <a:gd name="connsiteX1" fmla="*/ 638175 w 638175"/>
+                <a:gd name="connsiteY1" fmla="*/ 57150 h 190500"/>
+                <a:gd name="connsiteX2" fmla="*/ 438150 w 638175"/>
+                <a:gd name="connsiteY2" fmla="*/ 0 h 190500"/>
+                <a:gd name="connsiteX3" fmla="*/ 0 w 638175"/>
+                <a:gd name="connsiteY3" fmla="*/ 190500 h 190500"/>
+              </a:gdLst>
+              <a:ahLst/>
+              <a:cxnLst>
+                <a:cxn ang="0">
+                  <a:pos x="connsiteX0" y="connsiteY0"/>
+                </a:cxn>
+                <a:cxn ang="0">
+                  <a:pos x="connsiteX1" y="connsiteY1"/>
+                </a:cxn>
+                <a:cxn ang="0">
+                  <a:pos x="connsiteX2" y="connsiteY2"/>
+                </a:cxn>
+                <a:cxn ang="0">
+                  <a:pos x="connsiteX3" y="connsiteY3"/>
+                </a:cxn>
+              </a:cxnLst>
+              <a:rect l="l" t="t" r="r" b="b"/>
+              <a:pathLst>
+                <a:path w="638175" h="190500">
+                  <a:moveTo>
+                    <a:pt x="0" y="190500"/>
+                  </a:moveTo>
+                  <a:lnTo>
+                    <a:pt x="638175" y="57150"/>
+                  </a:lnTo>
+                  <a:lnTo>
+                    <a:pt x="438150" y="0"/>
+                  </a:lnTo>
+                  <a:lnTo>
+                    <a:pt x="0" y="190500"/>
+                  </a:lnTo>
+                  <a:close/>
+                </a:path>
+              </a:pathLst>
+            </a:custGeom>
+          </p:spPr>
+          <p:style>
+            <a:lnRef idx="2">
+              <a:schemeClr val="accent1">
+                <a:shade val="50000"/>
+              </a:schemeClr>
+            </a:lnRef>
+            <a:fillRef idx="1">
+              <a:schemeClr val="accent1"/>
+            </a:fillRef>
+            <a:effectRef idx="0">
+              <a:schemeClr val="accent1"/>
+            </a:effectRef>
+            <a:fontRef idx="minor">
+              <a:schemeClr val="lt1"/>
+            </a:fontRef>
+          </p:style>
+          <p:txBody>
+            <a:bodyPr rtlCol="0" anchor="ctr"/>
+            <a:lstStyle/>
+            <a:p>
+              <a:pPr algn="ctr"/>
+              <a:endParaRPr lang="zh-CN" altLang="en-US"/>
+            </a:p>
+          </p:txBody>
+        </p:sp>
+        <p:sp>
+          <p:nvSpPr>
+            <p:cNvPr id="100" name="任意多边形 99"/>
+            <p:cNvSpPr/>
+            <p:nvPr/>
+          </p:nvSpPr>
+          <p:spPr>
+            <a:xfrm>
+              <a:off x="6670984" y="2636912"/>
+              <a:ext cx="1428750" cy="1028700"/>
+            </a:xfrm>
+            <a:custGeom>
+              <a:avLst/>
+              <a:gdLst>
+                <a:gd name="connsiteX0" fmla="*/ 0 w 1428750"/>
+                <a:gd name="connsiteY0" fmla="*/ 1028700 h 1028700"/>
+                <a:gd name="connsiteX1" fmla="*/ 714375 w 1428750"/>
+                <a:gd name="connsiteY1" fmla="*/ 723900 h 1028700"/>
+                <a:gd name="connsiteX2" fmla="*/ 1428750 w 1428750"/>
+                <a:gd name="connsiteY2" fmla="*/ 0 h 1028700"/>
+                <a:gd name="connsiteX3" fmla="*/ 0 w 1428750"/>
+                <a:gd name="connsiteY3" fmla="*/ 1028700 h 1028700"/>
+              </a:gdLst>
+              <a:ahLst/>
+              <a:cxnLst>
+                <a:cxn ang="0">
+                  <a:pos x="connsiteX0" y="connsiteY0"/>
+                </a:cxn>
+                <a:cxn ang="0">
+                  <a:pos x="connsiteX1" y="connsiteY1"/>
+                </a:cxn>
+                <a:cxn ang="0">
+                  <a:pos x="connsiteX2" y="connsiteY2"/>
+                </a:cxn>
+                <a:cxn ang="0">
+                  <a:pos x="connsiteX3" y="connsiteY3"/>
+                </a:cxn>
+              </a:cxnLst>
+              <a:rect l="l" t="t" r="r" b="b"/>
+              <a:pathLst>
+                <a:path w="1428750" h="1028700">
+                  <a:moveTo>
+                    <a:pt x="0" y="1028700"/>
+                  </a:moveTo>
+                  <a:lnTo>
+                    <a:pt x="714375" y="723900"/>
+                  </a:lnTo>
+                  <a:lnTo>
+                    <a:pt x="1428750" y="0"/>
+                  </a:lnTo>
+                  <a:lnTo>
+                    <a:pt x="0" y="1028700"/>
+                  </a:lnTo>
+                  <a:close/>
+                </a:path>
+              </a:pathLst>
+            </a:custGeom>
+          </p:spPr>
+          <p:style>
+            <a:lnRef idx="2">
+              <a:schemeClr val="accent1">
+                <a:shade val="50000"/>
+              </a:schemeClr>
+            </a:lnRef>
+            <a:fillRef idx="1">
+              <a:schemeClr val="accent1"/>
+            </a:fillRef>
+            <a:effectRef idx="0">
+              <a:schemeClr val="accent1"/>
+            </a:effectRef>
+            <a:fontRef idx="minor">
+              <a:schemeClr val="lt1"/>
+            </a:fontRef>
+          </p:style>
+          <p:txBody>
+            <a:bodyPr rtlCol="0" anchor="ctr"/>
+            <a:lstStyle/>
+            <a:p>
+              <a:pPr algn="ctr"/>
+              <a:endParaRPr lang="zh-CN" altLang="en-US"/>
+            </a:p>
+          </p:txBody>
+        </p:sp>
+        <p:cxnSp>
+          <p:nvCxnSpPr>
+            <p:cNvPr id="101" name="直接连接符 100"/>
+            <p:cNvCxnSpPr>
+              <a:stCxn id="100" idx="2"/>
+              <a:endCxn id="98" idx="2"/>
+            </p:cNvCxnSpPr>
+            <p:nvPr/>
+          </p:nvCxnSpPr>
+          <p:spPr>
+            <a:xfrm flipH="1">
+              <a:off x="7401807" y="2636912"/>
+              <a:ext cx="697927" cy="722759"/>
+            </a:xfrm>
+            <a:prstGeom prst="line">
+              <a:avLst/>
+            </a:prstGeom>
+            <a:ln w="28575">
+              <a:solidFill>
+                <a:srgbClr val="00B050"/>
+              </a:solidFill>
+            </a:ln>
+          </p:spPr>
+          <p:style>
+            <a:lnRef idx="1">
+              <a:schemeClr val="accent1"/>
+            </a:lnRef>
+            <a:fillRef idx="0">
+              <a:schemeClr val="accent1"/>
+            </a:fillRef>
+            <a:effectRef idx="0">
+              <a:schemeClr val="accent1"/>
+            </a:effectRef>
+            <a:fontRef idx="minor">
+              <a:schemeClr val="tx1"/>
+            </a:fontRef>
+          </p:style>
+        </p:cxnSp>
+        <p:cxnSp>
+          <p:nvCxnSpPr>
+            <p:cNvPr id="102" name="直接连接符 101"/>
+            <p:cNvCxnSpPr>
+              <a:stCxn id="100" idx="0"/>
+            </p:cNvCxnSpPr>
+            <p:nvPr/>
+          </p:nvCxnSpPr>
+          <p:spPr>
+            <a:xfrm flipV="1">
+              <a:off x="6670984" y="3359671"/>
+              <a:ext cx="730823" cy="305941"/>
+            </a:xfrm>
+            <a:prstGeom prst="line">
+              <a:avLst/>
+            </a:prstGeom>
+            <a:ln w="28575">
+              <a:solidFill>
+                <a:srgbClr val="00B050"/>
+              </a:solidFill>
+            </a:ln>
+          </p:spPr>
+          <p:style>
+            <a:lnRef idx="1">
+              <a:schemeClr val="accent1"/>
+            </a:lnRef>
+            <a:fillRef idx="0">
+              <a:schemeClr val="accent1"/>
+            </a:fillRef>
+            <a:effectRef idx="0">
+              <a:schemeClr val="accent1"/>
+            </a:effectRef>
+            <a:fontRef idx="minor">
+              <a:schemeClr val="tx1"/>
+            </a:fontRef>
+          </p:style>
+        </p:cxnSp>
+        <p:cxnSp>
+          <p:nvCxnSpPr>
+            <p:cNvPr id="110" name="直接箭头连接符 109"/>
+            <p:cNvCxnSpPr>
+              <a:stCxn id="100" idx="1"/>
+              <a:endCxn id="98" idx="0"/>
+            </p:cNvCxnSpPr>
+            <p:nvPr/>
+          </p:nvCxnSpPr>
+          <p:spPr>
+            <a:xfrm flipH="1">
+              <a:off x="6660232" y="3360812"/>
+              <a:ext cx="725127" cy="321283"/>
+            </a:xfrm>
+            <a:prstGeom prst="straightConnector1">
+              <a:avLst/>
+            </a:prstGeom>
+            <a:ln w="28575">
+              <a:solidFill>
+                <a:srgbClr val="FF0000"/>
+              </a:solidFill>
+              <a:tailEnd type="arrow"/>
+            </a:ln>
+          </p:spPr>
+          <p:style>
+            <a:lnRef idx="1">
+              <a:schemeClr val="accent1"/>
+            </a:lnRef>
+            <a:fillRef idx="0">
+              <a:schemeClr val="accent1"/>
+            </a:fillRef>
+            <a:effectRef idx="0">
+              <a:schemeClr val="accent1"/>
+            </a:effectRef>
+            <a:fontRef idx="minor">
+              <a:schemeClr val="tx1"/>
+            </a:fontRef>
+          </p:style>
+        </p:cxnSp>
+      </p:grpSp>
+      <p:grpSp>
+        <p:nvGrpSpPr>
+          <p:cNvPr id="154" name="组合 153"/>
+          <p:cNvGrpSpPr/>
+          <p:nvPr/>
+        </p:nvGrpSpPr>
+        <p:grpSpPr>
+          <a:xfrm>
+            <a:off x="1187624" y="3573016"/>
+            <a:ext cx="1439502" cy="1918252"/>
+            <a:chOff x="6660232" y="2636912"/>
+            <a:chExt cx="1439502" cy="1918252"/>
+          </a:xfrm>
+        </p:grpSpPr>
+        <p:sp>
+          <p:nvSpPr>
+            <p:cNvPr id="155" name="任意多边形 154"/>
+            <p:cNvSpPr/>
+            <p:nvPr/>
+          </p:nvSpPr>
+          <p:spPr>
+            <a:xfrm>
+              <a:off x="6668306" y="3430163"/>
+              <a:ext cx="1049997" cy="1125001"/>
+            </a:xfrm>
+            <a:custGeom>
+              <a:avLst/>
+              <a:gdLst>
+                <a:gd name="connsiteX0" fmla="*/ 0 w 1200150"/>
+                <a:gd name="connsiteY0" fmla="*/ 266700 h 1285875"/>
+                <a:gd name="connsiteX1" fmla="*/ 0 w 1200150"/>
+                <a:gd name="connsiteY1" fmla="*/ 1285875 h 1285875"/>
+                <a:gd name="connsiteX2" fmla="*/ 1200150 w 1200150"/>
+                <a:gd name="connsiteY2" fmla="*/ 0 h 1285875"/>
+                <a:gd name="connsiteX3" fmla="*/ 0 w 1200150"/>
+                <a:gd name="connsiteY3" fmla="*/ 266700 h 1285875"/>
+              </a:gdLst>
+              <a:ahLst/>
+              <a:cxnLst>
+                <a:cxn ang="0">
+                  <a:pos x="connsiteX0" y="connsiteY0"/>
+                </a:cxn>
+                <a:cxn ang="0">
+                  <a:pos x="connsiteX1" y="connsiteY1"/>
+                </a:cxn>
+                <a:cxn ang="0">
+                  <a:pos x="connsiteX2" y="connsiteY2"/>
+                </a:cxn>
+                <a:cxn ang="0">
+                  <a:pos x="connsiteX3" y="connsiteY3"/>
+                </a:cxn>
+              </a:cxnLst>
+              <a:rect l="l" t="t" r="r" b="b"/>
+              <a:pathLst>
+                <a:path w="1200150" h="1285875">
+                  <a:moveTo>
+                    <a:pt x="0" y="266700"/>
+                  </a:moveTo>
+                  <a:lnTo>
+                    <a:pt x="0" y="1285875"/>
+                  </a:lnTo>
+                  <a:lnTo>
+                    <a:pt x="1200150" y="0"/>
+                  </a:lnTo>
+                  <a:lnTo>
+                    <a:pt x="0" y="266700"/>
+                  </a:lnTo>
+                  <a:close/>
+                </a:path>
+              </a:pathLst>
+            </a:custGeom>
+          </p:spPr>
+          <p:style>
+            <a:lnRef idx="2">
+              <a:schemeClr val="accent1">
+                <a:shade val="50000"/>
+              </a:schemeClr>
+            </a:lnRef>
+            <a:fillRef idx="1">
+              <a:schemeClr val="accent1"/>
+            </a:fillRef>
+            <a:effectRef idx="0">
+              <a:schemeClr val="accent1"/>
+            </a:effectRef>
+            <a:fontRef idx="minor">
+              <a:schemeClr val="lt1"/>
+            </a:fontRef>
+          </p:style>
+          <p:txBody>
+            <a:bodyPr rtlCol="0" anchor="ctr"/>
+            <a:lstStyle/>
+            <a:p>
+              <a:pPr algn="ctr"/>
+              <a:endParaRPr lang="zh-CN" altLang="en-US"/>
+            </a:p>
+          </p:txBody>
+        </p:sp>
+        <p:sp>
+          <p:nvSpPr>
+            <p:cNvPr id="156" name="任意多边形 155"/>
+            <p:cNvSpPr/>
+            <p:nvPr/>
+          </p:nvSpPr>
+          <p:spPr>
+            <a:xfrm>
+              <a:off x="6660232" y="3359671"/>
+              <a:ext cx="1080120" cy="322424"/>
+            </a:xfrm>
+            <a:custGeom>
+              <a:avLst/>
+              <a:gdLst>
+                <a:gd name="connsiteX0" fmla="*/ 0 w 638175"/>
+                <a:gd name="connsiteY0" fmla="*/ 190500 h 190500"/>
+                <a:gd name="connsiteX1" fmla="*/ 638175 w 638175"/>
+                <a:gd name="connsiteY1" fmla="*/ 57150 h 190500"/>
+                <a:gd name="connsiteX2" fmla="*/ 438150 w 638175"/>
+                <a:gd name="connsiteY2" fmla="*/ 0 h 190500"/>
+                <a:gd name="connsiteX3" fmla="*/ 0 w 638175"/>
+                <a:gd name="connsiteY3" fmla="*/ 190500 h 190500"/>
+              </a:gdLst>
+              <a:ahLst/>
+              <a:cxnLst>
+                <a:cxn ang="0">
+                  <a:pos x="connsiteX0" y="connsiteY0"/>
+                </a:cxn>
+                <a:cxn ang="0">
+                  <a:pos x="connsiteX1" y="connsiteY1"/>
+                </a:cxn>
+                <a:cxn ang="0">
+                  <a:pos x="connsiteX2" y="connsiteY2"/>
+                </a:cxn>
+                <a:cxn ang="0">
+                  <a:pos x="connsiteX3" y="connsiteY3"/>
+                </a:cxn>
+              </a:cxnLst>
+              <a:rect l="l" t="t" r="r" b="b"/>
+              <a:pathLst>
+                <a:path w="638175" h="190500">
+                  <a:moveTo>
+                    <a:pt x="0" y="190500"/>
+                  </a:moveTo>
+                  <a:lnTo>
+                    <a:pt x="638175" y="57150"/>
+                  </a:lnTo>
+                  <a:lnTo>
+                    <a:pt x="438150" y="0"/>
+                  </a:lnTo>
+                  <a:lnTo>
+                    <a:pt x="0" y="190500"/>
+                  </a:lnTo>
+                  <a:close/>
+                </a:path>
+              </a:pathLst>
+            </a:custGeom>
+          </p:spPr>
+          <p:style>
+            <a:lnRef idx="2">
+              <a:schemeClr val="accent1">
+                <a:shade val="50000"/>
+              </a:schemeClr>
+            </a:lnRef>
+            <a:fillRef idx="1">
+              <a:schemeClr val="accent1"/>
+            </a:fillRef>
+            <a:effectRef idx="0">
+              <a:schemeClr val="accent1"/>
+            </a:effectRef>
+            <a:fontRef idx="minor">
+              <a:schemeClr val="lt1"/>
+            </a:fontRef>
+          </p:style>
+          <p:txBody>
+            <a:bodyPr rtlCol="0" anchor="ctr"/>
+            <a:lstStyle/>
+            <a:p>
+              <a:pPr algn="ctr"/>
+              <a:endParaRPr lang="zh-CN" altLang="en-US"/>
+            </a:p>
+          </p:txBody>
+        </p:sp>
+        <p:sp>
+          <p:nvSpPr>
+            <p:cNvPr id="157" name="任意多边形 156"/>
+            <p:cNvSpPr/>
+            <p:nvPr/>
+          </p:nvSpPr>
+          <p:spPr>
+            <a:xfrm>
+              <a:off x="6670984" y="2636912"/>
+              <a:ext cx="1428750" cy="1028700"/>
+            </a:xfrm>
+            <a:custGeom>
+              <a:avLst/>
+              <a:gdLst>
+                <a:gd name="connsiteX0" fmla="*/ 0 w 1428750"/>
+                <a:gd name="connsiteY0" fmla="*/ 1028700 h 1028700"/>
+                <a:gd name="connsiteX1" fmla="*/ 714375 w 1428750"/>
+                <a:gd name="connsiteY1" fmla="*/ 723900 h 1028700"/>
+                <a:gd name="connsiteX2" fmla="*/ 1428750 w 1428750"/>
+                <a:gd name="connsiteY2" fmla="*/ 0 h 1028700"/>
+                <a:gd name="connsiteX3" fmla="*/ 0 w 1428750"/>
+                <a:gd name="connsiteY3" fmla="*/ 1028700 h 1028700"/>
+              </a:gdLst>
+              <a:ahLst/>
+              <a:cxnLst>
+                <a:cxn ang="0">
+                  <a:pos x="connsiteX0" y="connsiteY0"/>
+                </a:cxn>
+                <a:cxn ang="0">
+                  <a:pos x="connsiteX1" y="connsiteY1"/>
+                </a:cxn>
+                <a:cxn ang="0">
+                  <a:pos x="connsiteX2" y="connsiteY2"/>
+                </a:cxn>
+                <a:cxn ang="0">
+                  <a:pos x="connsiteX3" y="connsiteY3"/>
+                </a:cxn>
+              </a:cxnLst>
+              <a:rect l="l" t="t" r="r" b="b"/>
+              <a:pathLst>
+                <a:path w="1428750" h="1028700">
+                  <a:moveTo>
+                    <a:pt x="0" y="1028700"/>
+                  </a:moveTo>
+                  <a:lnTo>
+                    <a:pt x="714375" y="723900"/>
+                  </a:lnTo>
+                  <a:lnTo>
+                    <a:pt x="1428750" y="0"/>
+                  </a:lnTo>
+                  <a:lnTo>
+                    <a:pt x="0" y="1028700"/>
+                  </a:lnTo>
+                  <a:close/>
+                </a:path>
+              </a:pathLst>
+            </a:custGeom>
+          </p:spPr>
+          <p:style>
+            <a:lnRef idx="2">
+              <a:schemeClr val="accent1">
+                <a:shade val="50000"/>
+              </a:schemeClr>
+            </a:lnRef>
+            <a:fillRef idx="1">
+              <a:schemeClr val="accent1"/>
+            </a:fillRef>
+            <a:effectRef idx="0">
+              <a:schemeClr val="accent1"/>
+            </a:effectRef>
+            <a:fontRef idx="minor">
+              <a:schemeClr val="lt1"/>
+            </a:fontRef>
+          </p:style>
+          <p:txBody>
+            <a:bodyPr rtlCol="0" anchor="ctr"/>
+            <a:lstStyle/>
+            <a:p>
+              <a:pPr algn="ctr"/>
+              <a:endParaRPr lang="zh-CN" altLang="en-US"/>
+            </a:p>
+          </p:txBody>
+        </p:sp>
+        <p:cxnSp>
+          <p:nvCxnSpPr>
+            <p:cNvPr id="158" name="直接连接符 157"/>
+            <p:cNvCxnSpPr>
+              <a:stCxn id="157" idx="2"/>
+              <a:endCxn id="156" idx="2"/>
+            </p:cNvCxnSpPr>
+            <p:nvPr/>
+          </p:nvCxnSpPr>
+          <p:spPr>
+            <a:xfrm flipH="1">
+              <a:off x="7401807" y="2636912"/>
+              <a:ext cx="697927" cy="722759"/>
+            </a:xfrm>
+            <a:prstGeom prst="line">
+              <a:avLst/>
+            </a:prstGeom>
+            <a:ln w="28575">
+              <a:solidFill>
+                <a:srgbClr val="00B050"/>
+              </a:solidFill>
+            </a:ln>
+          </p:spPr>
+          <p:style>
+            <a:lnRef idx="1">
+              <a:schemeClr val="accent1"/>
+            </a:lnRef>
+            <a:fillRef idx="0">
+              <a:schemeClr val="accent1"/>
+            </a:fillRef>
+            <a:effectRef idx="0">
+              <a:schemeClr val="accent1"/>
+            </a:effectRef>
+            <a:fontRef idx="minor">
+              <a:schemeClr val="tx1"/>
+            </a:fontRef>
+          </p:style>
+        </p:cxnSp>
+        <p:cxnSp>
+          <p:nvCxnSpPr>
+            <p:cNvPr id="160" name="直接箭头连接符 159"/>
+            <p:cNvCxnSpPr>
+              <a:stCxn id="157" idx="1"/>
+              <a:endCxn id="157" idx="2"/>
+            </p:cNvCxnSpPr>
+            <p:nvPr/>
+          </p:nvCxnSpPr>
+          <p:spPr>
+            <a:xfrm flipV="1">
+              <a:off x="7385359" y="2636912"/>
+              <a:ext cx="714375" cy="723900"/>
+            </a:xfrm>
+            <a:prstGeom prst="straightConnector1">
+              <a:avLst/>
+            </a:prstGeom>
+            <a:ln w="28575">
+              <a:solidFill>
+                <a:srgbClr val="FF0000"/>
+              </a:solidFill>
+              <a:tailEnd type="arrow"/>
+            </a:ln>
+          </p:spPr>
+          <p:style>
+            <a:lnRef idx="1">
+              <a:schemeClr val="accent1"/>
+            </a:lnRef>
+            <a:fillRef idx="0">
+              <a:schemeClr val="accent1"/>
+            </a:fillRef>
+            <a:effectRef idx="0">
+              <a:schemeClr val="accent1"/>
+            </a:effectRef>
+            <a:fontRef idx="minor">
+              <a:schemeClr val="tx1"/>
+            </a:fontRef>
+          </p:style>
+        </p:cxnSp>
+      </p:grpSp>
+      <p:grpSp>
+        <p:nvGrpSpPr>
+          <p:cNvPr id="162" name="组合 161"/>
+          <p:cNvGrpSpPr/>
+          <p:nvPr/>
+        </p:nvGrpSpPr>
+        <p:grpSpPr>
+          <a:xfrm>
+            <a:off x="2555776" y="3501008"/>
+            <a:ext cx="1439502" cy="1918252"/>
+            <a:chOff x="6660232" y="2636912"/>
+            <a:chExt cx="1439502" cy="1918252"/>
+          </a:xfrm>
+        </p:grpSpPr>
+        <p:sp>
+          <p:nvSpPr>
+            <p:cNvPr id="163" name="任意多边形 162"/>
+            <p:cNvSpPr/>
+            <p:nvPr/>
+          </p:nvSpPr>
+          <p:spPr>
+            <a:xfrm>
+              <a:off x="6668306" y="3430163"/>
+              <a:ext cx="1049997" cy="1125001"/>
+            </a:xfrm>
+            <a:custGeom>
+              <a:avLst/>
+              <a:gdLst>
+                <a:gd name="connsiteX0" fmla="*/ 0 w 1200150"/>
+                <a:gd name="connsiteY0" fmla="*/ 266700 h 1285875"/>
+                <a:gd name="connsiteX1" fmla="*/ 0 w 1200150"/>
+                <a:gd name="connsiteY1" fmla="*/ 1285875 h 1285875"/>
+                <a:gd name="connsiteX2" fmla="*/ 1200150 w 1200150"/>
+                <a:gd name="connsiteY2" fmla="*/ 0 h 1285875"/>
+                <a:gd name="connsiteX3" fmla="*/ 0 w 1200150"/>
+                <a:gd name="connsiteY3" fmla="*/ 266700 h 1285875"/>
+              </a:gdLst>
+              <a:ahLst/>
+              <a:cxnLst>
+                <a:cxn ang="0">
+                  <a:pos x="connsiteX0" y="connsiteY0"/>
+                </a:cxn>
+                <a:cxn ang="0">
+                  <a:pos x="connsiteX1" y="connsiteY1"/>
+                </a:cxn>
+                <a:cxn ang="0">
+                  <a:pos x="connsiteX2" y="connsiteY2"/>
+                </a:cxn>
+                <a:cxn ang="0">
+                  <a:pos x="connsiteX3" y="connsiteY3"/>
+                </a:cxn>
+              </a:cxnLst>
+              <a:rect l="l" t="t" r="r" b="b"/>
+              <a:pathLst>
+                <a:path w="1200150" h="1285875">
+                  <a:moveTo>
+                    <a:pt x="0" y="266700"/>
+                  </a:moveTo>
+                  <a:lnTo>
+                    <a:pt x="0" y="1285875"/>
+                  </a:lnTo>
+                  <a:lnTo>
+                    <a:pt x="1200150" y="0"/>
+                  </a:lnTo>
+                  <a:lnTo>
+                    <a:pt x="0" y="266700"/>
+                  </a:lnTo>
+                  <a:close/>
+                </a:path>
+              </a:pathLst>
+            </a:custGeom>
+          </p:spPr>
+          <p:style>
+            <a:lnRef idx="2">
+              <a:schemeClr val="accent1">
+                <a:shade val="50000"/>
+              </a:schemeClr>
+            </a:lnRef>
+            <a:fillRef idx="1">
+              <a:schemeClr val="accent1"/>
+            </a:fillRef>
+            <a:effectRef idx="0">
+              <a:schemeClr val="accent1"/>
+            </a:effectRef>
+            <a:fontRef idx="minor">
+              <a:schemeClr val="lt1"/>
+            </a:fontRef>
+          </p:style>
+          <p:txBody>
+            <a:bodyPr rtlCol="0" anchor="ctr"/>
+            <a:lstStyle/>
+            <a:p>
+              <a:pPr algn="ctr"/>
+              <a:endParaRPr lang="zh-CN" altLang="en-US"/>
+            </a:p>
+          </p:txBody>
+        </p:sp>
+        <p:sp>
+          <p:nvSpPr>
+            <p:cNvPr id="164" name="任意多边形 163"/>
+            <p:cNvSpPr/>
+            <p:nvPr/>
+          </p:nvSpPr>
+          <p:spPr>
+            <a:xfrm>
+              <a:off x="6660232" y="3359671"/>
+              <a:ext cx="1080120" cy="322424"/>
+            </a:xfrm>
+            <a:custGeom>
+              <a:avLst/>
+              <a:gdLst>
+                <a:gd name="connsiteX0" fmla="*/ 0 w 638175"/>
+                <a:gd name="connsiteY0" fmla="*/ 190500 h 190500"/>
+                <a:gd name="connsiteX1" fmla="*/ 638175 w 638175"/>
+                <a:gd name="connsiteY1" fmla="*/ 57150 h 190500"/>
+                <a:gd name="connsiteX2" fmla="*/ 438150 w 638175"/>
+                <a:gd name="connsiteY2" fmla="*/ 0 h 190500"/>
+                <a:gd name="connsiteX3" fmla="*/ 0 w 638175"/>
+                <a:gd name="connsiteY3" fmla="*/ 190500 h 190500"/>
+              </a:gdLst>
+              <a:ahLst/>
+              <a:cxnLst>
+                <a:cxn ang="0">
+                  <a:pos x="connsiteX0" y="connsiteY0"/>
+                </a:cxn>
+                <a:cxn ang="0">
+                  <a:pos x="connsiteX1" y="connsiteY1"/>
+                </a:cxn>
+                <a:cxn ang="0">
+                  <a:pos x="connsiteX2" y="connsiteY2"/>
+                </a:cxn>
+                <a:cxn ang="0">
+                  <a:pos x="connsiteX3" y="connsiteY3"/>
+                </a:cxn>
+              </a:cxnLst>
+              <a:rect l="l" t="t" r="r" b="b"/>
+              <a:pathLst>
+                <a:path w="638175" h="190500">
+                  <a:moveTo>
+                    <a:pt x="0" y="190500"/>
+                  </a:moveTo>
+                  <a:lnTo>
+                    <a:pt x="638175" y="57150"/>
+                  </a:lnTo>
+                  <a:lnTo>
+                    <a:pt x="438150" y="0"/>
+                  </a:lnTo>
+                  <a:lnTo>
+                    <a:pt x="0" y="190500"/>
+                  </a:lnTo>
+                  <a:close/>
+                </a:path>
+              </a:pathLst>
+            </a:custGeom>
+          </p:spPr>
+          <p:style>
+            <a:lnRef idx="2">
+              <a:schemeClr val="accent1">
+                <a:shade val="50000"/>
+              </a:schemeClr>
+            </a:lnRef>
+            <a:fillRef idx="1">
+              <a:schemeClr val="accent1"/>
+            </a:fillRef>
+            <a:effectRef idx="0">
+              <a:schemeClr val="accent1"/>
+            </a:effectRef>
+            <a:fontRef idx="minor">
+              <a:schemeClr val="lt1"/>
+            </a:fontRef>
+          </p:style>
+          <p:txBody>
+            <a:bodyPr rtlCol="0" anchor="ctr"/>
+            <a:lstStyle/>
+            <a:p>
+              <a:pPr algn="ctr"/>
+              <a:endParaRPr lang="zh-CN" altLang="en-US"/>
+            </a:p>
+          </p:txBody>
+        </p:sp>
+        <p:sp>
+          <p:nvSpPr>
+            <p:cNvPr id="165" name="任意多边形 164"/>
+            <p:cNvSpPr/>
+            <p:nvPr/>
+          </p:nvSpPr>
+          <p:spPr>
+            <a:xfrm>
+              <a:off x="6670984" y="2636912"/>
+              <a:ext cx="1428750" cy="1028700"/>
+            </a:xfrm>
+            <a:custGeom>
+              <a:avLst/>
+              <a:gdLst>
+                <a:gd name="connsiteX0" fmla="*/ 0 w 1428750"/>
+                <a:gd name="connsiteY0" fmla="*/ 1028700 h 1028700"/>
+                <a:gd name="connsiteX1" fmla="*/ 714375 w 1428750"/>
+                <a:gd name="connsiteY1" fmla="*/ 723900 h 1028700"/>
+                <a:gd name="connsiteX2" fmla="*/ 1428750 w 1428750"/>
+                <a:gd name="connsiteY2" fmla="*/ 0 h 1028700"/>
+                <a:gd name="connsiteX3" fmla="*/ 0 w 1428750"/>
+                <a:gd name="connsiteY3" fmla="*/ 1028700 h 1028700"/>
+              </a:gdLst>
+              <a:ahLst/>
+              <a:cxnLst>
+                <a:cxn ang="0">
+                  <a:pos x="connsiteX0" y="connsiteY0"/>
+                </a:cxn>
+                <a:cxn ang="0">
+                  <a:pos x="connsiteX1" y="connsiteY1"/>
+                </a:cxn>
+                <a:cxn ang="0">
+                  <a:pos x="connsiteX2" y="connsiteY2"/>
+                </a:cxn>
+                <a:cxn ang="0">
+                  <a:pos x="connsiteX3" y="connsiteY3"/>
+                </a:cxn>
+              </a:cxnLst>
+              <a:rect l="l" t="t" r="r" b="b"/>
+              <a:pathLst>
+                <a:path w="1428750" h="1028700">
+                  <a:moveTo>
+                    <a:pt x="0" y="1028700"/>
+                  </a:moveTo>
+                  <a:lnTo>
+                    <a:pt x="714375" y="723900"/>
+                  </a:lnTo>
+                  <a:lnTo>
+                    <a:pt x="1428750" y="0"/>
+                  </a:lnTo>
+                  <a:lnTo>
+                    <a:pt x="0" y="1028700"/>
+                  </a:lnTo>
+                  <a:close/>
+                </a:path>
+              </a:pathLst>
+            </a:custGeom>
+          </p:spPr>
+          <p:style>
+            <a:lnRef idx="2">
+              <a:schemeClr val="accent1">
+                <a:shade val="50000"/>
+              </a:schemeClr>
+            </a:lnRef>
+            <a:fillRef idx="1">
+              <a:schemeClr val="accent1"/>
+            </a:fillRef>
+            <a:effectRef idx="0">
+              <a:schemeClr val="accent1"/>
+            </a:effectRef>
+            <a:fontRef idx="minor">
+              <a:schemeClr val="lt1"/>
+            </a:fontRef>
+          </p:style>
+          <p:txBody>
+            <a:bodyPr rtlCol="0" anchor="ctr"/>
+            <a:lstStyle/>
+            <a:p>
+              <a:pPr algn="ctr"/>
+              <a:endParaRPr lang="zh-CN" altLang="en-US"/>
+            </a:p>
+          </p:txBody>
+        </p:sp>
+        <p:cxnSp>
+          <p:nvCxnSpPr>
+            <p:cNvPr id="166" name="直接连接符 165"/>
+            <p:cNvCxnSpPr>
+              <a:stCxn id="165" idx="2"/>
+              <a:endCxn id="164" idx="2"/>
+            </p:cNvCxnSpPr>
+            <p:nvPr/>
+          </p:nvCxnSpPr>
+          <p:spPr>
+            <a:xfrm flipH="1">
+              <a:off x="7401807" y="2636912"/>
+              <a:ext cx="697927" cy="722759"/>
+            </a:xfrm>
+            <a:prstGeom prst="line">
+              <a:avLst/>
+            </a:prstGeom>
+            <a:ln w="28575">
+              <a:solidFill>
+                <a:srgbClr val="00B050"/>
+              </a:solidFill>
+            </a:ln>
+          </p:spPr>
+          <p:style>
+            <a:lnRef idx="1">
+              <a:schemeClr val="accent1"/>
+            </a:lnRef>
+            <a:fillRef idx="0">
+              <a:schemeClr val="accent1"/>
+            </a:fillRef>
+            <a:effectRef idx="0">
+              <a:schemeClr val="accent1"/>
+            </a:effectRef>
+            <a:fontRef idx="minor">
+              <a:schemeClr val="tx1"/>
+            </a:fontRef>
+          </p:style>
+        </p:cxnSp>
+      </p:grpSp>
+      <p:sp>
+        <p:nvSpPr>
+          <p:cNvPr id="168" name="任意多边形 167"/>
+          <p:cNvSpPr/>
+          <p:nvPr/>
+        </p:nvSpPr>
+        <p:spPr>
+          <a:xfrm>
+            <a:off x="3320033" y="3516238"/>
+            <a:ext cx="1447800" cy="704850"/>
+          </a:xfrm>
+          <a:custGeom>
+            <a:avLst/>
+            <a:gdLst>
+              <a:gd name="connsiteX0" fmla="*/ 0 w 1447800"/>
+              <a:gd name="connsiteY0" fmla="*/ 704850 h 704850"/>
+              <a:gd name="connsiteX1" fmla="*/ 1447800 w 1447800"/>
+              <a:gd name="connsiteY1" fmla="*/ 628650 h 704850"/>
+              <a:gd name="connsiteX2" fmla="*/ 666750 w 1447800"/>
+              <a:gd name="connsiteY2" fmla="*/ 0 h 704850"/>
+              <a:gd name="connsiteX3" fmla="*/ 0 w 1447800"/>
+              <a:gd name="connsiteY3" fmla="*/ 704850 h 704850"/>
+            </a:gdLst>
+            <a:ahLst/>
+            <a:cxnLst>
+              <a:cxn ang="0">
+                <a:pos x="connsiteX0" y="connsiteY0"/>
+              </a:cxn>
+              <a:cxn ang="0">
+                <a:pos x="connsiteX1" y="connsiteY1"/>
+              </a:cxn>
+              <a:cxn ang="0">
+                <a:pos x="connsiteX2" y="connsiteY2"/>
+              </a:cxn>
+              <a:cxn ang="0">
+                <a:pos x="connsiteX3" y="connsiteY3"/>
+              </a:cxn>
+            </a:cxnLst>
+            <a:rect l="l" t="t" r="r" b="b"/>
+            <a:pathLst>
+              <a:path w="1447800" h="704850">
+                <a:moveTo>
+                  <a:pt x="0" y="704850"/>
+                </a:moveTo>
+                <a:lnTo>
+                  <a:pt x="1447800" y="628650"/>
+                </a:lnTo>
+                <a:lnTo>
+                  <a:pt x="666750" y="0"/>
+                </a:lnTo>
+                <a:lnTo>
+                  <a:pt x="0" y="704850"/>
+                </a:lnTo>
+                <a:close/>
+              </a:path>
+            </a:pathLst>
+          </a:custGeom>
+        </p:spPr>
+        <p:style>
+          <a:lnRef idx="2">
+            <a:schemeClr val="accent1">
+              <a:shade val="50000"/>
+            </a:schemeClr>
+          </a:lnRef>
+          <a:fillRef idx="1">
+            <a:schemeClr val="accent1"/>
+          </a:fillRef>
+          <a:effectRef idx="0">
+            <a:schemeClr val="accent1"/>
+          </a:effectRef>
+          <a:fontRef idx="minor">
+            <a:schemeClr val="lt1"/>
+          </a:fontRef>
+        </p:style>
+        <p:txBody>
+          <a:bodyPr rtlCol="0" anchor="ctr"/>
+          <a:lstStyle/>
+          <a:p>
+            <a:pPr algn="ctr"/>
+            <a:endParaRPr lang="zh-CN" altLang="en-US"/>
+          </a:p>
+        </p:txBody>
+      </p:sp>
+      <p:cxnSp>
+        <p:nvCxnSpPr>
+          <p:cNvPr id="169" name="直接箭头连接符 168"/>
+          <p:cNvCxnSpPr/>
+          <p:nvPr/>
+        </p:nvCxnSpPr>
+        <p:spPr>
+          <a:xfrm flipV="1">
+            <a:off x="3280903" y="3501008"/>
+            <a:ext cx="714375" cy="723900"/>
+          </a:xfrm>
+          <a:prstGeom prst="straightConnector1">
+            <a:avLst/>
+          </a:prstGeom>
+          <a:ln w="28575">
+            <a:solidFill>
+              <a:srgbClr val="FF0000"/>
+            </a:solidFill>
+            <a:tailEnd type="arrow"/>
+          </a:ln>
+        </p:spPr>
+        <p:style>
+          <a:lnRef idx="1">
+            <a:schemeClr val="accent1"/>
+          </a:lnRef>
+          <a:fillRef idx="0">
+            <a:schemeClr val="accent1"/>
+          </a:fillRef>
+          <a:effectRef idx="0">
+            <a:schemeClr val="accent1"/>
+          </a:effectRef>
+          <a:fontRef idx="minor">
+            <a:schemeClr val="tx1"/>
+          </a:fontRef>
+        </p:style>
+      </p:cxnSp>
+      <p:cxnSp>
+        <p:nvCxnSpPr>
+          <p:cNvPr id="170" name="直接连接符 169"/>
+          <p:cNvCxnSpPr>
+            <a:stCxn id="168" idx="1"/>
+          </p:cNvCxnSpPr>
+          <p:nvPr/>
+        </p:nvCxnSpPr>
+        <p:spPr>
+          <a:xfrm flipH="1" flipV="1">
+            <a:off x="3995937" y="3492082"/>
+            <a:ext cx="771896" cy="652806"/>
+          </a:xfrm>
+          <a:prstGeom prst="line">
+            <a:avLst/>
+          </a:prstGeom>
+          <a:ln w="28575">
+            <a:solidFill>
+              <a:srgbClr val="00B050"/>
+            </a:solidFill>
+          </a:ln>
+        </p:spPr>
+        <p:style>
+          <a:lnRef idx="1">
+            <a:schemeClr val="accent1"/>
+          </a:lnRef>
+          <a:fillRef idx="0">
+            <a:schemeClr val="accent1"/>
+          </a:fillRef>
+          <a:effectRef idx="0">
+            <a:schemeClr val="accent1"/>
+          </a:effectRef>
+          <a:fontRef idx="minor">
+            <a:schemeClr val="tx1"/>
+          </a:fontRef>
+        </p:style>
+      </p:cxnSp>
+      <p:cxnSp>
+        <p:nvCxnSpPr>
+          <p:cNvPr id="172" name="直接箭头连接符 171"/>
+          <p:cNvCxnSpPr>
+            <a:stCxn id="165" idx="1"/>
+            <a:endCxn id="168" idx="1"/>
+          </p:cNvCxnSpPr>
+          <p:nvPr/>
+        </p:nvCxnSpPr>
+        <p:spPr>
+          <a:xfrm flipV="1">
+            <a:off x="3280903" y="4144888"/>
+            <a:ext cx="1486930" cy="80020"/>
+          </a:xfrm>
+          <a:prstGeom prst="straightConnector1">
+            <a:avLst/>
+          </a:prstGeom>
+          <a:ln w="28575">
+            <a:solidFill>
+              <a:srgbClr val="FF0000"/>
+            </a:solidFill>
+            <a:tailEnd type="arrow"/>
+          </a:ln>
+        </p:spPr>
+        <p:style>
+          <a:lnRef idx="1">
+            <a:schemeClr val="accent1"/>
+          </a:lnRef>
+          <a:fillRef idx="0">
+            <a:schemeClr val="accent1"/>
+          </a:fillRef>
+          <a:effectRef idx="0">
+            <a:schemeClr val="accent1"/>
+          </a:effectRef>
+          <a:fontRef idx="minor">
+            <a:schemeClr val="tx1"/>
+          </a:fontRef>
+        </p:style>
+      </p:cxnSp>
+    </p:spTree>
+  </p:cSld>
+  <p:clrMapOvr>
+    <a:masterClrMapping/>
+  </p:clrMapOvr>
+  <p:timing>
+    <p:tnLst>
+      <p:par>
+        <p:cTn id="1" dur="indefinite" restart="never" nodeType="tmRoot"/>
+      </p:par>
+    </p:tnLst>
+  </p:timing>
+</p:sld>
+</file>
+
+<file path=ppt/slides/slide24.xml><?xml version="1.0" encoding="utf-8"?>
+<p:sld xmlns:a="http://schemas.openxmlformats.org/drawingml/2006/main" xmlns:r="http://schemas.openxmlformats.org/officeDocument/2006/relationships" xmlns:p="http://schemas.openxmlformats.org/presentationml/2006/main">
+  <p:cSld>
+    <p:spTree>
+      <p:nvGrpSpPr>
+        <p:cNvPr id="1" name=""/>
+        <p:cNvGrpSpPr/>
+        <p:nvPr/>
+      </p:nvGrpSpPr>
+      <p:grpSpPr>
+        <a:xfrm>
+          <a:off x="0" y="0"/>
+          <a:ext cx="0" cy="0"/>
+          <a:chOff x="0" y="0"/>
+          <a:chExt cx="0" cy="0"/>
+        </a:xfrm>
+      </p:grpSpPr>
+      <p:sp>
+        <p:nvSpPr>
+          <p:cNvPr id="2" name="标题 1"/>
+          <p:cNvSpPr>
+            <a:spLocks noGrp="1"/>
+          </p:cNvSpPr>
+          <p:nvPr>
+            <p:ph type="title"/>
+          </p:nvPr>
+        </p:nvSpPr>
+        <p:spPr>
+          <a:xfrm>
+            <a:off x="374848" y="2492896"/>
+            <a:ext cx="8229600" cy="1143000"/>
+          </a:xfrm>
+        </p:spPr>
+        <p:txBody>
+          <a:bodyPr>
+            <a:noAutofit/>
+          </a:bodyPr>
+          <a:lstStyle/>
+          <a:p>
+            <a:r>
+              <a:rPr lang="en-US" altLang="zh-CN" sz="9600" dirty="0" smtClean="0"/>
+              <a:t>Q&amp;A</a:t>
+            </a:r>
+            <a:endParaRPr lang="zh-CN" altLang="en-US" sz="9600" dirty="0"/>
+          </a:p>
+        </p:txBody>
+      </p:sp>
+    </p:spTree>
+  </p:cSld>
+  <p:clrMapOvr>
+    <a:masterClrMapping/>
+  </p:clrMapOvr>
+  <p:timing>
+    <p:tnLst>
+      <p:par>
+        <p:cTn id="1" dur="indefinite" restart="never" nodeType="tmRoot"/>
+      </p:par>
+    </p:tnLst>
+  </p:timing>
 </p:sld>
 </file>
 
@@ -5485,6 +9060,13 @@
   <p:clrMapOvr>
     <a:masterClrMapping/>
   </p:clrMapOvr>
+  <p:timing>
+    <p:tnLst>
+      <p:par>
+        <p:cTn id="1" dur="indefinite" restart="never" nodeType="tmRoot"/>
+      </p:par>
+    </p:tnLst>
+  </p:timing>
 </p:sld>
 </file>
 
@@ -5640,6 +9222,13 @@
   <p:clrMapOvr>
     <a:masterClrMapping/>
   </p:clrMapOvr>
+  <p:timing>
+    <p:tnLst>
+      <p:par>
+        <p:cTn id="1" dur="indefinite" restart="never" nodeType="tmRoot"/>
+      </p:par>
+    </p:tnLst>
+  </p:timing>
 </p:sld>
 </file>
 
@@ -7109,6 +10698,13 @@
   <p:clrMapOvr>
     <a:masterClrMapping/>
   </p:clrMapOvr>
+  <p:timing>
+    <p:tnLst>
+      <p:par>
+        <p:cTn id="1" dur="indefinite" restart="never" nodeType="tmRoot"/>
+      </p:par>
+    </p:tnLst>
+  </p:timing>
 </p:sld>
 </file>
 
@@ -7145,10 +10741,10 @@
           <a:lstStyle/>
           <a:p>
             <a:r>
-              <a:rPr lang="zh-CN" altLang="en-US" dirty="0" smtClean="0"/>
+              <a:rPr lang="zh-CN" altLang="en-US" b="1" dirty="0" smtClean="0"/>
               <a:t>最小堆</a:t>
             </a:r>
-            <a:endParaRPr lang="zh-CN" altLang="en-US" dirty="0"/>
+            <a:endParaRPr lang="zh-CN" altLang="en-US" b="1" dirty="0"/>
           </a:p>
         </p:txBody>
       </p:sp>
@@ -7173,77 +10769,77 @@
               <a:buNone/>
             </a:pPr>
             <a:r>
-              <a:rPr lang="en-US" altLang="zh-CN" dirty="0" smtClean="0"/>
+              <a:rPr lang="en-US" altLang="zh-CN" b="1" dirty="0" smtClean="0"/>
               <a:t>1.Open</a:t>
             </a:r>
             <a:r>
-              <a:rPr lang="zh-CN" altLang="en-US" dirty="0" smtClean="0"/>
+              <a:rPr lang="zh-CN" altLang="en-US" b="1" dirty="0" smtClean="0"/>
               <a:t>列表用最小堆来维护</a:t>
             </a:r>
-            <a:endParaRPr lang="en-US" altLang="zh-CN" dirty="0" smtClean="0"/>
+            <a:endParaRPr lang="en-US" altLang="zh-CN" b="1" dirty="0" smtClean="0"/>
           </a:p>
           <a:p>
             <a:pPr>
               <a:buNone/>
             </a:pPr>
             <a:r>
-              <a:rPr lang="en-US" altLang="zh-CN" dirty="0" smtClean="0"/>
+              <a:rPr lang="en-US" altLang="zh-CN" b="1" dirty="0" smtClean="0"/>
               <a:t>2.</a:t>
             </a:r>
             <a:r>
-              <a:rPr lang="zh-CN" altLang="en-US" dirty="0" smtClean="0"/>
+              <a:rPr lang="zh-CN" altLang="en-US" b="1" dirty="0" smtClean="0"/>
               <a:t>最小堆性质：</a:t>
             </a:r>
-            <a:endParaRPr lang="en-US" altLang="zh-CN" dirty="0" smtClean="0"/>
+            <a:endParaRPr lang="en-US" altLang="zh-CN" b="1" dirty="0" smtClean="0"/>
           </a:p>
           <a:p>
             <a:pPr>
               <a:buNone/>
             </a:pPr>
             <a:r>
-              <a:rPr lang="zh-CN" altLang="en-US" dirty="0" smtClean="0"/>
+              <a:rPr lang="zh-CN" altLang="en-US" b="1" dirty="0" smtClean="0"/>
               <a:t>根节点的值最小</a:t>
             </a:r>
-            <a:endParaRPr lang="en-US" altLang="zh-CN" dirty="0" smtClean="0"/>
+            <a:endParaRPr lang="en-US" altLang="zh-CN" b="1" dirty="0" smtClean="0"/>
           </a:p>
           <a:p>
             <a:pPr>
               <a:buNone/>
             </a:pPr>
             <a:r>
-              <a:rPr lang="zh-CN" altLang="en-US" dirty="0"/>
+              <a:rPr lang="zh-CN" altLang="en-US" b="1" dirty="0"/>
               <a:t>父</a:t>
             </a:r>
             <a:r>
-              <a:rPr lang="zh-CN" altLang="en-US" dirty="0" smtClean="0"/>
+              <a:rPr lang="zh-CN" altLang="en-US" b="1" dirty="0" smtClean="0"/>
               <a:t>节点的值必定大于或等于子节点的值</a:t>
             </a:r>
-            <a:endParaRPr lang="en-US" altLang="zh-CN" dirty="0" smtClean="0"/>
+            <a:endParaRPr lang="en-US" altLang="zh-CN" b="1" dirty="0" smtClean="0"/>
           </a:p>
           <a:p>
             <a:pPr>
               <a:buNone/>
             </a:pPr>
             <a:r>
-              <a:rPr lang="en-US" altLang="zh-CN" dirty="0" smtClean="0"/>
+              <a:rPr lang="en-US" altLang="zh-CN" b="1" dirty="0" smtClean="0"/>
               <a:t>3.</a:t>
             </a:r>
             <a:r>
-              <a:rPr lang="zh-CN" altLang="en-US" dirty="0" smtClean="0"/>
+              <a:rPr lang="zh-CN" altLang="en-US" b="1" dirty="0" smtClean="0"/>
               <a:t>效率：</a:t>
             </a:r>
-            <a:endParaRPr lang="en-US" altLang="zh-CN" dirty="0" smtClean="0"/>
+            <a:endParaRPr lang="en-US" altLang="zh-CN" b="1" dirty="0" smtClean="0"/>
           </a:p>
           <a:p>
             <a:pPr>
               <a:buNone/>
             </a:pPr>
             <a:r>
-              <a:rPr lang="zh-CN" altLang="en-US" dirty="0" smtClean="0"/>
+              <a:rPr lang="zh-CN" altLang="en-US" b="1" dirty="0" smtClean="0"/>
               <a:t>添加</a:t>
             </a:r>
             <a:r>
-              <a:rPr lang="en-US" altLang="zh-CN" dirty="0" smtClean="0"/>
+              <a:rPr lang="en-US" altLang="zh-CN" b="1" dirty="0" smtClean="0"/>
               <a:t>:O(log(n))</a:t>
             </a:r>
           </a:p>
@@ -7252,11 +10848,11 @@
               <a:buNone/>
             </a:pPr>
             <a:r>
-              <a:rPr lang="zh-CN" altLang="en-US" dirty="0" smtClean="0"/>
+              <a:rPr lang="zh-CN" altLang="en-US" b="1" dirty="0" smtClean="0"/>
               <a:t>更新：</a:t>
             </a:r>
             <a:r>
-              <a:rPr lang="en-US" altLang="zh-CN" dirty="0" smtClean="0"/>
+              <a:rPr lang="en-US" altLang="zh-CN" b="1" dirty="0" smtClean="0"/>
               <a:t>O(log(n))</a:t>
             </a:r>
           </a:p>
@@ -7265,11 +10861,11 @@
               <a:buNone/>
             </a:pPr>
             <a:r>
-              <a:rPr lang="zh-CN" altLang="en-US" dirty="0" smtClean="0"/>
+              <a:rPr lang="zh-CN" altLang="en-US" b="1" dirty="0" smtClean="0"/>
               <a:t>删除：</a:t>
             </a:r>
             <a:r>
-              <a:rPr lang="en-US" altLang="zh-CN" dirty="0" smtClean="0"/>
+              <a:rPr lang="en-US" altLang="zh-CN" b="1" dirty="0" smtClean="0"/>
               <a:t>O(1)</a:t>
             </a:r>
           </a:p>
@@ -7286,6 +10882,13 @@
   <p:clrMapOvr>
     <a:masterClrMapping/>
   </p:clrMapOvr>
+  <p:timing>
+    <p:tnLst>
+      <p:par>
+        <p:cTn id="1" dur="indefinite" restart="never" nodeType="tmRoot"/>
+      </p:par>
+    </p:tnLst>
+  </p:timing>
 </p:sld>
 </file>
 
@@ -7322,10 +10925,18 @@
           <a:lstStyle/>
           <a:p>
             <a:r>
-              <a:rPr lang="zh-CN" altLang="en-US" b="1" dirty="0" smtClean="0"/>
-              <a:t>路径优化</a:t>
-            </a:r>
-            <a:endParaRPr lang="zh-CN" altLang="en-US" b="1" dirty="0"/>
+              <a:rPr lang="zh-CN" altLang="en-US" dirty="0" smtClean="0"/>
+              <a:t>基于格子的</a:t>
+            </a:r>
+            <a:r>
+              <a:rPr lang="en-US" altLang="zh-CN" dirty="0" smtClean="0"/>
+              <a:t>A</a:t>
+            </a:r>
+            <a:r>
+              <a:rPr lang="zh-CN" altLang="en-US" dirty="0" smtClean="0"/>
+              <a:t>*算法</a:t>
+            </a:r>
+            <a:endParaRPr lang="zh-CN" altLang="en-US" dirty="0"/>
           </a:p>
         </p:txBody>
       </p:sp>
@@ -7341,29 +10952,117 @@
         </p:nvSpPr>
         <p:spPr/>
         <p:txBody>
-          <a:bodyPr/>
+          <a:bodyPr>
+            <a:normAutofit fontScale="92500" lnSpcReduction="10000"/>
+          </a:bodyPr>
           <a:lstStyle/>
           <a:p>
             <a:r>
+              <a:rPr lang="zh-CN" altLang="en-US" b="1" dirty="0" smtClean="0"/>
+              <a:t>后续节点：当前节点相邻的八个方向的节点为后续节点。</a:t>
+            </a:r>
+            <a:endParaRPr lang="en-US" altLang="zh-CN" b="1" dirty="0" smtClean="0"/>
+          </a:p>
+          <a:p>
+            <a:r>
+              <a:rPr lang="zh-CN" altLang="en-US" b="1" dirty="0" smtClean="0"/>
+              <a:t>当前点</a:t>
+            </a:r>
+            <a:r>
               <a:rPr lang="en-US" altLang="zh-CN" b="1" dirty="0" err="1" smtClean="0"/>
-              <a:t>Floyed</a:t>
-            </a:r>
-            <a:r>
-              <a:rPr lang="zh-CN" altLang="en-US" b="1" dirty="0" smtClean="0"/>
-              <a:t>路径优化算法</a:t>
-            </a:r>
-            <a:endParaRPr lang="en-US" altLang="zh-CN" b="1" dirty="0" smtClean="0"/>
-          </a:p>
-          <a:p>
+              <a:t>currentNode</a:t>
+            </a:r>
+            <a:r>
+              <a:rPr lang="zh-CN" altLang="en-US" b="1" dirty="0" smtClean="0"/>
+              <a:t>与后续节点</a:t>
+            </a:r>
             <a:r>
               <a:rPr lang="en-US" altLang="zh-CN" b="1" dirty="0" err="1" smtClean="0"/>
-              <a:t>Bresenham</a:t>
-            </a:r>
-            <a:r>
-              <a:rPr lang="zh-CN" altLang="en-US" b="1" dirty="0" smtClean="0"/>
-              <a:t>直线算法</a:t>
-            </a:r>
-            <a:endParaRPr lang="zh-CN" altLang="en-US" b="1" dirty="0"/>
+              <a:t>nextNode</a:t>
+            </a:r>
+            <a:r>
+              <a:rPr lang="zh-CN" altLang="en-US" b="1" dirty="0" smtClean="0"/>
+              <a:t>的距离为两点间的直线距离</a:t>
+            </a:r>
+            <a:r>
+              <a:rPr lang="en-US" altLang="zh-CN" b="1" dirty="0" smtClean="0"/>
+              <a:t>g0</a:t>
+            </a:r>
+            <a:r>
+              <a:rPr lang="zh-CN" altLang="en-US" b="1" dirty="0" smtClean="0"/>
+              <a:t>。</a:t>
+            </a:r>
+            <a:r>
+              <a:rPr lang="en-US" altLang="zh-CN" b="1" dirty="0" smtClean="0"/>
+              <a:t>g(</a:t>
+            </a:r>
+            <a:r>
+              <a:rPr lang="en-US" altLang="zh-CN" b="1" dirty="0" err="1" smtClean="0"/>
+              <a:t>nextNode</a:t>
+            </a:r>
+            <a:r>
+              <a:rPr lang="en-US" altLang="zh-CN" b="1" dirty="0" smtClean="0"/>
+              <a:t>) = g(</a:t>
+            </a:r>
+            <a:r>
+              <a:rPr lang="en-US" altLang="zh-CN" b="1" dirty="0" err="1" smtClean="0"/>
+              <a:t>currentNode</a:t>
+            </a:r>
+            <a:r>
+              <a:rPr lang="en-US" altLang="zh-CN" b="1" dirty="0" smtClean="0"/>
+              <a:t>)+g0</a:t>
+            </a:r>
+          </a:p>
+          <a:p>
+            <a:r>
+              <a:rPr lang="en-US" altLang="zh-CN" b="1" dirty="0" smtClean="0"/>
+              <a:t>h: </a:t>
+            </a:r>
+            <a:r>
+              <a:rPr lang="en-US" altLang="zh-CN" b="1" dirty="0" err="1" smtClean="0"/>
+              <a:t>nextNode</a:t>
+            </a:r>
+            <a:r>
+              <a:rPr lang="zh-CN" altLang="en-US" b="1" dirty="0" smtClean="0"/>
+              <a:t>（坐标为</a:t>
+            </a:r>
+            <a:r>
+              <a:rPr lang="en-US" altLang="zh-CN" b="1" dirty="0" smtClean="0"/>
+              <a:t>x1,y1)</a:t>
+            </a:r>
+            <a:r>
+              <a:rPr lang="zh-CN" altLang="en-US" b="1" dirty="0" smtClean="0"/>
+              <a:t>到达目标节点</a:t>
+            </a:r>
+            <a:r>
+              <a:rPr lang="en-US" altLang="zh-CN" b="1" dirty="0" smtClean="0"/>
+              <a:t>(</a:t>
+            </a:r>
+            <a:r>
+              <a:rPr lang="zh-CN" altLang="en-US" b="1" dirty="0" smtClean="0"/>
+              <a:t>坐标为</a:t>
+            </a:r>
+            <a:r>
+              <a:rPr lang="en-US" altLang="zh-CN" b="1" dirty="0" smtClean="0"/>
+              <a:t>x2,y2)</a:t>
+            </a:r>
+            <a:r>
+              <a:rPr lang="zh-CN" altLang="en-US" b="1" dirty="0" smtClean="0"/>
+              <a:t>的估计移动开销为</a:t>
+            </a:r>
+            <a:r>
+              <a:rPr lang="en-US" altLang="zh-CN" b="1" dirty="0" smtClean="0"/>
+              <a:t>1.4</a:t>
+            </a:r>
+            <a:r>
+              <a:rPr lang="zh-CN" altLang="en-US" b="1" dirty="0" smtClean="0"/>
+              <a:t>*</a:t>
+            </a:r>
+            <a:r>
+              <a:rPr lang="en-US" altLang="zh-CN" b="1" dirty="0" smtClean="0"/>
+              <a:t>Math.min(Math.abs(x1-x2),Math.abs(y1-y2))+Math.abs(Math.min(Math.abs(x1-x2)-Math.abs(y1-y2))</a:t>
+            </a:r>
+            <a:endParaRPr lang="zh-CN" altLang="en-US" dirty="0"/>
           </a:p>
         </p:txBody>
       </p:sp>
@@ -7372,6 +11071,13 @@
   <p:clrMapOvr>
     <a:masterClrMapping/>
   </p:clrMapOvr>
+  <p:timing>
+    <p:tnLst>
+      <p:par>
+        <p:cTn id="1" dur="indefinite" restart="never" nodeType="tmRoot"/>
+      </p:par>
+    </p:tnLst>
+  </p:timing>
 </p:sld>
 </file>
 
@@ -7409,7 +11115,7 @@
           <a:p>
             <a:r>
               <a:rPr lang="zh-CN" altLang="en-US" b="1" dirty="0" smtClean="0"/>
-              <a:t>基于导航网格的寻路</a:t>
+              <a:t>路径优化</a:t>
             </a:r>
             <a:endParaRPr lang="zh-CN" altLang="en-US" b="1" dirty="0"/>
           </a:p>
@@ -7431,57 +11137,31 @@
           <a:lstStyle/>
           <a:p>
             <a:r>
-              <a:rPr lang="en-US" altLang="zh-CN" b="1" dirty="0" smtClean="0"/>
-              <a:t>1.</a:t>
-            </a:r>
-            <a:r>
-              <a:rPr lang="zh-CN" altLang="en-US" b="1" dirty="0" smtClean="0"/>
-              <a:t>多边形合并算法</a:t>
+              <a:rPr lang="en-US" altLang="zh-CN" b="1" dirty="0" err="1" smtClean="0"/>
+              <a:t>Floyed</a:t>
+            </a:r>
+            <a:r>
+              <a:rPr lang="zh-CN" altLang="en-US" b="1" dirty="0" smtClean="0"/>
+              <a:t>路径优化</a:t>
+            </a:r>
+            <a:r>
+              <a:rPr lang="zh-CN" altLang="en-US" b="1" dirty="0" smtClean="0"/>
+              <a:t>算法</a:t>
             </a:r>
             <a:endParaRPr lang="en-US" altLang="zh-CN" b="1" dirty="0" smtClean="0"/>
           </a:p>
           <a:p>
             <a:r>
-              <a:rPr lang="en-US" altLang="zh-CN" b="1" dirty="0" smtClean="0"/>
-              <a:t>2.</a:t>
-            </a:r>
-            <a:r>
-              <a:rPr lang="zh-CN" altLang="en-US" b="1" dirty="0" smtClean="0"/>
-              <a:t>三角剖分算法</a:t>
-            </a:r>
-            <a:endParaRPr lang="en-US" altLang="zh-CN" b="1" dirty="0" smtClean="0"/>
-          </a:p>
-          <a:p>
-            <a:r>
-              <a:rPr lang="en-US" altLang="zh-CN" b="1" dirty="0" smtClean="0"/>
-              <a:t>3.</a:t>
-            </a:r>
-            <a:r>
-              <a:rPr lang="zh-CN" altLang="en-US" b="1" dirty="0" smtClean="0"/>
-              <a:t>基于导航网格的</a:t>
-            </a:r>
-            <a:r>
-              <a:rPr lang="en-US" altLang="zh-CN" b="1" dirty="0" smtClean="0"/>
-              <a:t>A</a:t>
-            </a:r>
-            <a:r>
-              <a:rPr lang="zh-CN" altLang="en-US" b="1" dirty="0" smtClean="0"/>
-              <a:t>*寻路</a:t>
-            </a:r>
-            <a:endParaRPr lang="en-US" altLang="zh-CN" b="1" dirty="0" smtClean="0"/>
-          </a:p>
-          <a:p>
-            <a:r>
-              <a:rPr lang="en-US" altLang="zh-CN" b="1" dirty="0" smtClean="0"/>
-              <a:t>4.</a:t>
-            </a:r>
-            <a:r>
-              <a:rPr lang="zh-CN" altLang="en-US" b="1" dirty="0"/>
-              <a:t>路径</a:t>
-            </a:r>
-            <a:r>
-              <a:rPr lang="zh-CN" altLang="en-US" b="1" dirty="0" smtClean="0"/>
-              <a:t>优化</a:t>
+              <a:rPr lang="en-US" altLang="zh-CN" b="1" dirty="0" err="1" smtClean="0"/>
+              <a:t>Bresenham</a:t>
+            </a:r>
+            <a:r>
+              <a:rPr lang="zh-CN" altLang="en-US" b="1" smtClean="0"/>
+              <a:t>直线</a:t>
+            </a:r>
+            <a:r>
+              <a:rPr lang="zh-CN" altLang="en-US" b="1" smtClean="0"/>
+              <a:t>算法</a:t>
             </a:r>
             <a:endParaRPr lang="zh-CN" altLang="en-US" b="1" dirty="0"/>
           </a:p>
@@ -7492,6 +11172,13 @@
   <p:clrMapOvr>
     <a:masterClrMapping/>
   </p:clrMapOvr>
+  <p:timing>
+    <p:tnLst>
+      <p:par>
+        <p:cTn id="1" dur="indefinite" restart="never" nodeType="tmRoot"/>
+      </p:par>
+    </p:tnLst>
+  </p:timing>
 </p:sld>
 </file>
 
@@ -7512,43 +11199,113 @@
           <a:chExt cx="0" cy="0"/>
         </a:xfrm>
       </p:grpSpPr>
-      <p:pic>
-        <p:nvPicPr>
-          <p:cNvPr id="2050" name="Picture 2"/>
-          <p:cNvPicPr>
-            <a:picLocks noChangeAspect="1" noChangeArrowheads="1"/>
-          </p:cNvPicPr>
-          <p:nvPr/>
-        </p:nvPicPr>
-        <p:blipFill>
-          <a:blip r:embed="rId2" cstate="print"/>
-          <a:srcRect/>
-          <a:stretch>
-            <a:fillRect/>
-          </a:stretch>
-        </p:blipFill>
-        <p:spPr bwMode="auto">
-          <a:xfrm>
-            <a:off x="333611" y="941065"/>
-            <a:ext cx="8486861" cy="5080223"/>
-          </a:xfrm>
-          <a:prstGeom prst="rect">
-            <a:avLst/>
-          </a:prstGeom>
-          <a:noFill/>
-          <a:ln w="9525">
-            <a:noFill/>
-            <a:miter lim="800000"/>
-            <a:headEnd/>
-            <a:tailEnd/>
-          </a:ln>
-        </p:spPr>
-      </p:pic>
+      <p:sp>
+        <p:nvSpPr>
+          <p:cNvPr id="2" name="标题 1"/>
+          <p:cNvSpPr>
+            <a:spLocks noGrp="1"/>
+          </p:cNvSpPr>
+          <p:nvPr>
+            <p:ph type="title"/>
+          </p:nvPr>
+        </p:nvSpPr>
+        <p:spPr/>
+        <p:txBody>
+          <a:bodyPr/>
+          <a:lstStyle/>
+          <a:p>
+            <a:r>
+              <a:rPr lang="zh-CN" altLang="en-US" b="1" dirty="0" smtClean="0"/>
+              <a:t>基于导航网格的寻路</a:t>
+            </a:r>
+            <a:endParaRPr lang="zh-CN" altLang="en-US" b="1" dirty="0"/>
+          </a:p>
+        </p:txBody>
+      </p:sp>
+      <p:sp>
+        <p:nvSpPr>
+          <p:cNvPr id="3" name="内容占位符 2"/>
+          <p:cNvSpPr>
+            <a:spLocks noGrp="1"/>
+          </p:cNvSpPr>
+          <p:nvPr>
+            <p:ph idx="1"/>
+          </p:nvPr>
+        </p:nvSpPr>
+        <p:spPr/>
+        <p:txBody>
+          <a:bodyPr/>
+          <a:lstStyle/>
+          <a:p>
+            <a:r>
+              <a:rPr lang="en-US" altLang="zh-CN" b="1" dirty="0" smtClean="0"/>
+              <a:t>1.</a:t>
+            </a:r>
+            <a:r>
+              <a:rPr lang="zh-CN" altLang="en-US" b="1" dirty="0" smtClean="0"/>
+              <a:t>多边形合并算法</a:t>
+            </a:r>
+            <a:endParaRPr lang="en-US" altLang="zh-CN" b="1" dirty="0" smtClean="0"/>
+          </a:p>
+          <a:p>
+            <a:r>
+              <a:rPr lang="en-US" altLang="zh-CN" b="1" dirty="0" smtClean="0"/>
+              <a:t>2.</a:t>
+            </a:r>
+            <a:r>
+              <a:rPr lang="zh-CN" altLang="en-US" b="1" dirty="0" smtClean="0"/>
+              <a:t>三角剖分算法</a:t>
+            </a:r>
+            <a:endParaRPr lang="en-US" altLang="zh-CN" b="1" dirty="0" smtClean="0"/>
+          </a:p>
+          <a:p>
+            <a:r>
+              <a:rPr lang="en-US" altLang="zh-CN" b="1" dirty="0" smtClean="0"/>
+              <a:t>3.</a:t>
+            </a:r>
+            <a:r>
+              <a:rPr lang="zh-CN" altLang="en-US" b="1" dirty="0" smtClean="0"/>
+              <a:t>基于导航网格的</a:t>
+            </a:r>
+            <a:r>
+              <a:rPr lang="en-US" altLang="zh-CN" b="1" dirty="0" smtClean="0"/>
+              <a:t>A</a:t>
+            </a:r>
+            <a:r>
+              <a:rPr lang="zh-CN" altLang="en-US" b="1" dirty="0" smtClean="0"/>
+              <a:t>*寻路</a:t>
+            </a:r>
+            <a:endParaRPr lang="en-US" altLang="zh-CN" b="1" dirty="0" smtClean="0"/>
+          </a:p>
+          <a:p>
+            <a:r>
+              <a:rPr lang="en-US" altLang="zh-CN" b="1" dirty="0" smtClean="0"/>
+              <a:t>4.</a:t>
+            </a:r>
+            <a:r>
+              <a:rPr lang="zh-CN" altLang="en-US" b="1" dirty="0"/>
+              <a:t>路径</a:t>
+            </a:r>
+            <a:r>
+              <a:rPr lang="zh-CN" altLang="en-US" b="1" dirty="0" smtClean="0"/>
+              <a:t>优化</a:t>
+            </a:r>
+            <a:endParaRPr lang="zh-CN" altLang="en-US" b="1" dirty="0"/>
+          </a:p>
+        </p:txBody>
+      </p:sp>
     </p:spTree>
   </p:cSld>
   <p:clrMapOvr>
     <a:masterClrMapping/>
   </p:clrMapOvr>
+  <p:timing>
+    <p:tnLst>
+      <p:par>
+        <p:cTn id="1" dur="indefinite" restart="never" nodeType="tmRoot"/>
+      </p:par>
+    </p:tnLst>
+  </p:timing>
 </p:sld>
 </file>
 
